--- a/Lectures Complete/Lectures Complete.pptx
+++ b/Lectures Complete/Lectures Complete.pptx
@@ -306,14 +306,14 @@
           </a:ln>
           <a:extLst>
             <a:ext uri="{909E8E84-426E-40dd-AFC4-6F175D3DCCD1}">
-              <a14:hiddenFill xmlns:a14="http://schemas.microsoft.com/office/drawing/2010/main" xmlns="">
+              <a14:hiddenFill xmlns="" xmlns:a14="http://schemas.microsoft.com/office/drawing/2010/main">
                 <a:solidFill>
                   <a:schemeClr val="accent1"/>
                 </a:solidFill>
               </a14:hiddenFill>
             </a:ext>
             <a:ext uri="{91240B29-F687-4f45-9708-019B960494DF}">
-              <a14:hiddenLine xmlns:a14="http://schemas.microsoft.com/office/drawing/2010/main" xmlns="" w="9525">
+              <a14:hiddenLine xmlns="" xmlns:a14="http://schemas.microsoft.com/office/drawing/2010/main" w="9525">
                 <a:solidFill>
                   <a:schemeClr val="tx1"/>
                 </a:solidFill>
@@ -323,7 +323,7 @@
               </a14:hiddenLine>
             </a:ext>
             <a:ext uri="{FAA26D3D-D897-4be2-8F04-BA451C77F1D7}">
-              <ma14:placeholderFlag xmlns:ma14="http://schemas.microsoft.com/office/mac/drawingml/2011/main" xmlns="" val="1"/>
+              <ma14:placeholderFlag xmlns="" xmlns:ma14="http://schemas.microsoft.com/office/mac/drawingml/2011/main" val="1"/>
             </a:ext>
           </a:extLst>
         </p:spPr>
@@ -383,14 +383,14 @@
           </a:ln>
           <a:extLst>
             <a:ext uri="{909E8E84-426E-40dd-AFC4-6F175D3DCCD1}">
-              <a14:hiddenFill xmlns:a14="http://schemas.microsoft.com/office/drawing/2010/main" xmlns="">
+              <a14:hiddenFill xmlns="" xmlns:a14="http://schemas.microsoft.com/office/drawing/2010/main">
                 <a:solidFill>
                   <a:schemeClr val="accent1"/>
                 </a:solidFill>
               </a14:hiddenFill>
             </a:ext>
             <a:ext uri="{91240B29-F687-4f45-9708-019B960494DF}">
-              <a14:hiddenLine xmlns:a14="http://schemas.microsoft.com/office/drawing/2010/main" xmlns="" w="9525">
+              <a14:hiddenLine xmlns="" xmlns:a14="http://schemas.microsoft.com/office/drawing/2010/main" w="9525">
                 <a:solidFill>
                   <a:schemeClr val="tx1"/>
                 </a:solidFill>
@@ -400,7 +400,7 @@
               </a14:hiddenLine>
             </a:ext>
             <a:ext uri="{FAA26D3D-D897-4be2-8F04-BA451C77F1D7}">
-              <ma14:placeholderFlag xmlns:ma14="http://schemas.microsoft.com/office/mac/drawingml/2011/main" xmlns="" val="1"/>
+              <ma14:placeholderFlag xmlns="" xmlns:ma14="http://schemas.microsoft.com/office/mac/drawingml/2011/main" val="1"/>
             </a:ext>
           </a:extLst>
         </p:spPr>
@@ -460,14 +460,14 @@
           </a:ln>
           <a:extLst>
             <a:ext uri="{909E8E84-426E-40dd-AFC4-6F175D3DCCD1}">
-              <a14:hiddenFill xmlns:a14="http://schemas.microsoft.com/office/drawing/2010/main" xmlns="">
+              <a14:hiddenFill xmlns="" xmlns:a14="http://schemas.microsoft.com/office/drawing/2010/main">
                 <a:solidFill>
                   <a:schemeClr val="accent1"/>
                 </a:solidFill>
               </a14:hiddenFill>
             </a:ext>
             <a:ext uri="{91240B29-F687-4f45-9708-019B960494DF}">
-              <a14:hiddenLine xmlns:a14="http://schemas.microsoft.com/office/drawing/2010/main" xmlns="" w="9525">
+              <a14:hiddenLine xmlns="" xmlns:a14="http://schemas.microsoft.com/office/drawing/2010/main" w="9525">
                 <a:solidFill>
                   <a:schemeClr val="tx1"/>
                 </a:solidFill>
@@ -477,7 +477,7 @@
               </a14:hiddenLine>
             </a:ext>
             <a:ext uri="{FAA26D3D-D897-4be2-8F04-BA451C77F1D7}">
-              <ma14:placeholderFlag xmlns:ma14="http://schemas.microsoft.com/office/mac/drawingml/2011/main" xmlns="" val="1"/>
+              <ma14:placeholderFlag xmlns="" xmlns:ma14="http://schemas.microsoft.com/office/mac/drawingml/2011/main" val="1"/>
             </a:ext>
           </a:extLst>
         </p:spPr>
@@ -537,14 +537,14 @@
           </a:ln>
           <a:extLst>
             <a:ext uri="{909E8E84-426E-40dd-AFC4-6F175D3DCCD1}">
-              <a14:hiddenFill xmlns:a14="http://schemas.microsoft.com/office/drawing/2010/main" xmlns="">
+              <a14:hiddenFill xmlns="" xmlns:a14="http://schemas.microsoft.com/office/drawing/2010/main">
                 <a:solidFill>
                   <a:schemeClr val="accent1"/>
                 </a:solidFill>
               </a14:hiddenFill>
             </a:ext>
             <a:ext uri="{91240B29-F687-4f45-9708-019B960494DF}">
-              <a14:hiddenLine xmlns:a14="http://schemas.microsoft.com/office/drawing/2010/main" xmlns="" w="9525">
+              <a14:hiddenLine xmlns="" xmlns:a14="http://schemas.microsoft.com/office/drawing/2010/main" w="9525">
                 <a:solidFill>
                   <a:schemeClr val="tx1"/>
                 </a:solidFill>
@@ -554,7 +554,7 @@
               </a14:hiddenLine>
             </a:ext>
             <a:ext uri="{FAA26D3D-D897-4be2-8F04-BA451C77F1D7}">
-              <ma14:placeholderFlag xmlns:ma14="http://schemas.microsoft.com/office/mac/drawingml/2011/main" xmlns="" val="1"/>
+              <ma14:placeholderFlag xmlns="" xmlns:ma14="http://schemas.microsoft.com/office/mac/drawingml/2011/main" val="1"/>
             </a:ext>
           </a:extLst>
         </p:spPr>
@@ -650,14 +650,14 @@
           </a:ln>
           <a:extLst>
             <a:ext uri="{909E8E84-426E-40dd-AFC4-6F175D3DCCD1}">
-              <a14:hiddenFill xmlns:a14="http://schemas.microsoft.com/office/drawing/2010/main" xmlns="">
+              <a14:hiddenFill xmlns="" xmlns:a14="http://schemas.microsoft.com/office/drawing/2010/main">
                 <a:solidFill>
                   <a:schemeClr val="accent1"/>
                 </a:solidFill>
               </a14:hiddenFill>
             </a:ext>
             <a:ext uri="{91240B29-F687-4f45-9708-019B960494DF}">
-              <a14:hiddenLine xmlns:a14="http://schemas.microsoft.com/office/drawing/2010/main" xmlns="" w="9525">
+              <a14:hiddenLine xmlns="" xmlns:a14="http://schemas.microsoft.com/office/drawing/2010/main" w="9525">
                 <a:solidFill>
                   <a:schemeClr val="tx1"/>
                 </a:solidFill>
@@ -667,7 +667,7 @@
               </a14:hiddenLine>
             </a:ext>
             <a:ext uri="{FAA26D3D-D897-4be2-8F04-BA451C77F1D7}">
-              <ma14:placeholderFlag xmlns:ma14="http://schemas.microsoft.com/office/mac/drawingml/2011/main" xmlns="" val="1"/>
+              <ma14:placeholderFlag xmlns="" xmlns:ma14="http://schemas.microsoft.com/office/mac/drawingml/2011/main" val="1"/>
             </a:ext>
           </a:extLst>
         </p:spPr>
@@ -727,14 +727,14 @@
           </a:ln>
           <a:extLst>
             <a:ext uri="{909E8E84-426E-40dd-AFC4-6F175D3DCCD1}">
-              <a14:hiddenFill xmlns:a14="http://schemas.microsoft.com/office/drawing/2010/main" xmlns="">
+              <a14:hiddenFill xmlns="" xmlns:a14="http://schemas.microsoft.com/office/drawing/2010/main">
                 <a:solidFill>
                   <a:schemeClr val="accent1"/>
                 </a:solidFill>
               </a14:hiddenFill>
             </a:ext>
             <a:ext uri="{91240B29-F687-4f45-9708-019B960494DF}">
-              <a14:hiddenLine xmlns:a14="http://schemas.microsoft.com/office/drawing/2010/main" xmlns="" w="9525">
+              <a14:hiddenLine xmlns="" xmlns:a14="http://schemas.microsoft.com/office/drawing/2010/main" w="9525">
                 <a:solidFill>
                   <a:schemeClr val="tx1"/>
                 </a:solidFill>
@@ -744,7 +744,7 @@
               </a14:hiddenLine>
             </a:ext>
             <a:ext uri="{FAA26D3D-D897-4be2-8F04-BA451C77F1D7}">
-              <ma14:placeholderFlag xmlns:ma14="http://schemas.microsoft.com/office/mac/drawingml/2011/main" xmlns="" val="1"/>
+              <ma14:placeholderFlag xmlns="" xmlns:ma14="http://schemas.microsoft.com/office/mac/drawingml/2011/main" val="1"/>
             </a:ext>
           </a:extLst>
         </p:spPr>
@@ -810,7 +810,7 @@
           <a:effectLst/>
           <a:extLst>
             <a:ext uri="{AF507438-7753-43e0-B8FC-AC1667EBCBE1}">
-              <a14:hiddenEffects xmlns:a14="http://schemas.microsoft.com/office/drawing/2010/main" xmlns="">
+              <a14:hiddenEffects xmlns="" xmlns:a14="http://schemas.microsoft.com/office/drawing/2010/main">
                 <a:effectLst>
                   <a:outerShdw blurRad="63500" dist="38099" dir="2700000" algn="ctr" rotWithShape="0">
                     <a:srgbClr val="000000">
@@ -821,7 +821,7 @@
               </a14:hiddenEffects>
             </a:ext>
             <a:ext uri="{53640926-AAD7-44d8-BBD7-CCE9431645EC}">
-              <a14:shadowObscured xmlns:a14="http://schemas.microsoft.com/office/drawing/2010/main" xmlns="" val="1"/>
+              <a14:shadowObscured xmlns="" xmlns:a14="http://schemas.microsoft.com/office/drawing/2010/main" val="1"/>
             </a:ext>
           </a:extLst>
         </p:spPr>
@@ -856,14 +856,14 @@
           </a:ln>
           <a:extLst>
             <a:ext uri="{909E8E84-426E-40dd-AFC4-6F175D3DCCD1}">
-              <a14:hiddenFill xmlns:a14="http://schemas.microsoft.com/office/drawing/2010/main" xmlns="">
+              <a14:hiddenFill xmlns="" xmlns:a14="http://schemas.microsoft.com/office/drawing/2010/main">
                 <a:solidFill>
                   <a:schemeClr val="accent1"/>
                 </a:solidFill>
               </a14:hiddenFill>
             </a:ext>
             <a:ext uri="{91240B29-F687-4f45-9708-019B960494DF}">
-              <a14:hiddenLine xmlns:a14="http://schemas.microsoft.com/office/drawing/2010/main" xmlns="" w="9525">
+              <a14:hiddenLine xmlns="" xmlns:a14="http://schemas.microsoft.com/office/drawing/2010/main" w="9525">
                 <a:solidFill>
                   <a:schemeClr val="tx1"/>
                 </a:solidFill>
@@ -873,7 +873,7 @@
               </a14:hiddenLine>
             </a:ext>
             <a:ext uri="{FAA26D3D-D897-4be2-8F04-BA451C77F1D7}">
-              <ma14:placeholderFlag xmlns:ma14="http://schemas.microsoft.com/office/mac/drawingml/2011/main" xmlns="" val="1"/>
+              <ma14:placeholderFlag xmlns="" xmlns:ma14="http://schemas.microsoft.com/office/mac/drawingml/2011/main" val="1"/>
             </a:ext>
           </a:extLst>
         </p:spPr>
@@ -951,14 +951,14 @@
           </a:ln>
           <a:extLst>
             <a:ext uri="{909E8E84-426E-40dd-AFC4-6F175D3DCCD1}">
-              <a14:hiddenFill xmlns:a14="http://schemas.microsoft.com/office/drawing/2010/main" xmlns="">
+              <a14:hiddenFill xmlns="" xmlns:a14="http://schemas.microsoft.com/office/drawing/2010/main">
                 <a:solidFill>
                   <a:schemeClr val="accent1"/>
                 </a:solidFill>
               </a14:hiddenFill>
             </a:ext>
             <a:ext uri="{91240B29-F687-4f45-9708-019B960494DF}">
-              <a14:hiddenLine xmlns:a14="http://schemas.microsoft.com/office/drawing/2010/main" xmlns="" w="9525">
+              <a14:hiddenLine xmlns="" xmlns:a14="http://schemas.microsoft.com/office/drawing/2010/main" w="9525">
                 <a:solidFill>
                   <a:schemeClr val="tx1"/>
                 </a:solidFill>
@@ -968,7 +968,7 @@
               </a14:hiddenLine>
             </a:ext>
             <a:ext uri="{FAA26D3D-D897-4be2-8F04-BA451C77F1D7}">
-              <ma14:placeholderFlag xmlns:ma14="http://schemas.microsoft.com/office/mac/drawingml/2011/main" xmlns="" val="1"/>
+              <ma14:placeholderFlag xmlns="" xmlns:ma14="http://schemas.microsoft.com/office/mac/drawingml/2011/main" val="1"/>
             </a:ext>
           </a:extLst>
         </p:spPr>
@@ -1028,14 +1028,14 @@
           </a:ln>
           <a:extLst>
             <a:ext uri="{909E8E84-426E-40dd-AFC4-6F175D3DCCD1}">
-              <a14:hiddenFill xmlns:a14="http://schemas.microsoft.com/office/drawing/2010/main" xmlns="">
+              <a14:hiddenFill xmlns="" xmlns:a14="http://schemas.microsoft.com/office/drawing/2010/main">
                 <a:solidFill>
                   <a:schemeClr val="accent1"/>
                 </a:solidFill>
               </a14:hiddenFill>
             </a:ext>
             <a:ext uri="{91240B29-F687-4f45-9708-019B960494DF}">
-              <a14:hiddenLine xmlns:a14="http://schemas.microsoft.com/office/drawing/2010/main" xmlns="" w="9525">
+              <a14:hiddenLine xmlns="" xmlns:a14="http://schemas.microsoft.com/office/drawing/2010/main" w="9525">
                 <a:solidFill>
                   <a:schemeClr val="tx1"/>
                 </a:solidFill>
@@ -1045,7 +1045,7 @@
               </a14:hiddenLine>
             </a:ext>
             <a:ext uri="{FAA26D3D-D897-4be2-8F04-BA451C77F1D7}">
-              <ma14:placeholderFlag xmlns:ma14="http://schemas.microsoft.com/office/mac/drawingml/2011/main" xmlns="" val="1"/>
+              <ma14:placeholderFlag xmlns="" xmlns:ma14="http://schemas.microsoft.com/office/mac/drawingml/2011/main" val="1"/>
             </a:ext>
           </a:extLst>
         </p:spPr>
@@ -1407,7 +1407,7 @@
           <a:ln/>
           <a:extLst>
             <a:ext uri="{FAA26D3D-D897-4be2-8F04-BA451C77F1D7}">
-              <ma14:placeholderFlag xmlns:ma14="http://schemas.microsoft.com/office/mac/drawingml/2011/main" xmlns="" val="1"/>
+              <ma14:placeholderFlag xmlns="" xmlns:ma14="http://schemas.microsoft.com/office/mac/drawingml/2011/main" val="1"/>
             </a:ext>
           </a:extLst>
         </p:spPr>
@@ -4602,7 +4602,7 @@
           <a:effectLst/>
           <a:extLst>
             <a:ext uri="{AF507438-7753-43e0-B8FC-AC1667EBCBE1}">
-              <a14:hiddenEffects xmlns:a14="http://schemas.microsoft.com/office/drawing/2010/main" xmlns="">
+              <a14:hiddenEffects xmlns="" xmlns:a14="http://schemas.microsoft.com/office/drawing/2010/main">
                 <a:effectLst>
                   <a:outerShdw blurRad="63500" dist="38099" dir="2700000" algn="ctr" rotWithShape="0">
                     <a:srgbClr val="000000">
@@ -5743,14 +5743,14 @@
           </a:ln>
           <a:extLst>
             <a:ext uri="{909E8E84-426E-40dd-AFC4-6F175D3DCCD1}">
-              <a14:hiddenFill xmlns="" xmlns:a14="http://schemas.microsoft.com/office/drawing/2010/main">
+              <a14:hiddenFill xmlns:a14="http://schemas.microsoft.com/office/drawing/2010/main" xmlns="">
                 <a:solidFill>
                   <a:schemeClr val="accent1"/>
                 </a:solidFill>
               </a14:hiddenFill>
             </a:ext>
             <a:ext uri="{91240B29-F687-4f45-9708-019B960494DF}">
-              <a14:hiddenLine xmlns="" xmlns:a14="http://schemas.microsoft.com/office/drawing/2010/main" w="9525" cap="flat" cmpd="sng" algn="ctr">
+              <a14:hiddenLine xmlns:a14="http://schemas.microsoft.com/office/drawing/2010/main" xmlns="" w="9525" cap="flat" cmpd="sng" algn="ctr">
                 <a:solidFill>
                   <a:schemeClr val="tx1"/>
                 </a:solidFill>
@@ -5761,7 +5761,7 @@
               </a14:hiddenLine>
             </a:ext>
             <a:ext uri="{AF507438-7753-43e0-B8FC-AC1667EBCBE1}">
-              <a14:hiddenEffects xmlns="" xmlns:a14="http://schemas.microsoft.com/office/drawing/2010/main">
+              <a14:hiddenEffects xmlns:a14="http://schemas.microsoft.com/office/drawing/2010/main" xmlns="">
                 <a:effectLst>
                   <a:outerShdw blurRad="63500" dist="38099" dir="2700000" algn="ctr" rotWithShape="0">
                     <a:srgbClr val="000000">
@@ -6028,14 +6028,14 @@
           </a:ln>
           <a:extLst>
             <a:ext uri="{909E8E84-426E-40dd-AFC4-6F175D3DCCD1}">
-              <a14:hiddenFill xmlns="" xmlns:a14="http://schemas.microsoft.com/office/drawing/2010/main">
+              <a14:hiddenFill xmlns:a14="http://schemas.microsoft.com/office/drawing/2010/main" xmlns="">
                 <a:solidFill>
                   <a:schemeClr val="accent1"/>
                 </a:solidFill>
               </a14:hiddenFill>
             </a:ext>
             <a:ext uri="{91240B29-F687-4f45-9708-019B960494DF}">
-              <a14:hiddenLine xmlns="" xmlns:a14="http://schemas.microsoft.com/office/drawing/2010/main" w="9525" cap="flat" cmpd="sng" algn="ctr">
+              <a14:hiddenLine xmlns:a14="http://schemas.microsoft.com/office/drawing/2010/main" xmlns="" w="9525" cap="flat" cmpd="sng" algn="ctr">
                 <a:solidFill>
                   <a:schemeClr val="tx1"/>
                 </a:solidFill>
@@ -6046,7 +6046,7 @@
               </a14:hiddenLine>
             </a:ext>
             <a:ext uri="{AF507438-7753-43e0-B8FC-AC1667EBCBE1}">
-              <a14:hiddenEffects xmlns="" xmlns:a14="http://schemas.microsoft.com/office/drawing/2010/main">
+              <a14:hiddenEffects xmlns:a14="http://schemas.microsoft.com/office/drawing/2010/main" xmlns="">
                 <a:effectLst>
                   <a:outerShdw blurRad="63500" dist="38099" dir="2700000" algn="ctr" rotWithShape="0">
                     <a:srgbClr val="000000">
@@ -6313,14 +6313,14 @@
           </a:ln>
           <a:extLst>
             <a:ext uri="{909E8E84-426E-40dd-AFC4-6F175D3DCCD1}">
-              <a14:hiddenFill xmlns="" xmlns:a14="http://schemas.microsoft.com/office/drawing/2010/main">
+              <a14:hiddenFill xmlns:a14="http://schemas.microsoft.com/office/drawing/2010/main" xmlns="">
                 <a:solidFill>
                   <a:schemeClr val="accent1"/>
                 </a:solidFill>
               </a14:hiddenFill>
             </a:ext>
             <a:ext uri="{91240B29-F687-4f45-9708-019B960494DF}">
-              <a14:hiddenLine xmlns="" xmlns:a14="http://schemas.microsoft.com/office/drawing/2010/main" w="9525" cap="flat" cmpd="sng" algn="ctr">
+              <a14:hiddenLine xmlns:a14="http://schemas.microsoft.com/office/drawing/2010/main" xmlns="" w="9525" cap="flat" cmpd="sng" algn="ctr">
                 <a:solidFill>
                   <a:schemeClr val="tx1"/>
                 </a:solidFill>
@@ -6331,7 +6331,7 @@
               </a14:hiddenLine>
             </a:ext>
             <a:ext uri="{AF507438-7753-43e0-B8FC-AC1667EBCBE1}">
-              <a14:hiddenEffects xmlns="" xmlns:a14="http://schemas.microsoft.com/office/drawing/2010/main">
+              <a14:hiddenEffects xmlns:a14="http://schemas.microsoft.com/office/drawing/2010/main" xmlns="">
                 <a:effectLst>
                   <a:outerShdw blurRad="63500" dist="38099" dir="2700000" algn="ctr" rotWithShape="0">
                     <a:srgbClr val="000000">
@@ -7843,14 +7843,14 @@
           </a:ln>
           <a:extLst>
             <a:ext uri="{909E8E84-426E-40dd-AFC4-6F175D3DCCD1}">
-              <a14:hiddenFill xmlns="" xmlns:a14="http://schemas.microsoft.com/office/drawing/2010/main">
+              <a14:hiddenFill xmlns:a14="http://schemas.microsoft.com/office/drawing/2010/main" xmlns="">
                 <a:solidFill>
                   <a:schemeClr val="accent1"/>
                 </a:solidFill>
               </a14:hiddenFill>
             </a:ext>
             <a:ext uri="{91240B29-F687-4f45-9708-019B960494DF}">
-              <a14:hiddenLine xmlns="" xmlns:a14="http://schemas.microsoft.com/office/drawing/2010/main" w="9525" cap="flat" cmpd="sng" algn="ctr">
+              <a14:hiddenLine xmlns:a14="http://schemas.microsoft.com/office/drawing/2010/main" xmlns="" w="9525" cap="flat" cmpd="sng" algn="ctr">
                 <a:solidFill>
                   <a:schemeClr val="tx1"/>
                 </a:solidFill>
@@ -7861,7 +7861,7 @@
               </a14:hiddenLine>
             </a:ext>
             <a:ext uri="{AF507438-7753-43e0-B8FC-AC1667EBCBE1}">
-              <a14:hiddenEffects xmlns="" xmlns:a14="http://schemas.microsoft.com/office/drawing/2010/main">
+              <a14:hiddenEffects xmlns:a14="http://schemas.microsoft.com/office/drawing/2010/main" xmlns="">
                 <a:effectLst>
                   <a:outerShdw blurRad="63500" dist="38099" dir="2700000" algn="ctr" rotWithShape="0">
                     <a:srgbClr val="000000">
@@ -9300,14 +9300,14 @@
           </a:ln>
           <a:extLst>
             <a:ext uri="{909E8E84-426E-40dd-AFC4-6F175D3DCCD1}">
-              <a14:hiddenFill xmlns="" xmlns:a14="http://schemas.microsoft.com/office/drawing/2010/main">
+              <a14:hiddenFill xmlns:a14="http://schemas.microsoft.com/office/drawing/2010/main" xmlns="">
                 <a:solidFill>
                   <a:schemeClr val="accent1"/>
                 </a:solidFill>
               </a14:hiddenFill>
             </a:ext>
             <a:ext uri="{91240B29-F687-4f45-9708-019B960494DF}">
-              <a14:hiddenLine xmlns="" xmlns:a14="http://schemas.microsoft.com/office/drawing/2010/main" w="9525" cap="flat" cmpd="sng" algn="ctr">
+              <a14:hiddenLine xmlns:a14="http://schemas.microsoft.com/office/drawing/2010/main" xmlns="" w="9525" cap="flat" cmpd="sng" algn="ctr">
                 <a:solidFill>
                   <a:schemeClr val="tx1"/>
                 </a:solidFill>
@@ -9318,7 +9318,7 @@
               </a14:hiddenLine>
             </a:ext>
             <a:ext uri="{AF507438-7753-43e0-B8FC-AC1667EBCBE1}">
-              <a14:hiddenEffects xmlns="" xmlns:a14="http://schemas.microsoft.com/office/drawing/2010/main">
+              <a14:hiddenEffects xmlns:a14="http://schemas.microsoft.com/office/drawing/2010/main" xmlns="">
                 <a:effectLst>
                   <a:outerShdw blurRad="63500" dist="38099" dir="2700000" algn="ctr" rotWithShape="0">
                     <a:srgbClr val="000000">
@@ -11093,14 +11093,14 @@
           <a:effectLst/>
           <a:extLst>
             <a:ext uri="{909E8E84-426E-40dd-AFC4-6F175D3DCCD1}">
-              <a14:hiddenFill xmlns="" xmlns:a14="http://schemas.microsoft.com/office/drawing/2010/main">
+              <a14:hiddenFill xmlns:a14="http://schemas.microsoft.com/office/drawing/2010/main" xmlns="">
                 <a:solidFill>
                   <a:schemeClr val="accent1"/>
                 </a:solidFill>
               </a14:hiddenFill>
             </a:ext>
             <a:ext uri="{91240B29-F687-4f45-9708-019B960494DF}">
-              <a14:hiddenLine xmlns="" xmlns:a14="http://schemas.microsoft.com/office/drawing/2010/main" w="9525" cap="flat" cmpd="sng" algn="ctr">
+              <a14:hiddenLine xmlns:a14="http://schemas.microsoft.com/office/drawing/2010/main" xmlns="" w="9525" cap="flat" cmpd="sng" algn="ctr">
                 <a:solidFill>
                   <a:schemeClr val="tx1"/>
                 </a:solidFill>
@@ -11111,7 +11111,7 @@
               </a14:hiddenLine>
             </a:ext>
             <a:ext uri="{AF507438-7753-43e0-B8FC-AC1667EBCBE1}">
-              <a14:hiddenEffects xmlns="" xmlns:a14="http://schemas.microsoft.com/office/drawing/2010/main">
+              <a14:hiddenEffects xmlns:a14="http://schemas.microsoft.com/office/drawing/2010/main" xmlns="">
                 <a:effectLst>
                   <a:outerShdw blurRad="63500" dist="38099" dir="2700000" algn="ctr" rotWithShape="0">
                     <a:srgbClr val="000000">
@@ -14263,14 +14263,14 @@
           <a:effectLst/>
           <a:extLst>
             <a:ext uri="{909E8E84-426E-40dd-AFC4-6F175D3DCCD1}">
-              <a14:hiddenFill xmlns="" xmlns:a14="http://schemas.microsoft.com/office/drawing/2010/main">
+              <a14:hiddenFill xmlns:a14="http://schemas.microsoft.com/office/drawing/2010/main" xmlns="">
                 <a:solidFill>
                   <a:schemeClr val="accent1"/>
                 </a:solidFill>
               </a14:hiddenFill>
             </a:ext>
             <a:ext uri="{91240B29-F687-4f45-9708-019B960494DF}">
-              <a14:hiddenLine xmlns="" xmlns:a14="http://schemas.microsoft.com/office/drawing/2010/main" w="9525" cap="flat" cmpd="sng" algn="ctr">
+              <a14:hiddenLine xmlns:a14="http://schemas.microsoft.com/office/drawing/2010/main" xmlns="" w="9525" cap="flat" cmpd="sng" algn="ctr">
                 <a:solidFill>
                   <a:schemeClr val="tx1"/>
                 </a:solidFill>
@@ -14281,7 +14281,7 @@
               </a14:hiddenLine>
             </a:ext>
             <a:ext uri="{AF507438-7753-43e0-B8FC-AC1667EBCBE1}">
-              <a14:hiddenEffects xmlns="" xmlns:a14="http://schemas.microsoft.com/office/drawing/2010/main">
+              <a14:hiddenEffects xmlns:a14="http://schemas.microsoft.com/office/drawing/2010/main" xmlns="">
                 <a:effectLst>
                   <a:outerShdw blurRad="63500" dist="38099" dir="2700000" algn="ctr" rotWithShape="0">
                     <a:srgbClr val="000000">
@@ -14575,14 +14575,14 @@
           <a:effectLst/>
           <a:extLst>
             <a:ext uri="{909E8E84-426E-40dd-AFC4-6F175D3DCCD1}">
-              <a14:hiddenFill xmlns="" xmlns:a14="http://schemas.microsoft.com/office/drawing/2010/main">
+              <a14:hiddenFill xmlns:a14="http://schemas.microsoft.com/office/drawing/2010/main" xmlns="">
                 <a:solidFill>
                   <a:schemeClr val="accent1"/>
                 </a:solidFill>
               </a14:hiddenFill>
             </a:ext>
             <a:ext uri="{91240B29-F687-4f45-9708-019B960494DF}">
-              <a14:hiddenLine xmlns="" xmlns:a14="http://schemas.microsoft.com/office/drawing/2010/main" w="9525" cap="flat" cmpd="sng" algn="ctr">
+              <a14:hiddenLine xmlns:a14="http://schemas.microsoft.com/office/drawing/2010/main" xmlns="" w="9525" cap="flat" cmpd="sng" algn="ctr">
                 <a:solidFill>
                   <a:schemeClr val="tx1"/>
                 </a:solidFill>
@@ -14593,7 +14593,7 @@
               </a14:hiddenLine>
             </a:ext>
             <a:ext uri="{AF507438-7753-43e0-B8FC-AC1667EBCBE1}">
-              <a14:hiddenEffects xmlns="" xmlns:a14="http://schemas.microsoft.com/office/drawing/2010/main">
+              <a14:hiddenEffects xmlns:a14="http://schemas.microsoft.com/office/drawing/2010/main" xmlns="">
                 <a:effectLst>
                   <a:outerShdw blurRad="63500" dist="38099" dir="2700000" algn="ctr" rotWithShape="0">
                     <a:srgbClr val="000000">
@@ -15862,14 +15862,14 @@
           <a:effectLst/>
           <a:extLst>
             <a:ext uri="{909E8E84-426E-40dd-AFC4-6F175D3DCCD1}">
-              <a14:hiddenFill xmlns="" xmlns:a14="http://schemas.microsoft.com/office/drawing/2010/main">
+              <a14:hiddenFill xmlns:a14="http://schemas.microsoft.com/office/drawing/2010/main" xmlns="">
                 <a:solidFill>
                   <a:schemeClr val="accent1"/>
                 </a:solidFill>
               </a14:hiddenFill>
             </a:ext>
             <a:ext uri="{91240B29-F687-4f45-9708-019B960494DF}">
-              <a14:hiddenLine xmlns="" xmlns:a14="http://schemas.microsoft.com/office/drawing/2010/main" w="9525" cap="flat" cmpd="sng" algn="ctr">
+              <a14:hiddenLine xmlns:a14="http://schemas.microsoft.com/office/drawing/2010/main" xmlns="" w="9525" cap="flat" cmpd="sng" algn="ctr">
                 <a:solidFill>
                   <a:schemeClr val="tx1"/>
                 </a:solidFill>
@@ -15880,7 +15880,7 @@
               </a14:hiddenLine>
             </a:ext>
             <a:ext uri="{AF507438-7753-43e0-B8FC-AC1667EBCBE1}">
-              <a14:hiddenEffects xmlns="" xmlns:a14="http://schemas.microsoft.com/office/drawing/2010/main">
+              <a14:hiddenEffects xmlns:a14="http://schemas.microsoft.com/office/drawing/2010/main" xmlns="">
                 <a:effectLst>
                   <a:outerShdw blurRad="63500" dist="38099" dir="2700000" algn="ctr" rotWithShape="0">
                     <a:srgbClr val="000000">
@@ -16175,7 +16175,15 @@
             </a:r>
             <a:r>
               <a:rPr lang="en-GB" altLang="it-IT" sz="2000" kern="0" dirty="0"/>
-              <a:t>each group will present the work (15 mins), preparing a set of slides to comment the results</a:t>
+              <a:t>each group will present the work (</a:t>
+            </a:r>
+            <a:r>
+              <a:rPr lang="en-GB" altLang="it-IT" sz="2000" kern="0"/>
+              <a:t>15 min), </a:t>
+            </a:r>
+            <a:r>
+              <a:rPr lang="en-GB" altLang="it-IT" sz="2000" kern="0" dirty="0"/>
+              <a:t>preparing a set of slides to comment the results</a:t>
             </a:r>
           </a:p>
         </p:txBody>
@@ -16368,6 +16376,528 @@
           <a:effectLst/>
           <a:extLst>
             <a:ext uri="{909E8E84-426E-40dd-AFC4-6F175D3DCCD1}">
+              <a14:hiddenFill xmlns:a14="http://schemas.microsoft.com/office/drawing/2010/main" xmlns="">
+                <a:solidFill>
+                  <a:schemeClr val="accent1"/>
+                </a:solidFill>
+              </a14:hiddenFill>
+            </a:ext>
+            <a:ext uri="{91240B29-F687-4f45-9708-019B960494DF}">
+              <a14:hiddenLine xmlns:a14="http://schemas.microsoft.com/office/drawing/2010/main" xmlns="" w="9525" cap="flat" cmpd="sng" algn="ctr">
+                <a:solidFill>
+                  <a:schemeClr val="tx1"/>
+                </a:solidFill>
+                <a:prstDash val="solid"/>
+                <a:round/>
+                <a:headEnd type="none" w="med" len="med"/>
+                <a:tailEnd type="none" w="med" len="med"/>
+              </a14:hiddenLine>
+            </a:ext>
+            <a:ext uri="{AF507438-7753-43e0-B8FC-AC1667EBCBE1}">
+              <a14:hiddenEffects xmlns:a14="http://schemas.microsoft.com/office/drawing/2010/main" xmlns="">
+                <a:effectLst>
+                  <a:outerShdw blurRad="63500" dist="38099" dir="2700000" algn="ctr" rotWithShape="0">
+                    <a:srgbClr val="000000">
+                      <a:alpha val="74998"/>
+                    </a:srgbClr>
+                  </a:outerShdw>
+                </a:effectLst>
+              </a14:hiddenEffects>
+            </a:ext>
+          </a:extLst>
+        </p:spPr>
+        <p:txBody>
+          <a:bodyPr vert="horz" wrap="square" lIns="91440" tIns="45720" rIns="91440" bIns="45720" numCol="1" rtlCol="0" anchor="t" anchorCtr="0" compatLnSpc="1">
+            <a:prstTxWarp prst="textNoShape">
+              <a:avLst/>
+            </a:prstTxWarp>
+          </a:bodyPr>
+          <a:lstStyle/>
+          <a:p>
+            <a:pPr marL="0" marR="0" indent="0" algn="l" defTabSz="914400" rtl="0" eaLnBrk="0" fontAlgn="base" latinLnBrk="0" hangingPunct="0">
+              <a:lnSpc>
+                <a:spcPct val="100000"/>
+              </a:lnSpc>
+              <a:spcBef>
+                <a:spcPct val="0"/>
+              </a:spcBef>
+              <a:spcAft>
+                <a:spcPct val="0"/>
+              </a:spcAft>
+              <a:buClrTx/>
+              <a:buSzTx/>
+              <a:buFontTx/>
+              <a:buNone/>
+              <a:tabLst/>
+            </a:pPr>
+            <a:endParaRPr kumimoji="0" lang="it-IT" sz="2400" b="0" i="0" u="none" strike="noStrike" cap="none" normalizeH="0" baseline="0" dirty="0">
+              <a:ln>
+                <a:noFill/>
+              </a:ln>
+              <a:solidFill>
+                <a:srgbClr val="000000"/>
+              </a:solidFill>
+              <a:effectLst/>
+              <a:latin typeface="Arial" charset="0"/>
+              <a:ea typeface="ＭＳ Ｐゴシック" charset="0"/>
+              <a:cs typeface="ＭＳ Ｐゴシック" charset="0"/>
+            </a:endParaRPr>
+          </a:p>
+        </p:txBody>
+      </p:sp>
+      <p:sp>
+        <p:nvSpPr>
+          <p:cNvPr id="7" name="Connettore 6">
+            <a:extLst>
+              <a:ext uri="{FF2B5EF4-FFF2-40B4-BE49-F238E27FC236}">
+                <a16:creationId xmlns:a16="http://schemas.microsoft.com/office/drawing/2014/main" id="{9AA5BAA2-CAF5-46D2-B722-5DF22CBB4D3E}"/>
+              </a:ext>
+            </a:extLst>
+          </p:cNvPr>
+          <p:cNvSpPr/>
+          <p:nvPr/>
+        </p:nvSpPr>
+        <p:spPr bwMode="auto">
+          <a:xfrm>
+            <a:off x="1043608" y="3758280"/>
+            <a:ext cx="648072" cy="576064"/>
+          </a:xfrm>
+          <a:prstGeom prst="flowChartConnector">
+            <a:avLst/>
+          </a:prstGeom>
+          <a:solidFill>
+            <a:schemeClr val="tx1">
+              <a:lumMod val="40000"/>
+              <a:lumOff val="60000"/>
+            </a:schemeClr>
+          </a:solidFill>
+          <a:ln>
+            <a:noFill/>
+          </a:ln>
+          <a:effectLst/>
+          <a:extLst>
+            <a:ext uri="{909E8E84-426E-40dd-AFC4-6F175D3DCCD1}">
+              <a14:hiddenFill xmlns:a14="http://schemas.microsoft.com/office/drawing/2010/main" xmlns="">
+                <a:solidFill>
+                  <a:schemeClr val="accent1"/>
+                </a:solidFill>
+              </a14:hiddenFill>
+            </a:ext>
+            <a:ext uri="{91240B29-F687-4f45-9708-019B960494DF}">
+              <a14:hiddenLine xmlns:a14="http://schemas.microsoft.com/office/drawing/2010/main" xmlns="" w="9525" cap="flat" cmpd="sng" algn="ctr">
+                <a:solidFill>
+                  <a:schemeClr val="tx1"/>
+                </a:solidFill>
+                <a:prstDash val="solid"/>
+                <a:round/>
+                <a:headEnd type="none" w="med" len="med"/>
+                <a:tailEnd type="none" w="med" len="med"/>
+              </a14:hiddenLine>
+            </a:ext>
+            <a:ext uri="{AF507438-7753-43e0-B8FC-AC1667EBCBE1}">
+              <a14:hiddenEffects xmlns:a14="http://schemas.microsoft.com/office/drawing/2010/main" xmlns="">
+                <a:effectLst>
+                  <a:outerShdw blurRad="63500" dist="38099" dir="2700000" algn="ctr" rotWithShape="0">
+                    <a:srgbClr val="000000">
+                      <a:alpha val="74998"/>
+                    </a:srgbClr>
+                  </a:outerShdw>
+                </a:effectLst>
+              </a14:hiddenEffects>
+            </a:ext>
+          </a:extLst>
+        </p:spPr>
+        <p:txBody>
+          <a:bodyPr vert="horz" wrap="square" lIns="91440" tIns="45720" rIns="91440" bIns="45720" numCol="1" rtlCol="0" anchor="t" anchorCtr="0" compatLnSpc="1">
+            <a:prstTxWarp prst="textNoShape">
+              <a:avLst/>
+            </a:prstTxWarp>
+          </a:bodyPr>
+          <a:lstStyle/>
+          <a:p>
+            <a:pPr marL="0" marR="0" indent="0" algn="l" defTabSz="914400" rtl="0" eaLnBrk="0" fontAlgn="base" latinLnBrk="0" hangingPunct="0">
+              <a:lnSpc>
+                <a:spcPct val="100000"/>
+              </a:lnSpc>
+              <a:spcBef>
+                <a:spcPct val="0"/>
+              </a:spcBef>
+              <a:spcAft>
+                <a:spcPct val="0"/>
+              </a:spcAft>
+              <a:buClrTx/>
+              <a:buSzTx/>
+              <a:buFontTx/>
+              <a:buNone/>
+              <a:tabLst/>
+            </a:pPr>
+            <a:endParaRPr kumimoji="0" lang="it-IT" sz="2400" b="0" i="0" u="none" strike="noStrike" cap="none" normalizeH="0" baseline="0" dirty="0">
+              <a:ln>
+                <a:noFill/>
+              </a:ln>
+              <a:solidFill>
+                <a:srgbClr val="000000"/>
+              </a:solidFill>
+              <a:effectLst/>
+              <a:latin typeface="Arial" charset="0"/>
+              <a:ea typeface="ＭＳ Ｐゴシック" charset="0"/>
+              <a:cs typeface="ＭＳ Ｐゴシック" charset="0"/>
+            </a:endParaRPr>
+          </a:p>
+        </p:txBody>
+      </p:sp>
+      <p:sp>
+        <p:nvSpPr>
+          <p:cNvPr id="8" name="Connettore 7">
+            <a:extLst>
+              <a:ext uri="{FF2B5EF4-FFF2-40B4-BE49-F238E27FC236}">
+                <a16:creationId xmlns:a16="http://schemas.microsoft.com/office/drawing/2014/main" id="{3A180CF2-EC95-4A12-AC76-8C9BEE4CB4AF}"/>
+              </a:ext>
+            </a:extLst>
+          </p:cNvPr>
+          <p:cNvSpPr/>
+          <p:nvPr/>
+        </p:nvSpPr>
+        <p:spPr bwMode="auto">
+          <a:xfrm>
+            <a:off x="1010975" y="2636912"/>
+            <a:ext cx="648072" cy="576064"/>
+          </a:xfrm>
+          <a:prstGeom prst="flowChartConnector">
+            <a:avLst/>
+          </a:prstGeom>
+          <a:solidFill>
+            <a:schemeClr val="tx1">
+              <a:lumMod val="40000"/>
+              <a:lumOff val="60000"/>
+            </a:schemeClr>
+          </a:solidFill>
+          <a:ln>
+            <a:noFill/>
+          </a:ln>
+          <a:effectLst/>
+          <a:extLst>
+            <a:ext uri="{909E8E84-426E-40dd-AFC4-6F175D3DCCD1}">
+              <a14:hiddenFill xmlns:a14="http://schemas.microsoft.com/office/drawing/2010/main" xmlns="">
+                <a:solidFill>
+                  <a:schemeClr val="accent1"/>
+                </a:solidFill>
+              </a14:hiddenFill>
+            </a:ext>
+            <a:ext uri="{91240B29-F687-4f45-9708-019B960494DF}">
+              <a14:hiddenLine xmlns:a14="http://schemas.microsoft.com/office/drawing/2010/main" xmlns="" w="9525" cap="flat" cmpd="sng" algn="ctr">
+                <a:solidFill>
+                  <a:schemeClr val="tx1"/>
+                </a:solidFill>
+                <a:prstDash val="solid"/>
+                <a:round/>
+                <a:headEnd type="none" w="med" len="med"/>
+                <a:tailEnd type="none" w="med" len="med"/>
+              </a14:hiddenLine>
+            </a:ext>
+            <a:ext uri="{AF507438-7753-43e0-B8FC-AC1667EBCBE1}">
+              <a14:hiddenEffects xmlns:a14="http://schemas.microsoft.com/office/drawing/2010/main" xmlns="">
+                <a:effectLst>
+                  <a:outerShdw blurRad="63500" dist="38099" dir="2700000" algn="ctr" rotWithShape="0">
+                    <a:srgbClr val="000000">
+                      <a:alpha val="74998"/>
+                    </a:srgbClr>
+                  </a:outerShdw>
+                </a:effectLst>
+              </a14:hiddenEffects>
+            </a:ext>
+          </a:extLst>
+        </p:spPr>
+        <p:txBody>
+          <a:bodyPr vert="horz" wrap="square" lIns="91440" tIns="45720" rIns="91440" bIns="45720" numCol="1" rtlCol="0" anchor="t" anchorCtr="0" compatLnSpc="1">
+            <a:prstTxWarp prst="textNoShape">
+              <a:avLst/>
+            </a:prstTxWarp>
+          </a:bodyPr>
+          <a:lstStyle/>
+          <a:p>
+            <a:pPr marL="0" marR="0" indent="0" algn="l" defTabSz="914400" rtl="0" eaLnBrk="0" fontAlgn="base" latinLnBrk="0" hangingPunct="0">
+              <a:lnSpc>
+                <a:spcPct val="100000"/>
+              </a:lnSpc>
+              <a:spcBef>
+                <a:spcPct val="0"/>
+              </a:spcBef>
+              <a:spcAft>
+                <a:spcPct val="0"/>
+              </a:spcAft>
+              <a:buClrTx/>
+              <a:buSzTx/>
+              <a:buFontTx/>
+              <a:buNone/>
+              <a:tabLst/>
+            </a:pPr>
+            <a:endParaRPr kumimoji="0" lang="it-IT" sz="2400" b="0" i="0" u="none" strike="noStrike" cap="none" normalizeH="0" baseline="0" dirty="0">
+              <a:ln>
+                <a:noFill/>
+              </a:ln>
+              <a:solidFill>
+                <a:srgbClr val="000000"/>
+              </a:solidFill>
+              <a:effectLst/>
+              <a:latin typeface="Arial" charset="0"/>
+              <a:ea typeface="ＭＳ Ｐゴシック" charset="0"/>
+              <a:cs typeface="ＭＳ Ｐゴシック" charset="0"/>
+            </a:endParaRPr>
+          </a:p>
+        </p:txBody>
+      </p:sp>
+      <p:sp>
+        <p:nvSpPr>
+          <p:cNvPr id="9" name="Connettore 8">
+            <a:extLst>
+              <a:ext uri="{FF2B5EF4-FFF2-40B4-BE49-F238E27FC236}">
+                <a16:creationId xmlns:a16="http://schemas.microsoft.com/office/drawing/2014/main" id="{633C3CA0-7961-4C4A-BF61-CA2182D2FF5C}"/>
+              </a:ext>
+            </a:extLst>
+          </p:cNvPr>
+          <p:cNvSpPr/>
+          <p:nvPr/>
+        </p:nvSpPr>
+        <p:spPr bwMode="auto">
+          <a:xfrm>
+            <a:off x="1043608" y="1851104"/>
+            <a:ext cx="648072" cy="576064"/>
+          </a:xfrm>
+          <a:prstGeom prst="flowChartConnector">
+            <a:avLst/>
+          </a:prstGeom>
+          <a:solidFill>
+            <a:schemeClr val="tx1">
+              <a:lumMod val="40000"/>
+              <a:lumOff val="60000"/>
+            </a:schemeClr>
+          </a:solidFill>
+          <a:ln>
+            <a:noFill/>
+          </a:ln>
+          <a:effectLst/>
+          <a:extLst>
+            <a:ext uri="{909E8E84-426E-40dd-AFC4-6F175D3DCCD1}">
+              <a14:hiddenFill xmlns:a14="http://schemas.microsoft.com/office/drawing/2010/main" xmlns="">
+                <a:solidFill>
+                  <a:schemeClr val="accent1"/>
+                </a:solidFill>
+              </a14:hiddenFill>
+            </a:ext>
+            <a:ext uri="{91240B29-F687-4f45-9708-019B960494DF}">
+              <a14:hiddenLine xmlns:a14="http://schemas.microsoft.com/office/drawing/2010/main" xmlns="" w="9525" cap="flat" cmpd="sng" algn="ctr">
+                <a:solidFill>
+                  <a:schemeClr val="tx1"/>
+                </a:solidFill>
+                <a:prstDash val="solid"/>
+                <a:round/>
+                <a:headEnd type="none" w="med" len="med"/>
+                <a:tailEnd type="none" w="med" len="med"/>
+              </a14:hiddenLine>
+            </a:ext>
+            <a:ext uri="{AF507438-7753-43e0-B8FC-AC1667EBCBE1}">
+              <a14:hiddenEffects xmlns:a14="http://schemas.microsoft.com/office/drawing/2010/main" xmlns="">
+                <a:effectLst>
+                  <a:outerShdw blurRad="63500" dist="38099" dir="2700000" algn="ctr" rotWithShape="0">
+                    <a:srgbClr val="000000">
+                      <a:alpha val="74998"/>
+                    </a:srgbClr>
+                  </a:outerShdw>
+                </a:effectLst>
+              </a14:hiddenEffects>
+            </a:ext>
+          </a:extLst>
+        </p:spPr>
+        <p:txBody>
+          <a:bodyPr vert="horz" wrap="square" lIns="91440" tIns="45720" rIns="91440" bIns="45720" numCol="1" rtlCol="0" anchor="t" anchorCtr="0" compatLnSpc="1">
+            <a:prstTxWarp prst="textNoShape">
+              <a:avLst/>
+            </a:prstTxWarp>
+          </a:bodyPr>
+          <a:lstStyle/>
+          <a:p>
+            <a:pPr marL="0" marR="0" indent="0" algn="l" defTabSz="914400" rtl="0" eaLnBrk="0" fontAlgn="base" latinLnBrk="0" hangingPunct="0">
+              <a:lnSpc>
+                <a:spcPct val="100000"/>
+              </a:lnSpc>
+              <a:spcBef>
+                <a:spcPct val="0"/>
+              </a:spcBef>
+              <a:spcAft>
+                <a:spcPct val="0"/>
+              </a:spcAft>
+              <a:buClrTx/>
+              <a:buSzTx/>
+              <a:buFontTx/>
+              <a:buNone/>
+              <a:tabLst/>
+            </a:pPr>
+            <a:endParaRPr kumimoji="0" lang="it-IT" sz="2400" b="0" i="0" u="none" strike="noStrike" cap="none" normalizeH="0" baseline="0" dirty="0">
+              <a:ln>
+                <a:noFill/>
+              </a:ln>
+              <a:solidFill>
+                <a:srgbClr val="000000"/>
+              </a:solidFill>
+              <a:effectLst/>
+              <a:latin typeface="Arial" charset="0"/>
+              <a:ea typeface="ＭＳ Ｐゴシック" charset="0"/>
+              <a:cs typeface="ＭＳ Ｐゴシック" charset="0"/>
+            </a:endParaRPr>
+          </a:p>
+        </p:txBody>
+      </p:sp>
+      <p:sp>
+        <p:nvSpPr>
+          <p:cNvPr id="10" name="Segnaposto testo 2">
+            <a:extLst>
+              <a:ext uri="{FF2B5EF4-FFF2-40B4-BE49-F238E27FC236}">
+                <a16:creationId xmlns:a16="http://schemas.microsoft.com/office/drawing/2014/main" id="{59843986-693E-48D6-88DB-1E74328D7BFF}"/>
+              </a:ext>
+            </a:extLst>
+          </p:cNvPr>
+          <p:cNvSpPr>
+            <a:spLocks noGrp="1"/>
+          </p:cNvSpPr>
+          <p:nvPr>
+            <p:ph type="body" sz="half" idx="1"/>
+          </p:nvPr>
+        </p:nvSpPr>
+        <p:spPr>
+          <a:xfrm>
+            <a:off x="1026233" y="1955976"/>
+            <a:ext cx="936104" cy="576064"/>
+          </a:xfrm>
+        </p:spPr>
+        <p:txBody>
+          <a:bodyPr/>
+          <a:lstStyle/>
+          <a:p>
+            <a:pPr marL="0" indent="0">
+              <a:buNone/>
+            </a:pPr>
+            <a:r>
+              <a:rPr lang="it-IT" sz="2000" dirty="0"/>
+              <a:t>IP</a:t>
+            </a:r>
+            <a:r>
+              <a:rPr lang="it-IT" sz="2000" baseline="-25000" dirty="0"/>
+              <a:t>i </a:t>
+            </a:r>
+            <a:r>
+              <a:rPr lang="it-IT" sz="2000" dirty="0"/>
+              <a:t>, p</a:t>
+            </a:r>
+            <a:r>
+              <a:rPr lang="it-IT" sz="2000" baseline="-25000" dirty="0"/>
+              <a:t>i</a:t>
+            </a:r>
+          </a:p>
+        </p:txBody>
+      </p:sp>
+      <p:cxnSp>
+        <p:nvCxnSpPr>
+          <p:cNvPr id="13" name="Connettore 2 12">
+            <a:extLst>
+              <a:ext uri="{FF2B5EF4-FFF2-40B4-BE49-F238E27FC236}">
+                <a16:creationId xmlns:a16="http://schemas.microsoft.com/office/drawing/2014/main" id="{FA378C04-B5C4-4E0A-8EC3-081B26DAF82F}"/>
+              </a:ext>
+            </a:extLst>
+          </p:cNvPr>
+          <p:cNvCxnSpPr>
+            <a:cxnSpLocks/>
+            <a:stCxn id="10" idx="3"/>
+            <a:endCxn id="5" idx="1"/>
+          </p:cNvCxnSpPr>
+          <p:nvPr/>
+        </p:nvCxnSpPr>
+        <p:spPr bwMode="auto">
+          <a:xfrm>
+            <a:off x="1962337" y="2244008"/>
+            <a:ext cx="5029918" cy="477267"/>
+          </a:xfrm>
+          <a:prstGeom prst="straightConnector1">
+            <a:avLst/>
+          </a:prstGeom>
+          <a:ln>
+            <a:tailEnd type="triangle"/>
+          </a:ln>
+          <a:extLst>
+            <a:ext uri="{909E8E84-426E-40dd-AFC4-6F175D3DCCD1}">
+              <a14:hiddenFill xmlns:a14="http://schemas.microsoft.com/office/drawing/2010/main" xmlns="">
+                <a:solidFill>
+                  <a:schemeClr val="accent1"/>
+                </a:solidFill>
+              </a14:hiddenFill>
+            </a:ext>
+            <a:ext uri="{91240B29-F687-4f45-9708-019B960494DF}">
+              <a14:hiddenLine xmlns:a14="http://schemas.microsoft.com/office/drawing/2010/main" xmlns="" w="9525" cap="flat" cmpd="sng" algn="ctr">
+                <a:solidFill>
+                  <a:schemeClr val="tx1"/>
+                </a:solidFill>
+                <a:prstDash val="solid"/>
+                <a:round/>
+                <a:headEnd type="none" w="med" len="med"/>
+                <a:tailEnd type="none" w="med" len="med"/>
+              </a14:hiddenLine>
+            </a:ext>
+            <a:ext uri="{AF507438-7753-43e0-B8FC-AC1667EBCBE1}">
+              <a14:hiddenEffects xmlns:a14="http://schemas.microsoft.com/office/drawing/2010/main" xmlns="">
+                <a:effectLst>
+                  <a:outerShdw blurRad="63500" dist="38099" dir="2700000" algn="ctr" rotWithShape="0">
+                    <a:srgbClr val="000000">
+                      <a:alpha val="74998"/>
+                    </a:srgbClr>
+                  </a:outerShdw>
+                </a:effectLst>
+              </a14:hiddenEffects>
+            </a:ext>
+          </a:extLst>
+        </p:spPr>
+        <p:style>
+          <a:lnRef idx="1">
+            <a:schemeClr val="dk1"/>
+          </a:lnRef>
+          <a:fillRef idx="0">
+            <a:schemeClr val="dk1"/>
+          </a:fillRef>
+          <a:effectRef idx="0">
+            <a:schemeClr val="dk1"/>
+          </a:effectRef>
+          <a:fontRef idx="minor">
+            <a:schemeClr val="tx1"/>
+          </a:fontRef>
+        </p:style>
+      </p:cxnSp>
+      <p:cxnSp>
+        <p:nvCxnSpPr>
+          <p:cNvPr id="15" name="Connettore 2 14">
+            <a:extLst>
+              <a:ext uri="{FF2B5EF4-FFF2-40B4-BE49-F238E27FC236}">
+                <a16:creationId xmlns:a16="http://schemas.microsoft.com/office/drawing/2014/main" id="{1C22F128-FEB6-46D4-AFEF-FF9EE3622DB1}"/>
+              </a:ext>
+            </a:extLst>
+          </p:cNvPr>
+          <p:cNvCxnSpPr>
+            <a:cxnSpLocks/>
+            <a:endCxn id="5" idx="2"/>
+          </p:cNvCxnSpPr>
+          <p:nvPr/>
+        </p:nvCxnSpPr>
+        <p:spPr bwMode="auto">
+          <a:xfrm flipV="1">
+            <a:off x="1901697" y="2924944"/>
+            <a:ext cx="4974559" cy="103966"/>
+          </a:xfrm>
+          <a:prstGeom prst="straightConnector1">
+            <a:avLst/>
+          </a:prstGeom>
+          <a:ln>
+            <a:tailEnd type="triangle"/>
+          </a:ln>
+          <a:extLst>
+            <a:ext uri="{909E8E84-426E-40dd-AFC4-6F175D3DCCD1}">
               <a14:hiddenFill xmlns="" xmlns:a14="http://schemas.microsoft.com/office/drawing/2010/main">
                 <a:solidFill>
                   <a:schemeClr val="accent1"/>
@@ -16398,75 +16928,106 @@
             </a:ext>
           </a:extLst>
         </p:spPr>
-        <p:txBody>
-          <a:bodyPr vert="horz" wrap="square" lIns="91440" tIns="45720" rIns="91440" bIns="45720" numCol="1" rtlCol="0" anchor="t" anchorCtr="0" compatLnSpc="1">
-            <a:prstTxWarp prst="textNoShape">
-              <a:avLst/>
-            </a:prstTxWarp>
-          </a:bodyPr>
-          <a:lstStyle/>
-          <a:p>
-            <a:pPr marL="0" marR="0" indent="0" algn="l" defTabSz="914400" rtl="0" eaLnBrk="0" fontAlgn="base" latinLnBrk="0" hangingPunct="0">
-              <a:lnSpc>
-                <a:spcPct val="100000"/>
-              </a:lnSpc>
-              <a:spcBef>
-                <a:spcPct val="0"/>
-              </a:spcBef>
-              <a:spcAft>
-                <a:spcPct val="0"/>
-              </a:spcAft>
-              <a:buClrTx/>
-              <a:buSzTx/>
-              <a:buFontTx/>
-              <a:buNone/>
-              <a:tabLst/>
-            </a:pPr>
-            <a:endParaRPr kumimoji="0" lang="it-IT" sz="2400" b="0" i="0" u="none" strike="noStrike" cap="none" normalizeH="0" baseline="0" dirty="0">
-              <a:ln>
-                <a:noFill/>
-              </a:ln>
-              <a:solidFill>
-                <a:srgbClr val="000000"/>
-              </a:solidFill>
-              <a:effectLst/>
-              <a:latin typeface="Arial" charset="0"/>
-              <a:ea typeface="ＭＳ Ｐゴシック" charset="0"/>
-              <a:cs typeface="ＭＳ Ｐゴシック" charset="0"/>
-            </a:endParaRPr>
-          </a:p>
-        </p:txBody>
-      </p:sp>
-      <p:sp>
-        <p:nvSpPr>
-          <p:cNvPr id="7" name="Connettore 6">
+        <p:style>
+          <a:lnRef idx="1">
+            <a:schemeClr val="dk1"/>
+          </a:lnRef>
+          <a:fillRef idx="0">
+            <a:schemeClr val="dk1"/>
+          </a:fillRef>
+          <a:effectRef idx="0">
+            <a:schemeClr val="dk1"/>
+          </a:effectRef>
+          <a:fontRef idx="minor">
+            <a:schemeClr val="tx1"/>
+          </a:fontRef>
+        </p:style>
+      </p:cxnSp>
+      <p:cxnSp>
+        <p:nvCxnSpPr>
+          <p:cNvPr id="17" name="Connettore 2 16">
             <a:extLst>
               <a:ext uri="{FF2B5EF4-FFF2-40B4-BE49-F238E27FC236}">
-                <a16:creationId xmlns:a16="http://schemas.microsoft.com/office/drawing/2014/main" id="{9AA5BAA2-CAF5-46D2-B722-5DF22CBB4D3E}"/>
+                <a16:creationId xmlns:a16="http://schemas.microsoft.com/office/drawing/2014/main" id="{706A8A4F-1AF9-4209-AA36-6B9FE38365B6}"/>
               </a:ext>
             </a:extLst>
           </p:cNvPr>
-          <p:cNvSpPr/>
+          <p:cNvCxnSpPr/>
           <p:nvPr/>
-        </p:nvSpPr>
+        </p:nvCxnSpPr>
         <p:spPr bwMode="auto">
           <a:xfrm>
-            <a:off x="1043608" y="3758280"/>
-            <a:ext cx="648072" cy="576064"/>
-          </a:xfrm>
-          <a:prstGeom prst="flowChartConnector">
+            <a:off x="1939417" y="4112150"/>
+            <a:ext cx="0" cy="0"/>
+          </a:xfrm>
+          <a:prstGeom prst="straightConnector1">
             <a:avLst/>
           </a:prstGeom>
-          <a:solidFill>
-            <a:schemeClr val="tx1">
-              <a:lumMod val="40000"/>
-              <a:lumOff val="60000"/>
-            </a:schemeClr>
-          </a:solidFill>
+          <a:noFill/>
           <a:ln>
             <a:noFill/>
+            <a:tailEnd type="triangle"/>
           </a:ln>
           <a:effectLst/>
+          <a:extLst>
+            <a:ext uri="{909E8E84-426E-40dd-AFC4-6F175D3DCCD1}">
+              <a14:hiddenFill xmlns:a14="http://schemas.microsoft.com/office/drawing/2010/main" xmlns="">
+                <a:solidFill>
+                  <a:schemeClr val="accent1"/>
+                </a:solidFill>
+              </a14:hiddenFill>
+            </a:ext>
+            <a:ext uri="{91240B29-F687-4f45-9708-019B960494DF}">
+              <a14:hiddenLine xmlns:a14="http://schemas.microsoft.com/office/drawing/2010/main" xmlns="" w="9525" cap="flat" cmpd="sng" algn="ctr">
+                <a:solidFill>
+                  <a:schemeClr val="tx1"/>
+                </a:solidFill>
+                <a:prstDash val="solid"/>
+                <a:round/>
+                <a:headEnd type="none" w="med" len="med"/>
+                <a:tailEnd type="none" w="med" len="med"/>
+              </a14:hiddenLine>
+            </a:ext>
+            <a:ext uri="{AF507438-7753-43e0-B8FC-AC1667EBCBE1}">
+              <a14:hiddenEffects xmlns:a14="http://schemas.microsoft.com/office/drawing/2010/main" xmlns="">
+                <a:effectLst>
+                  <a:outerShdw blurRad="63500" dist="38099" dir="2700000" algn="ctr" rotWithShape="0">
+                    <a:srgbClr val="000000">
+                      <a:alpha val="74998"/>
+                    </a:srgbClr>
+                  </a:outerShdw>
+                </a:effectLst>
+              </a14:hiddenEffects>
+            </a:ext>
+          </a:extLst>
+        </p:spPr>
+      </p:cxnSp>
+      <p:cxnSp>
+        <p:nvCxnSpPr>
+          <p:cNvPr id="19" name="Connettore 2 18">
+            <a:extLst>
+              <a:ext uri="{FF2B5EF4-FFF2-40B4-BE49-F238E27FC236}">
+                <a16:creationId xmlns:a16="http://schemas.microsoft.com/office/drawing/2014/main" id="{AFD3836F-3645-45EE-8E7C-119D75925F4B}"/>
+              </a:ext>
+            </a:extLst>
+          </p:cNvPr>
+          <p:cNvCxnSpPr>
+            <a:cxnSpLocks/>
+            <a:endCxn id="5" idx="3"/>
+          </p:cNvCxnSpPr>
+          <p:nvPr/>
+        </p:nvCxnSpPr>
+        <p:spPr bwMode="auto">
+          <a:xfrm flipV="1">
+            <a:off x="1939417" y="3128613"/>
+            <a:ext cx="5052838" cy="983538"/>
+          </a:xfrm>
+          <a:prstGeom prst="straightConnector1">
+            <a:avLst/>
+          </a:prstGeom>
+          <a:ln>
+            <a:tailEnd type="triangle"/>
+          </a:ln>
           <a:extLst>
             <a:ext uri="{909E8E84-426E-40dd-AFC4-6F175D3DCCD1}">
               <a14:hiddenFill xmlns="" xmlns:a14="http://schemas.microsoft.com/office/drawing/2010/main">
@@ -16499,559 +17060,6 @@
             </a:ext>
           </a:extLst>
         </p:spPr>
-        <p:txBody>
-          <a:bodyPr vert="horz" wrap="square" lIns="91440" tIns="45720" rIns="91440" bIns="45720" numCol="1" rtlCol="0" anchor="t" anchorCtr="0" compatLnSpc="1">
-            <a:prstTxWarp prst="textNoShape">
-              <a:avLst/>
-            </a:prstTxWarp>
-          </a:bodyPr>
-          <a:lstStyle/>
-          <a:p>
-            <a:pPr marL="0" marR="0" indent="0" algn="l" defTabSz="914400" rtl="0" eaLnBrk="0" fontAlgn="base" latinLnBrk="0" hangingPunct="0">
-              <a:lnSpc>
-                <a:spcPct val="100000"/>
-              </a:lnSpc>
-              <a:spcBef>
-                <a:spcPct val="0"/>
-              </a:spcBef>
-              <a:spcAft>
-                <a:spcPct val="0"/>
-              </a:spcAft>
-              <a:buClrTx/>
-              <a:buSzTx/>
-              <a:buFontTx/>
-              <a:buNone/>
-              <a:tabLst/>
-            </a:pPr>
-            <a:endParaRPr kumimoji="0" lang="it-IT" sz="2400" b="0" i="0" u="none" strike="noStrike" cap="none" normalizeH="0" baseline="0" dirty="0">
-              <a:ln>
-                <a:noFill/>
-              </a:ln>
-              <a:solidFill>
-                <a:srgbClr val="000000"/>
-              </a:solidFill>
-              <a:effectLst/>
-              <a:latin typeface="Arial" charset="0"/>
-              <a:ea typeface="ＭＳ Ｐゴシック" charset="0"/>
-              <a:cs typeface="ＭＳ Ｐゴシック" charset="0"/>
-            </a:endParaRPr>
-          </a:p>
-        </p:txBody>
-      </p:sp>
-      <p:sp>
-        <p:nvSpPr>
-          <p:cNvPr id="8" name="Connettore 7">
-            <a:extLst>
-              <a:ext uri="{FF2B5EF4-FFF2-40B4-BE49-F238E27FC236}">
-                <a16:creationId xmlns:a16="http://schemas.microsoft.com/office/drawing/2014/main" id="{3A180CF2-EC95-4A12-AC76-8C9BEE4CB4AF}"/>
-              </a:ext>
-            </a:extLst>
-          </p:cNvPr>
-          <p:cNvSpPr/>
-          <p:nvPr/>
-        </p:nvSpPr>
-        <p:spPr bwMode="auto">
-          <a:xfrm>
-            <a:off x="1010975" y="2636912"/>
-            <a:ext cx="648072" cy="576064"/>
-          </a:xfrm>
-          <a:prstGeom prst="flowChartConnector">
-            <a:avLst/>
-          </a:prstGeom>
-          <a:solidFill>
-            <a:schemeClr val="tx1">
-              <a:lumMod val="40000"/>
-              <a:lumOff val="60000"/>
-            </a:schemeClr>
-          </a:solidFill>
-          <a:ln>
-            <a:noFill/>
-          </a:ln>
-          <a:effectLst/>
-          <a:extLst>
-            <a:ext uri="{909E8E84-426E-40dd-AFC4-6F175D3DCCD1}">
-              <a14:hiddenFill xmlns="" xmlns:a14="http://schemas.microsoft.com/office/drawing/2010/main">
-                <a:solidFill>
-                  <a:schemeClr val="accent1"/>
-                </a:solidFill>
-              </a14:hiddenFill>
-            </a:ext>
-            <a:ext uri="{91240B29-F687-4f45-9708-019B960494DF}">
-              <a14:hiddenLine xmlns="" xmlns:a14="http://schemas.microsoft.com/office/drawing/2010/main" w="9525" cap="flat" cmpd="sng" algn="ctr">
-                <a:solidFill>
-                  <a:schemeClr val="tx1"/>
-                </a:solidFill>
-                <a:prstDash val="solid"/>
-                <a:round/>
-                <a:headEnd type="none" w="med" len="med"/>
-                <a:tailEnd type="none" w="med" len="med"/>
-              </a14:hiddenLine>
-            </a:ext>
-            <a:ext uri="{AF507438-7753-43e0-B8FC-AC1667EBCBE1}">
-              <a14:hiddenEffects xmlns="" xmlns:a14="http://schemas.microsoft.com/office/drawing/2010/main">
-                <a:effectLst>
-                  <a:outerShdw blurRad="63500" dist="38099" dir="2700000" algn="ctr" rotWithShape="0">
-                    <a:srgbClr val="000000">
-                      <a:alpha val="74998"/>
-                    </a:srgbClr>
-                  </a:outerShdw>
-                </a:effectLst>
-              </a14:hiddenEffects>
-            </a:ext>
-          </a:extLst>
-        </p:spPr>
-        <p:txBody>
-          <a:bodyPr vert="horz" wrap="square" lIns="91440" tIns="45720" rIns="91440" bIns="45720" numCol="1" rtlCol="0" anchor="t" anchorCtr="0" compatLnSpc="1">
-            <a:prstTxWarp prst="textNoShape">
-              <a:avLst/>
-            </a:prstTxWarp>
-          </a:bodyPr>
-          <a:lstStyle/>
-          <a:p>
-            <a:pPr marL="0" marR="0" indent="0" algn="l" defTabSz="914400" rtl="0" eaLnBrk="0" fontAlgn="base" latinLnBrk="0" hangingPunct="0">
-              <a:lnSpc>
-                <a:spcPct val="100000"/>
-              </a:lnSpc>
-              <a:spcBef>
-                <a:spcPct val="0"/>
-              </a:spcBef>
-              <a:spcAft>
-                <a:spcPct val="0"/>
-              </a:spcAft>
-              <a:buClrTx/>
-              <a:buSzTx/>
-              <a:buFontTx/>
-              <a:buNone/>
-              <a:tabLst/>
-            </a:pPr>
-            <a:endParaRPr kumimoji="0" lang="it-IT" sz="2400" b="0" i="0" u="none" strike="noStrike" cap="none" normalizeH="0" baseline="0" dirty="0">
-              <a:ln>
-                <a:noFill/>
-              </a:ln>
-              <a:solidFill>
-                <a:srgbClr val="000000"/>
-              </a:solidFill>
-              <a:effectLst/>
-              <a:latin typeface="Arial" charset="0"/>
-              <a:ea typeface="ＭＳ Ｐゴシック" charset="0"/>
-              <a:cs typeface="ＭＳ Ｐゴシック" charset="0"/>
-            </a:endParaRPr>
-          </a:p>
-        </p:txBody>
-      </p:sp>
-      <p:sp>
-        <p:nvSpPr>
-          <p:cNvPr id="9" name="Connettore 8">
-            <a:extLst>
-              <a:ext uri="{FF2B5EF4-FFF2-40B4-BE49-F238E27FC236}">
-                <a16:creationId xmlns:a16="http://schemas.microsoft.com/office/drawing/2014/main" id="{633C3CA0-7961-4C4A-BF61-CA2182D2FF5C}"/>
-              </a:ext>
-            </a:extLst>
-          </p:cNvPr>
-          <p:cNvSpPr/>
-          <p:nvPr/>
-        </p:nvSpPr>
-        <p:spPr bwMode="auto">
-          <a:xfrm>
-            <a:off x="1043608" y="1851104"/>
-            <a:ext cx="648072" cy="576064"/>
-          </a:xfrm>
-          <a:prstGeom prst="flowChartConnector">
-            <a:avLst/>
-          </a:prstGeom>
-          <a:solidFill>
-            <a:schemeClr val="tx1">
-              <a:lumMod val="40000"/>
-              <a:lumOff val="60000"/>
-            </a:schemeClr>
-          </a:solidFill>
-          <a:ln>
-            <a:noFill/>
-          </a:ln>
-          <a:effectLst/>
-          <a:extLst>
-            <a:ext uri="{909E8E84-426E-40dd-AFC4-6F175D3DCCD1}">
-              <a14:hiddenFill xmlns="" xmlns:a14="http://schemas.microsoft.com/office/drawing/2010/main">
-                <a:solidFill>
-                  <a:schemeClr val="accent1"/>
-                </a:solidFill>
-              </a14:hiddenFill>
-            </a:ext>
-            <a:ext uri="{91240B29-F687-4f45-9708-019B960494DF}">
-              <a14:hiddenLine xmlns="" xmlns:a14="http://schemas.microsoft.com/office/drawing/2010/main" w="9525" cap="flat" cmpd="sng" algn="ctr">
-                <a:solidFill>
-                  <a:schemeClr val="tx1"/>
-                </a:solidFill>
-                <a:prstDash val="solid"/>
-                <a:round/>
-                <a:headEnd type="none" w="med" len="med"/>
-                <a:tailEnd type="none" w="med" len="med"/>
-              </a14:hiddenLine>
-            </a:ext>
-            <a:ext uri="{AF507438-7753-43e0-B8FC-AC1667EBCBE1}">
-              <a14:hiddenEffects xmlns="" xmlns:a14="http://schemas.microsoft.com/office/drawing/2010/main">
-                <a:effectLst>
-                  <a:outerShdw blurRad="63500" dist="38099" dir="2700000" algn="ctr" rotWithShape="0">
-                    <a:srgbClr val="000000">
-                      <a:alpha val="74998"/>
-                    </a:srgbClr>
-                  </a:outerShdw>
-                </a:effectLst>
-              </a14:hiddenEffects>
-            </a:ext>
-          </a:extLst>
-        </p:spPr>
-        <p:txBody>
-          <a:bodyPr vert="horz" wrap="square" lIns="91440" tIns="45720" rIns="91440" bIns="45720" numCol="1" rtlCol="0" anchor="t" anchorCtr="0" compatLnSpc="1">
-            <a:prstTxWarp prst="textNoShape">
-              <a:avLst/>
-            </a:prstTxWarp>
-          </a:bodyPr>
-          <a:lstStyle/>
-          <a:p>
-            <a:pPr marL="0" marR="0" indent="0" algn="l" defTabSz="914400" rtl="0" eaLnBrk="0" fontAlgn="base" latinLnBrk="0" hangingPunct="0">
-              <a:lnSpc>
-                <a:spcPct val="100000"/>
-              </a:lnSpc>
-              <a:spcBef>
-                <a:spcPct val="0"/>
-              </a:spcBef>
-              <a:spcAft>
-                <a:spcPct val="0"/>
-              </a:spcAft>
-              <a:buClrTx/>
-              <a:buSzTx/>
-              <a:buFontTx/>
-              <a:buNone/>
-              <a:tabLst/>
-            </a:pPr>
-            <a:endParaRPr kumimoji="0" lang="it-IT" sz="2400" b="0" i="0" u="none" strike="noStrike" cap="none" normalizeH="0" baseline="0" dirty="0">
-              <a:ln>
-                <a:noFill/>
-              </a:ln>
-              <a:solidFill>
-                <a:srgbClr val="000000"/>
-              </a:solidFill>
-              <a:effectLst/>
-              <a:latin typeface="Arial" charset="0"/>
-              <a:ea typeface="ＭＳ Ｐゴシック" charset="0"/>
-              <a:cs typeface="ＭＳ Ｐゴシック" charset="0"/>
-            </a:endParaRPr>
-          </a:p>
-        </p:txBody>
-      </p:sp>
-      <p:sp>
-        <p:nvSpPr>
-          <p:cNvPr id="10" name="Segnaposto testo 2">
-            <a:extLst>
-              <a:ext uri="{FF2B5EF4-FFF2-40B4-BE49-F238E27FC236}">
-                <a16:creationId xmlns:a16="http://schemas.microsoft.com/office/drawing/2014/main" id="{59843986-693E-48D6-88DB-1E74328D7BFF}"/>
-              </a:ext>
-            </a:extLst>
-          </p:cNvPr>
-          <p:cNvSpPr>
-            <a:spLocks noGrp="1"/>
-          </p:cNvSpPr>
-          <p:nvPr>
-            <p:ph type="body" sz="half" idx="1"/>
-          </p:nvPr>
-        </p:nvSpPr>
-        <p:spPr>
-          <a:xfrm>
-            <a:off x="1026233" y="1955976"/>
-            <a:ext cx="936104" cy="576064"/>
-          </a:xfrm>
-        </p:spPr>
-        <p:txBody>
-          <a:bodyPr/>
-          <a:lstStyle/>
-          <a:p>
-            <a:pPr marL="0" indent="0">
-              <a:buNone/>
-            </a:pPr>
-            <a:r>
-              <a:rPr lang="it-IT" sz="2000" dirty="0"/>
-              <a:t>IP</a:t>
-            </a:r>
-            <a:r>
-              <a:rPr lang="it-IT" sz="2000" baseline="-25000" dirty="0"/>
-              <a:t>i </a:t>
-            </a:r>
-            <a:r>
-              <a:rPr lang="it-IT" sz="2000" dirty="0"/>
-              <a:t>, p</a:t>
-            </a:r>
-            <a:r>
-              <a:rPr lang="it-IT" sz="2000" baseline="-25000" dirty="0"/>
-              <a:t>i</a:t>
-            </a:r>
-          </a:p>
-        </p:txBody>
-      </p:sp>
-      <p:cxnSp>
-        <p:nvCxnSpPr>
-          <p:cNvPr id="13" name="Connettore 2 12">
-            <a:extLst>
-              <a:ext uri="{FF2B5EF4-FFF2-40B4-BE49-F238E27FC236}">
-                <a16:creationId xmlns:a16="http://schemas.microsoft.com/office/drawing/2014/main" id="{FA378C04-B5C4-4E0A-8EC3-081B26DAF82F}"/>
-              </a:ext>
-            </a:extLst>
-          </p:cNvPr>
-          <p:cNvCxnSpPr>
-            <a:cxnSpLocks/>
-            <a:stCxn id="10" idx="3"/>
-            <a:endCxn id="5" idx="1"/>
-          </p:cNvCxnSpPr>
-          <p:nvPr/>
-        </p:nvCxnSpPr>
-        <p:spPr bwMode="auto">
-          <a:xfrm>
-            <a:off x="1962337" y="2244008"/>
-            <a:ext cx="5029918" cy="477267"/>
-          </a:xfrm>
-          <a:prstGeom prst="straightConnector1">
-            <a:avLst/>
-          </a:prstGeom>
-          <a:ln>
-            <a:tailEnd type="triangle"/>
-          </a:ln>
-          <a:extLst>
-            <a:ext uri="{909E8E84-426E-40dd-AFC4-6F175D3DCCD1}">
-              <a14:hiddenFill xmlns="" xmlns:a14="http://schemas.microsoft.com/office/drawing/2010/main">
-                <a:solidFill>
-                  <a:schemeClr val="accent1"/>
-                </a:solidFill>
-              </a14:hiddenFill>
-            </a:ext>
-            <a:ext uri="{91240B29-F687-4f45-9708-019B960494DF}">
-              <a14:hiddenLine xmlns="" xmlns:a14="http://schemas.microsoft.com/office/drawing/2010/main" w="9525" cap="flat" cmpd="sng" algn="ctr">
-                <a:solidFill>
-                  <a:schemeClr val="tx1"/>
-                </a:solidFill>
-                <a:prstDash val="solid"/>
-                <a:round/>
-                <a:headEnd type="none" w="med" len="med"/>
-                <a:tailEnd type="none" w="med" len="med"/>
-              </a14:hiddenLine>
-            </a:ext>
-            <a:ext uri="{AF507438-7753-43e0-B8FC-AC1667EBCBE1}">
-              <a14:hiddenEffects xmlns="" xmlns:a14="http://schemas.microsoft.com/office/drawing/2010/main">
-                <a:effectLst>
-                  <a:outerShdw blurRad="63500" dist="38099" dir="2700000" algn="ctr" rotWithShape="0">
-                    <a:srgbClr val="000000">
-                      <a:alpha val="74998"/>
-                    </a:srgbClr>
-                  </a:outerShdw>
-                </a:effectLst>
-              </a14:hiddenEffects>
-            </a:ext>
-          </a:extLst>
-        </p:spPr>
-        <p:style>
-          <a:lnRef idx="1">
-            <a:schemeClr val="dk1"/>
-          </a:lnRef>
-          <a:fillRef idx="0">
-            <a:schemeClr val="dk1"/>
-          </a:fillRef>
-          <a:effectRef idx="0">
-            <a:schemeClr val="dk1"/>
-          </a:effectRef>
-          <a:fontRef idx="minor">
-            <a:schemeClr val="tx1"/>
-          </a:fontRef>
-        </p:style>
-      </p:cxnSp>
-      <p:cxnSp>
-        <p:nvCxnSpPr>
-          <p:cNvPr id="15" name="Connettore 2 14">
-            <a:extLst>
-              <a:ext uri="{FF2B5EF4-FFF2-40B4-BE49-F238E27FC236}">
-                <a16:creationId xmlns:a16="http://schemas.microsoft.com/office/drawing/2014/main" id="{1C22F128-FEB6-46D4-AFEF-FF9EE3622DB1}"/>
-              </a:ext>
-            </a:extLst>
-          </p:cNvPr>
-          <p:cNvCxnSpPr>
-            <a:cxnSpLocks/>
-            <a:endCxn id="5" idx="2"/>
-          </p:cNvCxnSpPr>
-          <p:nvPr/>
-        </p:nvCxnSpPr>
-        <p:spPr bwMode="auto">
-          <a:xfrm flipV="1">
-            <a:off x="1901697" y="2924944"/>
-            <a:ext cx="4974559" cy="103966"/>
-          </a:xfrm>
-          <a:prstGeom prst="straightConnector1">
-            <a:avLst/>
-          </a:prstGeom>
-          <a:ln>
-            <a:tailEnd type="triangle"/>
-          </a:ln>
-          <a:extLst>
-            <a:ext uri="{909E8E84-426E-40dd-AFC4-6F175D3DCCD1}">
-              <a14:hiddenFill xmlns:a14="http://schemas.microsoft.com/office/drawing/2010/main" xmlns="">
-                <a:solidFill>
-                  <a:schemeClr val="accent1"/>
-                </a:solidFill>
-              </a14:hiddenFill>
-            </a:ext>
-            <a:ext uri="{91240B29-F687-4f45-9708-019B960494DF}">
-              <a14:hiddenLine xmlns:a14="http://schemas.microsoft.com/office/drawing/2010/main" xmlns="" w="9525" cap="flat" cmpd="sng" algn="ctr">
-                <a:solidFill>
-                  <a:schemeClr val="tx1"/>
-                </a:solidFill>
-                <a:prstDash val="solid"/>
-                <a:round/>
-                <a:headEnd type="none" w="med" len="med"/>
-                <a:tailEnd type="none" w="med" len="med"/>
-              </a14:hiddenLine>
-            </a:ext>
-            <a:ext uri="{AF507438-7753-43e0-B8FC-AC1667EBCBE1}">
-              <a14:hiddenEffects xmlns:a14="http://schemas.microsoft.com/office/drawing/2010/main" xmlns="">
-                <a:effectLst>
-                  <a:outerShdw blurRad="63500" dist="38099" dir="2700000" algn="ctr" rotWithShape="0">
-                    <a:srgbClr val="000000">
-                      <a:alpha val="74998"/>
-                    </a:srgbClr>
-                  </a:outerShdw>
-                </a:effectLst>
-              </a14:hiddenEffects>
-            </a:ext>
-          </a:extLst>
-        </p:spPr>
-        <p:style>
-          <a:lnRef idx="1">
-            <a:schemeClr val="dk1"/>
-          </a:lnRef>
-          <a:fillRef idx="0">
-            <a:schemeClr val="dk1"/>
-          </a:fillRef>
-          <a:effectRef idx="0">
-            <a:schemeClr val="dk1"/>
-          </a:effectRef>
-          <a:fontRef idx="minor">
-            <a:schemeClr val="tx1"/>
-          </a:fontRef>
-        </p:style>
-      </p:cxnSp>
-      <p:cxnSp>
-        <p:nvCxnSpPr>
-          <p:cNvPr id="17" name="Connettore 2 16">
-            <a:extLst>
-              <a:ext uri="{FF2B5EF4-FFF2-40B4-BE49-F238E27FC236}">
-                <a16:creationId xmlns:a16="http://schemas.microsoft.com/office/drawing/2014/main" id="{706A8A4F-1AF9-4209-AA36-6B9FE38365B6}"/>
-              </a:ext>
-            </a:extLst>
-          </p:cNvPr>
-          <p:cNvCxnSpPr/>
-          <p:nvPr/>
-        </p:nvCxnSpPr>
-        <p:spPr bwMode="auto">
-          <a:xfrm>
-            <a:off x="1939417" y="4112150"/>
-            <a:ext cx="0" cy="0"/>
-          </a:xfrm>
-          <a:prstGeom prst="straightConnector1">
-            <a:avLst/>
-          </a:prstGeom>
-          <a:noFill/>
-          <a:ln>
-            <a:noFill/>
-            <a:tailEnd type="triangle"/>
-          </a:ln>
-          <a:effectLst/>
-          <a:extLst>
-            <a:ext uri="{909E8E84-426E-40dd-AFC4-6F175D3DCCD1}">
-              <a14:hiddenFill xmlns="" xmlns:a14="http://schemas.microsoft.com/office/drawing/2010/main">
-                <a:solidFill>
-                  <a:schemeClr val="accent1"/>
-                </a:solidFill>
-              </a14:hiddenFill>
-            </a:ext>
-            <a:ext uri="{91240B29-F687-4f45-9708-019B960494DF}">
-              <a14:hiddenLine xmlns="" xmlns:a14="http://schemas.microsoft.com/office/drawing/2010/main" w="9525" cap="flat" cmpd="sng" algn="ctr">
-                <a:solidFill>
-                  <a:schemeClr val="tx1"/>
-                </a:solidFill>
-                <a:prstDash val="solid"/>
-                <a:round/>
-                <a:headEnd type="none" w="med" len="med"/>
-                <a:tailEnd type="none" w="med" len="med"/>
-              </a14:hiddenLine>
-            </a:ext>
-            <a:ext uri="{AF507438-7753-43e0-B8FC-AC1667EBCBE1}">
-              <a14:hiddenEffects xmlns="" xmlns:a14="http://schemas.microsoft.com/office/drawing/2010/main">
-                <a:effectLst>
-                  <a:outerShdw blurRad="63500" dist="38099" dir="2700000" algn="ctr" rotWithShape="0">
-                    <a:srgbClr val="000000">
-                      <a:alpha val="74998"/>
-                    </a:srgbClr>
-                  </a:outerShdw>
-                </a:effectLst>
-              </a14:hiddenEffects>
-            </a:ext>
-          </a:extLst>
-        </p:spPr>
-      </p:cxnSp>
-      <p:cxnSp>
-        <p:nvCxnSpPr>
-          <p:cNvPr id="19" name="Connettore 2 18">
-            <a:extLst>
-              <a:ext uri="{FF2B5EF4-FFF2-40B4-BE49-F238E27FC236}">
-                <a16:creationId xmlns:a16="http://schemas.microsoft.com/office/drawing/2014/main" id="{AFD3836F-3645-45EE-8E7C-119D75925F4B}"/>
-              </a:ext>
-            </a:extLst>
-          </p:cNvPr>
-          <p:cNvCxnSpPr>
-            <a:cxnSpLocks/>
-            <a:endCxn id="5" idx="3"/>
-          </p:cNvCxnSpPr>
-          <p:nvPr/>
-        </p:nvCxnSpPr>
-        <p:spPr bwMode="auto">
-          <a:xfrm flipV="1">
-            <a:off x="1939417" y="3128613"/>
-            <a:ext cx="5052838" cy="983538"/>
-          </a:xfrm>
-          <a:prstGeom prst="straightConnector1">
-            <a:avLst/>
-          </a:prstGeom>
-          <a:ln>
-            <a:tailEnd type="triangle"/>
-          </a:ln>
-          <a:extLst>
-            <a:ext uri="{909E8E84-426E-40dd-AFC4-6F175D3DCCD1}">
-              <a14:hiddenFill xmlns:a14="http://schemas.microsoft.com/office/drawing/2010/main" xmlns="">
-                <a:solidFill>
-                  <a:schemeClr val="accent1"/>
-                </a:solidFill>
-              </a14:hiddenFill>
-            </a:ext>
-            <a:ext uri="{91240B29-F687-4f45-9708-019B960494DF}">
-              <a14:hiddenLine xmlns:a14="http://schemas.microsoft.com/office/drawing/2010/main" xmlns="" w="9525" cap="flat" cmpd="sng" algn="ctr">
-                <a:solidFill>
-                  <a:schemeClr val="tx1"/>
-                </a:solidFill>
-                <a:prstDash val="solid"/>
-                <a:round/>
-                <a:headEnd type="none" w="med" len="med"/>
-                <a:tailEnd type="none" w="med" len="med"/>
-              </a14:hiddenLine>
-            </a:ext>
-            <a:ext uri="{AF507438-7753-43e0-B8FC-AC1667EBCBE1}">
-              <a14:hiddenEffects xmlns:a14="http://schemas.microsoft.com/office/drawing/2010/main" xmlns="">
-                <a:effectLst>
-                  <a:outerShdw blurRad="63500" dist="38099" dir="2700000" algn="ctr" rotWithShape="0">
-                    <a:srgbClr val="000000">
-                      <a:alpha val="74998"/>
-                    </a:srgbClr>
-                  </a:outerShdw>
-                </a:effectLst>
-              </a14:hiddenEffects>
-            </a:ext>
-          </a:extLst>
-        </p:spPr>
         <p:style>
           <a:lnRef idx="1">
             <a:schemeClr val="dk1"/>
@@ -17579,14 +17587,14 @@
           </a:ln>
           <a:extLst>
             <a:ext uri="{909E8E84-426E-40dd-AFC4-6F175D3DCCD1}">
-              <a14:hiddenFill xmlns="" xmlns:a14="http://schemas.microsoft.com/office/drawing/2010/main">
+              <a14:hiddenFill xmlns:a14="http://schemas.microsoft.com/office/drawing/2010/main" xmlns="">
                 <a:solidFill>
                   <a:schemeClr val="accent1"/>
                 </a:solidFill>
               </a14:hiddenFill>
             </a:ext>
             <a:ext uri="{91240B29-F687-4f45-9708-019B960494DF}">
-              <a14:hiddenLine xmlns="" xmlns:a14="http://schemas.microsoft.com/office/drawing/2010/main" w="9525" cap="flat" cmpd="sng" algn="ctr">
+              <a14:hiddenLine xmlns:a14="http://schemas.microsoft.com/office/drawing/2010/main" xmlns="" w="9525" cap="flat" cmpd="sng" algn="ctr">
                 <a:solidFill>
                   <a:schemeClr val="tx1"/>
                 </a:solidFill>
@@ -17597,7 +17605,7 @@
               </a14:hiddenLine>
             </a:ext>
             <a:ext uri="{AF507438-7753-43e0-B8FC-AC1667EBCBE1}">
-              <a14:hiddenEffects xmlns="" xmlns:a14="http://schemas.microsoft.com/office/drawing/2010/main">
+              <a14:hiddenEffects xmlns:a14="http://schemas.microsoft.com/office/drawing/2010/main" xmlns="">
                 <a:effectLst>
                   <a:outerShdw blurRad="63500" dist="38099" dir="2700000" algn="ctr" rotWithShape="0">
                     <a:srgbClr val="000000">
@@ -25157,14 +25165,14 @@
         <a:effectLst/>
         <a:extLst>
           <a:ext uri="{909E8E84-426E-40dd-AFC4-6F175D3DCCD1}">
-            <a14:hiddenFill xmlns:a14="http://schemas.microsoft.com/office/drawing/2010/main" xmlns="">
+            <a14:hiddenFill xmlns="" xmlns:a14="http://schemas.microsoft.com/office/drawing/2010/main">
               <a:solidFill>
                 <a:schemeClr val="accent1"/>
               </a:solidFill>
             </a14:hiddenFill>
           </a:ext>
           <a:ext uri="{91240B29-F687-4f45-9708-019B960494DF}">
-            <a14:hiddenLine xmlns:a14="http://schemas.microsoft.com/office/drawing/2010/main" xmlns="" w="9525" cap="flat" cmpd="sng" algn="ctr">
+            <a14:hiddenLine xmlns="" xmlns:a14="http://schemas.microsoft.com/office/drawing/2010/main" w="9525" cap="flat" cmpd="sng" algn="ctr">
               <a:solidFill>
                 <a:schemeClr val="tx1"/>
               </a:solidFill>
@@ -25175,7 +25183,7 @@
             </a14:hiddenLine>
           </a:ext>
           <a:ext uri="{AF507438-7753-43e0-B8FC-AC1667EBCBE1}">
-            <a14:hiddenEffects xmlns:a14="http://schemas.microsoft.com/office/drawing/2010/main" xmlns="">
+            <a14:hiddenEffects xmlns="" xmlns:a14="http://schemas.microsoft.com/office/drawing/2010/main">
               <a:effectLst>
                 <a:outerShdw blurRad="63500" dist="38099" dir="2700000" algn="ctr" rotWithShape="0">
                   <a:srgbClr val="000000">
@@ -25244,14 +25252,14 @@
         <a:effectLst/>
         <a:extLst>
           <a:ext uri="{909E8E84-426E-40dd-AFC4-6F175D3DCCD1}">
-            <a14:hiddenFill xmlns:a14="http://schemas.microsoft.com/office/drawing/2010/main" xmlns="">
+            <a14:hiddenFill xmlns="" xmlns:a14="http://schemas.microsoft.com/office/drawing/2010/main">
               <a:solidFill>
                 <a:schemeClr val="accent1"/>
               </a:solidFill>
             </a14:hiddenFill>
           </a:ext>
           <a:ext uri="{91240B29-F687-4f45-9708-019B960494DF}">
-            <a14:hiddenLine xmlns:a14="http://schemas.microsoft.com/office/drawing/2010/main" xmlns="" w="9525" cap="flat" cmpd="sng" algn="ctr">
+            <a14:hiddenLine xmlns="" xmlns:a14="http://schemas.microsoft.com/office/drawing/2010/main" w="9525" cap="flat" cmpd="sng" algn="ctr">
               <a:solidFill>
                 <a:schemeClr val="tx1"/>
               </a:solidFill>
@@ -25262,7 +25270,7 @@
             </a14:hiddenLine>
           </a:ext>
           <a:ext uri="{AF507438-7753-43e0-B8FC-AC1667EBCBE1}">
-            <a14:hiddenEffects xmlns:a14="http://schemas.microsoft.com/office/drawing/2010/main" xmlns="">
+            <a14:hiddenEffects xmlns="" xmlns:a14="http://schemas.microsoft.com/office/drawing/2010/main">
               <a:effectLst>
                 <a:outerShdw blurRad="63500" dist="38099" dir="2700000" algn="ctr" rotWithShape="0">
                   <a:srgbClr val="000000">

--- a/Lectures Complete/Lectures Complete.pptx
+++ b/Lectures Complete/Lectures Complete.pptx
@@ -306,14 +306,14 @@
           </a:ln>
           <a:extLst>
             <a:ext uri="{909E8E84-426E-40dd-AFC4-6F175D3DCCD1}">
-              <a14:hiddenFill xmlns="" xmlns:a14="http://schemas.microsoft.com/office/drawing/2010/main">
+              <a14:hiddenFill xmlns:a14="http://schemas.microsoft.com/office/drawing/2010/main" xmlns="">
                 <a:solidFill>
                   <a:schemeClr val="accent1"/>
                 </a:solidFill>
               </a14:hiddenFill>
             </a:ext>
             <a:ext uri="{91240B29-F687-4f45-9708-019B960494DF}">
-              <a14:hiddenLine xmlns="" xmlns:a14="http://schemas.microsoft.com/office/drawing/2010/main" w="9525">
+              <a14:hiddenLine xmlns:a14="http://schemas.microsoft.com/office/drawing/2010/main" xmlns="" w="9525">
                 <a:solidFill>
                   <a:schemeClr val="tx1"/>
                 </a:solidFill>
@@ -323,7 +323,7 @@
               </a14:hiddenLine>
             </a:ext>
             <a:ext uri="{FAA26D3D-D897-4be2-8F04-BA451C77F1D7}">
-              <ma14:placeholderFlag xmlns="" xmlns:ma14="http://schemas.microsoft.com/office/mac/drawingml/2011/main" val="1"/>
+              <ma14:placeholderFlag xmlns:ma14="http://schemas.microsoft.com/office/mac/drawingml/2011/main" xmlns="" val="1"/>
             </a:ext>
           </a:extLst>
         </p:spPr>
@@ -383,14 +383,14 @@
           </a:ln>
           <a:extLst>
             <a:ext uri="{909E8E84-426E-40dd-AFC4-6F175D3DCCD1}">
-              <a14:hiddenFill xmlns="" xmlns:a14="http://schemas.microsoft.com/office/drawing/2010/main">
+              <a14:hiddenFill xmlns:a14="http://schemas.microsoft.com/office/drawing/2010/main" xmlns="">
                 <a:solidFill>
                   <a:schemeClr val="accent1"/>
                 </a:solidFill>
               </a14:hiddenFill>
             </a:ext>
             <a:ext uri="{91240B29-F687-4f45-9708-019B960494DF}">
-              <a14:hiddenLine xmlns="" xmlns:a14="http://schemas.microsoft.com/office/drawing/2010/main" w="9525">
+              <a14:hiddenLine xmlns:a14="http://schemas.microsoft.com/office/drawing/2010/main" xmlns="" w="9525">
                 <a:solidFill>
                   <a:schemeClr val="tx1"/>
                 </a:solidFill>
@@ -400,7 +400,7 @@
               </a14:hiddenLine>
             </a:ext>
             <a:ext uri="{FAA26D3D-D897-4be2-8F04-BA451C77F1D7}">
-              <ma14:placeholderFlag xmlns="" xmlns:ma14="http://schemas.microsoft.com/office/mac/drawingml/2011/main" val="1"/>
+              <ma14:placeholderFlag xmlns:ma14="http://schemas.microsoft.com/office/mac/drawingml/2011/main" xmlns="" val="1"/>
             </a:ext>
           </a:extLst>
         </p:spPr>
@@ -460,14 +460,14 @@
           </a:ln>
           <a:extLst>
             <a:ext uri="{909E8E84-426E-40dd-AFC4-6F175D3DCCD1}">
-              <a14:hiddenFill xmlns="" xmlns:a14="http://schemas.microsoft.com/office/drawing/2010/main">
+              <a14:hiddenFill xmlns:a14="http://schemas.microsoft.com/office/drawing/2010/main" xmlns="">
                 <a:solidFill>
                   <a:schemeClr val="accent1"/>
                 </a:solidFill>
               </a14:hiddenFill>
             </a:ext>
             <a:ext uri="{91240B29-F687-4f45-9708-019B960494DF}">
-              <a14:hiddenLine xmlns="" xmlns:a14="http://schemas.microsoft.com/office/drawing/2010/main" w="9525">
+              <a14:hiddenLine xmlns:a14="http://schemas.microsoft.com/office/drawing/2010/main" xmlns="" w="9525">
                 <a:solidFill>
                   <a:schemeClr val="tx1"/>
                 </a:solidFill>
@@ -477,7 +477,7 @@
               </a14:hiddenLine>
             </a:ext>
             <a:ext uri="{FAA26D3D-D897-4be2-8F04-BA451C77F1D7}">
-              <ma14:placeholderFlag xmlns="" xmlns:ma14="http://schemas.microsoft.com/office/mac/drawingml/2011/main" val="1"/>
+              <ma14:placeholderFlag xmlns:ma14="http://schemas.microsoft.com/office/mac/drawingml/2011/main" xmlns="" val="1"/>
             </a:ext>
           </a:extLst>
         </p:spPr>
@@ -537,14 +537,14 @@
           </a:ln>
           <a:extLst>
             <a:ext uri="{909E8E84-426E-40dd-AFC4-6F175D3DCCD1}">
-              <a14:hiddenFill xmlns="" xmlns:a14="http://schemas.microsoft.com/office/drawing/2010/main">
+              <a14:hiddenFill xmlns:a14="http://schemas.microsoft.com/office/drawing/2010/main" xmlns="">
                 <a:solidFill>
                   <a:schemeClr val="accent1"/>
                 </a:solidFill>
               </a14:hiddenFill>
             </a:ext>
             <a:ext uri="{91240B29-F687-4f45-9708-019B960494DF}">
-              <a14:hiddenLine xmlns="" xmlns:a14="http://schemas.microsoft.com/office/drawing/2010/main" w="9525">
+              <a14:hiddenLine xmlns:a14="http://schemas.microsoft.com/office/drawing/2010/main" xmlns="" w="9525">
                 <a:solidFill>
                   <a:schemeClr val="tx1"/>
                 </a:solidFill>
@@ -554,7 +554,7 @@
               </a14:hiddenLine>
             </a:ext>
             <a:ext uri="{FAA26D3D-D897-4be2-8F04-BA451C77F1D7}">
-              <ma14:placeholderFlag xmlns="" xmlns:ma14="http://schemas.microsoft.com/office/mac/drawingml/2011/main" val="1"/>
+              <ma14:placeholderFlag xmlns:ma14="http://schemas.microsoft.com/office/mac/drawingml/2011/main" xmlns="" val="1"/>
             </a:ext>
           </a:extLst>
         </p:spPr>
@@ -650,14 +650,14 @@
           </a:ln>
           <a:extLst>
             <a:ext uri="{909E8E84-426E-40dd-AFC4-6F175D3DCCD1}">
-              <a14:hiddenFill xmlns="" xmlns:a14="http://schemas.microsoft.com/office/drawing/2010/main">
+              <a14:hiddenFill xmlns:a14="http://schemas.microsoft.com/office/drawing/2010/main" xmlns="">
                 <a:solidFill>
                   <a:schemeClr val="accent1"/>
                 </a:solidFill>
               </a14:hiddenFill>
             </a:ext>
             <a:ext uri="{91240B29-F687-4f45-9708-019B960494DF}">
-              <a14:hiddenLine xmlns="" xmlns:a14="http://schemas.microsoft.com/office/drawing/2010/main" w="9525">
+              <a14:hiddenLine xmlns:a14="http://schemas.microsoft.com/office/drawing/2010/main" xmlns="" w="9525">
                 <a:solidFill>
                   <a:schemeClr val="tx1"/>
                 </a:solidFill>
@@ -667,7 +667,7 @@
               </a14:hiddenLine>
             </a:ext>
             <a:ext uri="{FAA26D3D-D897-4be2-8F04-BA451C77F1D7}">
-              <ma14:placeholderFlag xmlns="" xmlns:ma14="http://schemas.microsoft.com/office/mac/drawingml/2011/main" val="1"/>
+              <ma14:placeholderFlag xmlns:ma14="http://schemas.microsoft.com/office/mac/drawingml/2011/main" xmlns="" val="1"/>
             </a:ext>
           </a:extLst>
         </p:spPr>
@@ -727,14 +727,14 @@
           </a:ln>
           <a:extLst>
             <a:ext uri="{909E8E84-426E-40dd-AFC4-6F175D3DCCD1}">
-              <a14:hiddenFill xmlns="" xmlns:a14="http://schemas.microsoft.com/office/drawing/2010/main">
+              <a14:hiddenFill xmlns:a14="http://schemas.microsoft.com/office/drawing/2010/main" xmlns="">
                 <a:solidFill>
                   <a:schemeClr val="accent1"/>
                 </a:solidFill>
               </a14:hiddenFill>
             </a:ext>
             <a:ext uri="{91240B29-F687-4f45-9708-019B960494DF}">
-              <a14:hiddenLine xmlns="" xmlns:a14="http://schemas.microsoft.com/office/drawing/2010/main" w="9525">
+              <a14:hiddenLine xmlns:a14="http://schemas.microsoft.com/office/drawing/2010/main" xmlns="" w="9525">
                 <a:solidFill>
                   <a:schemeClr val="tx1"/>
                 </a:solidFill>
@@ -744,7 +744,7 @@
               </a14:hiddenLine>
             </a:ext>
             <a:ext uri="{FAA26D3D-D897-4be2-8F04-BA451C77F1D7}">
-              <ma14:placeholderFlag xmlns="" xmlns:ma14="http://schemas.microsoft.com/office/mac/drawingml/2011/main" val="1"/>
+              <ma14:placeholderFlag xmlns:ma14="http://schemas.microsoft.com/office/mac/drawingml/2011/main" xmlns="" val="1"/>
             </a:ext>
           </a:extLst>
         </p:spPr>
@@ -810,7 +810,7 @@
           <a:effectLst/>
           <a:extLst>
             <a:ext uri="{AF507438-7753-43e0-B8FC-AC1667EBCBE1}">
-              <a14:hiddenEffects xmlns="" xmlns:a14="http://schemas.microsoft.com/office/drawing/2010/main">
+              <a14:hiddenEffects xmlns:a14="http://schemas.microsoft.com/office/drawing/2010/main" xmlns="">
                 <a:effectLst>
                   <a:outerShdw blurRad="63500" dist="38099" dir="2700000" algn="ctr" rotWithShape="0">
                     <a:srgbClr val="000000">
@@ -821,7 +821,7 @@
               </a14:hiddenEffects>
             </a:ext>
             <a:ext uri="{53640926-AAD7-44d8-BBD7-CCE9431645EC}">
-              <a14:shadowObscured xmlns="" xmlns:a14="http://schemas.microsoft.com/office/drawing/2010/main" val="1"/>
+              <a14:shadowObscured xmlns:a14="http://schemas.microsoft.com/office/drawing/2010/main" xmlns="" val="1"/>
             </a:ext>
           </a:extLst>
         </p:spPr>
@@ -856,14 +856,14 @@
           </a:ln>
           <a:extLst>
             <a:ext uri="{909E8E84-426E-40dd-AFC4-6F175D3DCCD1}">
-              <a14:hiddenFill xmlns="" xmlns:a14="http://schemas.microsoft.com/office/drawing/2010/main">
+              <a14:hiddenFill xmlns:a14="http://schemas.microsoft.com/office/drawing/2010/main" xmlns="">
                 <a:solidFill>
                   <a:schemeClr val="accent1"/>
                 </a:solidFill>
               </a14:hiddenFill>
             </a:ext>
             <a:ext uri="{91240B29-F687-4f45-9708-019B960494DF}">
-              <a14:hiddenLine xmlns="" xmlns:a14="http://schemas.microsoft.com/office/drawing/2010/main" w="9525">
+              <a14:hiddenLine xmlns:a14="http://schemas.microsoft.com/office/drawing/2010/main" xmlns="" w="9525">
                 <a:solidFill>
                   <a:schemeClr val="tx1"/>
                 </a:solidFill>
@@ -873,7 +873,7 @@
               </a14:hiddenLine>
             </a:ext>
             <a:ext uri="{FAA26D3D-D897-4be2-8F04-BA451C77F1D7}">
-              <ma14:placeholderFlag xmlns="" xmlns:ma14="http://schemas.microsoft.com/office/mac/drawingml/2011/main" val="1"/>
+              <ma14:placeholderFlag xmlns:ma14="http://schemas.microsoft.com/office/mac/drawingml/2011/main" xmlns="" val="1"/>
             </a:ext>
           </a:extLst>
         </p:spPr>
@@ -951,14 +951,14 @@
           </a:ln>
           <a:extLst>
             <a:ext uri="{909E8E84-426E-40dd-AFC4-6F175D3DCCD1}">
-              <a14:hiddenFill xmlns="" xmlns:a14="http://schemas.microsoft.com/office/drawing/2010/main">
+              <a14:hiddenFill xmlns:a14="http://schemas.microsoft.com/office/drawing/2010/main" xmlns="">
                 <a:solidFill>
                   <a:schemeClr val="accent1"/>
                 </a:solidFill>
               </a14:hiddenFill>
             </a:ext>
             <a:ext uri="{91240B29-F687-4f45-9708-019B960494DF}">
-              <a14:hiddenLine xmlns="" xmlns:a14="http://schemas.microsoft.com/office/drawing/2010/main" w="9525">
+              <a14:hiddenLine xmlns:a14="http://schemas.microsoft.com/office/drawing/2010/main" xmlns="" w="9525">
                 <a:solidFill>
                   <a:schemeClr val="tx1"/>
                 </a:solidFill>
@@ -968,7 +968,7 @@
               </a14:hiddenLine>
             </a:ext>
             <a:ext uri="{FAA26D3D-D897-4be2-8F04-BA451C77F1D7}">
-              <ma14:placeholderFlag xmlns="" xmlns:ma14="http://schemas.microsoft.com/office/mac/drawingml/2011/main" val="1"/>
+              <ma14:placeholderFlag xmlns:ma14="http://schemas.microsoft.com/office/mac/drawingml/2011/main" xmlns="" val="1"/>
             </a:ext>
           </a:extLst>
         </p:spPr>
@@ -1028,14 +1028,14 @@
           </a:ln>
           <a:extLst>
             <a:ext uri="{909E8E84-426E-40dd-AFC4-6F175D3DCCD1}">
-              <a14:hiddenFill xmlns="" xmlns:a14="http://schemas.microsoft.com/office/drawing/2010/main">
+              <a14:hiddenFill xmlns:a14="http://schemas.microsoft.com/office/drawing/2010/main" xmlns="">
                 <a:solidFill>
                   <a:schemeClr val="accent1"/>
                 </a:solidFill>
               </a14:hiddenFill>
             </a:ext>
             <a:ext uri="{91240B29-F687-4f45-9708-019B960494DF}">
-              <a14:hiddenLine xmlns="" xmlns:a14="http://schemas.microsoft.com/office/drawing/2010/main" w="9525">
+              <a14:hiddenLine xmlns:a14="http://schemas.microsoft.com/office/drawing/2010/main" xmlns="" w="9525">
                 <a:solidFill>
                   <a:schemeClr val="tx1"/>
                 </a:solidFill>
@@ -1045,7 +1045,7 @@
               </a14:hiddenLine>
             </a:ext>
             <a:ext uri="{FAA26D3D-D897-4be2-8F04-BA451C77F1D7}">
-              <ma14:placeholderFlag xmlns="" xmlns:ma14="http://schemas.microsoft.com/office/mac/drawingml/2011/main" val="1"/>
+              <ma14:placeholderFlag xmlns:ma14="http://schemas.microsoft.com/office/mac/drawingml/2011/main" xmlns="" val="1"/>
             </a:ext>
           </a:extLst>
         </p:spPr>
@@ -1407,7 +1407,7 @@
           <a:ln/>
           <a:extLst>
             <a:ext uri="{FAA26D3D-D897-4be2-8F04-BA451C77F1D7}">
-              <ma14:placeholderFlag xmlns="" xmlns:ma14="http://schemas.microsoft.com/office/mac/drawingml/2011/main" val="1"/>
+              <ma14:placeholderFlag xmlns:ma14="http://schemas.microsoft.com/office/mac/drawingml/2011/main" xmlns="" val="1"/>
             </a:ext>
           </a:extLst>
         </p:spPr>
@@ -4602,7 +4602,7 @@
           <a:effectLst/>
           <a:extLst>
             <a:ext uri="{AF507438-7753-43e0-B8FC-AC1667EBCBE1}">
-              <a14:hiddenEffects xmlns="" xmlns:a14="http://schemas.microsoft.com/office/drawing/2010/main">
+              <a14:hiddenEffects xmlns:a14="http://schemas.microsoft.com/office/drawing/2010/main" xmlns="">
                 <a:effectLst>
                   <a:outerShdw blurRad="63500" dist="38099" dir="2700000" algn="ctr" rotWithShape="0">
                     <a:srgbClr val="000000">
@@ -5743,14 +5743,14 @@
           </a:ln>
           <a:extLst>
             <a:ext uri="{909E8E84-426E-40dd-AFC4-6F175D3DCCD1}">
-              <a14:hiddenFill xmlns:a14="http://schemas.microsoft.com/office/drawing/2010/main" xmlns="">
+              <a14:hiddenFill xmlns="" xmlns:a14="http://schemas.microsoft.com/office/drawing/2010/main">
                 <a:solidFill>
                   <a:schemeClr val="accent1"/>
                 </a:solidFill>
               </a14:hiddenFill>
             </a:ext>
             <a:ext uri="{91240B29-F687-4f45-9708-019B960494DF}">
-              <a14:hiddenLine xmlns:a14="http://schemas.microsoft.com/office/drawing/2010/main" xmlns="" w="9525" cap="flat" cmpd="sng" algn="ctr">
+              <a14:hiddenLine xmlns="" xmlns:a14="http://schemas.microsoft.com/office/drawing/2010/main" w="9525" cap="flat" cmpd="sng" algn="ctr">
                 <a:solidFill>
                   <a:schemeClr val="tx1"/>
                 </a:solidFill>
@@ -5761,7 +5761,7 @@
               </a14:hiddenLine>
             </a:ext>
             <a:ext uri="{AF507438-7753-43e0-B8FC-AC1667EBCBE1}">
-              <a14:hiddenEffects xmlns:a14="http://schemas.microsoft.com/office/drawing/2010/main" xmlns="">
+              <a14:hiddenEffects xmlns="" xmlns:a14="http://schemas.microsoft.com/office/drawing/2010/main">
                 <a:effectLst>
                   <a:outerShdw blurRad="63500" dist="38099" dir="2700000" algn="ctr" rotWithShape="0">
                     <a:srgbClr val="000000">
@@ -6028,14 +6028,14 @@
           </a:ln>
           <a:extLst>
             <a:ext uri="{909E8E84-426E-40dd-AFC4-6F175D3DCCD1}">
-              <a14:hiddenFill xmlns:a14="http://schemas.microsoft.com/office/drawing/2010/main" xmlns="">
+              <a14:hiddenFill xmlns="" xmlns:a14="http://schemas.microsoft.com/office/drawing/2010/main">
                 <a:solidFill>
                   <a:schemeClr val="accent1"/>
                 </a:solidFill>
               </a14:hiddenFill>
             </a:ext>
             <a:ext uri="{91240B29-F687-4f45-9708-019B960494DF}">
-              <a14:hiddenLine xmlns:a14="http://schemas.microsoft.com/office/drawing/2010/main" xmlns="" w="9525" cap="flat" cmpd="sng" algn="ctr">
+              <a14:hiddenLine xmlns="" xmlns:a14="http://schemas.microsoft.com/office/drawing/2010/main" w="9525" cap="flat" cmpd="sng" algn="ctr">
                 <a:solidFill>
                   <a:schemeClr val="tx1"/>
                 </a:solidFill>
@@ -6046,7 +6046,7 @@
               </a14:hiddenLine>
             </a:ext>
             <a:ext uri="{AF507438-7753-43e0-B8FC-AC1667EBCBE1}">
-              <a14:hiddenEffects xmlns:a14="http://schemas.microsoft.com/office/drawing/2010/main" xmlns="">
+              <a14:hiddenEffects xmlns="" xmlns:a14="http://schemas.microsoft.com/office/drawing/2010/main">
                 <a:effectLst>
                   <a:outerShdw blurRad="63500" dist="38099" dir="2700000" algn="ctr" rotWithShape="0">
                     <a:srgbClr val="000000">
@@ -6313,14 +6313,14 @@
           </a:ln>
           <a:extLst>
             <a:ext uri="{909E8E84-426E-40dd-AFC4-6F175D3DCCD1}">
-              <a14:hiddenFill xmlns:a14="http://schemas.microsoft.com/office/drawing/2010/main" xmlns="">
+              <a14:hiddenFill xmlns="" xmlns:a14="http://schemas.microsoft.com/office/drawing/2010/main">
                 <a:solidFill>
                   <a:schemeClr val="accent1"/>
                 </a:solidFill>
               </a14:hiddenFill>
             </a:ext>
             <a:ext uri="{91240B29-F687-4f45-9708-019B960494DF}">
-              <a14:hiddenLine xmlns:a14="http://schemas.microsoft.com/office/drawing/2010/main" xmlns="" w="9525" cap="flat" cmpd="sng" algn="ctr">
+              <a14:hiddenLine xmlns="" xmlns:a14="http://schemas.microsoft.com/office/drawing/2010/main" w="9525" cap="flat" cmpd="sng" algn="ctr">
                 <a:solidFill>
                   <a:schemeClr val="tx1"/>
                 </a:solidFill>
@@ -6331,7 +6331,7 @@
               </a14:hiddenLine>
             </a:ext>
             <a:ext uri="{AF507438-7753-43e0-B8FC-AC1667EBCBE1}">
-              <a14:hiddenEffects xmlns:a14="http://schemas.microsoft.com/office/drawing/2010/main" xmlns="">
+              <a14:hiddenEffects xmlns="" xmlns:a14="http://schemas.microsoft.com/office/drawing/2010/main">
                 <a:effectLst>
                   <a:outerShdw blurRad="63500" dist="38099" dir="2700000" algn="ctr" rotWithShape="0">
                     <a:srgbClr val="000000">
@@ -7843,14 +7843,14 @@
           </a:ln>
           <a:extLst>
             <a:ext uri="{909E8E84-426E-40dd-AFC4-6F175D3DCCD1}">
-              <a14:hiddenFill xmlns:a14="http://schemas.microsoft.com/office/drawing/2010/main" xmlns="">
+              <a14:hiddenFill xmlns="" xmlns:a14="http://schemas.microsoft.com/office/drawing/2010/main">
                 <a:solidFill>
                   <a:schemeClr val="accent1"/>
                 </a:solidFill>
               </a14:hiddenFill>
             </a:ext>
             <a:ext uri="{91240B29-F687-4f45-9708-019B960494DF}">
-              <a14:hiddenLine xmlns:a14="http://schemas.microsoft.com/office/drawing/2010/main" xmlns="" w="9525" cap="flat" cmpd="sng" algn="ctr">
+              <a14:hiddenLine xmlns="" xmlns:a14="http://schemas.microsoft.com/office/drawing/2010/main" w="9525" cap="flat" cmpd="sng" algn="ctr">
                 <a:solidFill>
                   <a:schemeClr val="tx1"/>
                 </a:solidFill>
@@ -7861,7 +7861,7 @@
               </a14:hiddenLine>
             </a:ext>
             <a:ext uri="{AF507438-7753-43e0-B8FC-AC1667EBCBE1}">
-              <a14:hiddenEffects xmlns:a14="http://schemas.microsoft.com/office/drawing/2010/main" xmlns="">
+              <a14:hiddenEffects xmlns="" xmlns:a14="http://schemas.microsoft.com/office/drawing/2010/main">
                 <a:effectLst>
                   <a:outerShdw blurRad="63500" dist="38099" dir="2700000" algn="ctr" rotWithShape="0">
                     <a:srgbClr val="000000">
@@ -9300,14 +9300,14 @@
           </a:ln>
           <a:extLst>
             <a:ext uri="{909E8E84-426E-40dd-AFC4-6F175D3DCCD1}">
-              <a14:hiddenFill xmlns:a14="http://schemas.microsoft.com/office/drawing/2010/main" xmlns="">
+              <a14:hiddenFill xmlns="" xmlns:a14="http://schemas.microsoft.com/office/drawing/2010/main">
                 <a:solidFill>
                   <a:schemeClr val="accent1"/>
                 </a:solidFill>
               </a14:hiddenFill>
             </a:ext>
             <a:ext uri="{91240B29-F687-4f45-9708-019B960494DF}">
-              <a14:hiddenLine xmlns:a14="http://schemas.microsoft.com/office/drawing/2010/main" xmlns="" w="9525" cap="flat" cmpd="sng" algn="ctr">
+              <a14:hiddenLine xmlns="" xmlns:a14="http://schemas.microsoft.com/office/drawing/2010/main" w="9525" cap="flat" cmpd="sng" algn="ctr">
                 <a:solidFill>
                   <a:schemeClr val="tx1"/>
                 </a:solidFill>
@@ -9318,7 +9318,7 @@
               </a14:hiddenLine>
             </a:ext>
             <a:ext uri="{AF507438-7753-43e0-B8FC-AC1667EBCBE1}">
-              <a14:hiddenEffects xmlns:a14="http://schemas.microsoft.com/office/drawing/2010/main" xmlns="">
+              <a14:hiddenEffects xmlns="" xmlns:a14="http://schemas.microsoft.com/office/drawing/2010/main">
                 <a:effectLst>
                   <a:outerShdw blurRad="63500" dist="38099" dir="2700000" algn="ctr" rotWithShape="0">
                     <a:srgbClr val="000000">
@@ -11093,14 +11093,14 @@
           <a:effectLst/>
           <a:extLst>
             <a:ext uri="{909E8E84-426E-40dd-AFC4-6F175D3DCCD1}">
-              <a14:hiddenFill xmlns:a14="http://schemas.microsoft.com/office/drawing/2010/main" xmlns="">
+              <a14:hiddenFill xmlns="" xmlns:a14="http://schemas.microsoft.com/office/drawing/2010/main">
                 <a:solidFill>
                   <a:schemeClr val="accent1"/>
                 </a:solidFill>
               </a14:hiddenFill>
             </a:ext>
             <a:ext uri="{91240B29-F687-4f45-9708-019B960494DF}">
-              <a14:hiddenLine xmlns:a14="http://schemas.microsoft.com/office/drawing/2010/main" xmlns="" w="9525" cap="flat" cmpd="sng" algn="ctr">
+              <a14:hiddenLine xmlns="" xmlns:a14="http://schemas.microsoft.com/office/drawing/2010/main" w="9525" cap="flat" cmpd="sng" algn="ctr">
                 <a:solidFill>
                   <a:schemeClr val="tx1"/>
                 </a:solidFill>
@@ -11111,7 +11111,7 @@
               </a14:hiddenLine>
             </a:ext>
             <a:ext uri="{AF507438-7753-43e0-B8FC-AC1667EBCBE1}">
-              <a14:hiddenEffects xmlns:a14="http://schemas.microsoft.com/office/drawing/2010/main" xmlns="">
+              <a14:hiddenEffects xmlns="" xmlns:a14="http://schemas.microsoft.com/office/drawing/2010/main">
                 <a:effectLst>
                   <a:outerShdw blurRad="63500" dist="38099" dir="2700000" algn="ctr" rotWithShape="0">
                     <a:srgbClr val="000000">
@@ -12426,7 +12426,7 @@
                 </a:solidFill>
                 <a:latin typeface="+mn-lt"/>
               </a:rPr>
-              <a:t>Lecture Folder: Lecture 1</a:t>
+              <a:t>Lecture Folder: Lecture 2</a:t>
             </a:r>
           </a:p>
         </p:txBody>
@@ -13697,8 +13697,20 @@
           <a:lstStyle/>
           <a:p>
             <a:r>
+              <a:rPr lang="en-US" dirty="0" err="1"/>
+              <a:t>GeoLocal</a:t>
+            </a:r>
+            <a:r>
               <a:rPr lang="en-US" dirty="0"/>
-              <a:t>GeoLocal Referenciation</a:t>
+              <a:t> </a:t>
+            </a:r>
+            <a:r>
+              <a:rPr lang="en-US" dirty="0" err="1"/>
+              <a:t>Referenciation</a:t>
+            </a:r>
+            <a:r>
+              <a:rPr lang="en-US" dirty="0"/>
+              <a:t> (P destination ZOOM)</a:t>
             </a:r>
           </a:p>
         </p:txBody>
@@ -14263,14 +14275,14 @@
           <a:effectLst/>
           <a:extLst>
             <a:ext uri="{909E8E84-426E-40dd-AFC4-6F175D3DCCD1}">
-              <a14:hiddenFill xmlns:a14="http://schemas.microsoft.com/office/drawing/2010/main" xmlns="">
+              <a14:hiddenFill xmlns="" xmlns:a14="http://schemas.microsoft.com/office/drawing/2010/main">
                 <a:solidFill>
                   <a:schemeClr val="accent1"/>
                 </a:solidFill>
               </a14:hiddenFill>
             </a:ext>
             <a:ext uri="{91240B29-F687-4f45-9708-019B960494DF}">
-              <a14:hiddenLine xmlns:a14="http://schemas.microsoft.com/office/drawing/2010/main" xmlns="" w="9525" cap="flat" cmpd="sng" algn="ctr">
+              <a14:hiddenLine xmlns="" xmlns:a14="http://schemas.microsoft.com/office/drawing/2010/main" w="9525" cap="flat" cmpd="sng" algn="ctr">
                 <a:solidFill>
                   <a:schemeClr val="tx1"/>
                 </a:solidFill>
@@ -14281,7 +14293,7 @@
               </a14:hiddenLine>
             </a:ext>
             <a:ext uri="{AF507438-7753-43e0-B8FC-AC1667EBCBE1}">
-              <a14:hiddenEffects xmlns:a14="http://schemas.microsoft.com/office/drawing/2010/main" xmlns="">
+              <a14:hiddenEffects xmlns="" xmlns:a14="http://schemas.microsoft.com/office/drawing/2010/main">
                 <a:effectLst>
                   <a:outerShdw blurRad="63500" dist="38099" dir="2700000" algn="ctr" rotWithShape="0">
                     <a:srgbClr val="000000">
@@ -14575,14 +14587,14 @@
           <a:effectLst/>
           <a:extLst>
             <a:ext uri="{909E8E84-426E-40dd-AFC4-6F175D3DCCD1}">
-              <a14:hiddenFill xmlns:a14="http://schemas.microsoft.com/office/drawing/2010/main" xmlns="">
+              <a14:hiddenFill xmlns="" xmlns:a14="http://schemas.microsoft.com/office/drawing/2010/main">
                 <a:solidFill>
                   <a:schemeClr val="accent1"/>
                 </a:solidFill>
               </a14:hiddenFill>
             </a:ext>
             <a:ext uri="{91240B29-F687-4f45-9708-019B960494DF}">
-              <a14:hiddenLine xmlns:a14="http://schemas.microsoft.com/office/drawing/2010/main" xmlns="" w="9525" cap="flat" cmpd="sng" algn="ctr">
+              <a14:hiddenLine xmlns="" xmlns:a14="http://schemas.microsoft.com/office/drawing/2010/main" w="9525" cap="flat" cmpd="sng" algn="ctr">
                 <a:solidFill>
                   <a:schemeClr val="tx1"/>
                 </a:solidFill>
@@ -14593,7 +14605,7 @@
               </a14:hiddenLine>
             </a:ext>
             <a:ext uri="{AF507438-7753-43e0-B8FC-AC1667EBCBE1}">
-              <a14:hiddenEffects xmlns:a14="http://schemas.microsoft.com/office/drawing/2010/main" xmlns="">
+              <a14:hiddenEffects xmlns="" xmlns:a14="http://schemas.microsoft.com/office/drawing/2010/main">
                 <a:effectLst>
                   <a:outerShdw blurRad="63500" dist="38099" dir="2700000" algn="ctr" rotWithShape="0">
                     <a:srgbClr val="000000">
@@ -15862,14 +15874,14 @@
           <a:effectLst/>
           <a:extLst>
             <a:ext uri="{909E8E84-426E-40dd-AFC4-6F175D3DCCD1}">
-              <a14:hiddenFill xmlns:a14="http://schemas.microsoft.com/office/drawing/2010/main" xmlns="">
+              <a14:hiddenFill xmlns="" xmlns:a14="http://schemas.microsoft.com/office/drawing/2010/main">
                 <a:solidFill>
                   <a:schemeClr val="accent1"/>
                 </a:solidFill>
               </a14:hiddenFill>
             </a:ext>
             <a:ext uri="{91240B29-F687-4f45-9708-019B960494DF}">
-              <a14:hiddenLine xmlns:a14="http://schemas.microsoft.com/office/drawing/2010/main" xmlns="" w="9525" cap="flat" cmpd="sng" algn="ctr">
+              <a14:hiddenLine xmlns="" xmlns:a14="http://schemas.microsoft.com/office/drawing/2010/main" w="9525" cap="flat" cmpd="sng" algn="ctr">
                 <a:solidFill>
                   <a:schemeClr val="tx1"/>
                 </a:solidFill>
@@ -15880,7 +15892,7 @@
               </a14:hiddenLine>
             </a:ext>
             <a:ext uri="{AF507438-7753-43e0-B8FC-AC1667EBCBE1}">
-              <a14:hiddenEffects xmlns:a14="http://schemas.microsoft.com/office/drawing/2010/main" xmlns="">
+              <a14:hiddenEffects xmlns="" xmlns:a14="http://schemas.microsoft.com/office/drawing/2010/main">
                 <a:effectLst>
                   <a:outerShdw blurRad="63500" dist="38099" dir="2700000" algn="ctr" rotWithShape="0">
                     <a:srgbClr val="000000">
@@ -16376,6 +16388,528 @@
           <a:effectLst/>
           <a:extLst>
             <a:ext uri="{909E8E84-426E-40dd-AFC4-6F175D3DCCD1}">
+              <a14:hiddenFill xmlns="" xmlns:a14="http://schemas.microsoft.com/office/drawing/2010/main">
+                <a:solidFill>
+                  <a:schemeClr val="accent1"/>
+                </a:solidFill>
+              </a14:hiddenFill>
+            </a:ext>
+            <a:ext uri="{91240B29-F687-4f45-9708-019B960494DF}">
+              <a14:hiddenLine xmlns="" xmlns:a14="http://schemas.microsoft.com/office/drawing/2010/main" w="9525" cap="flat" cmpd="sng" algn="ctr">
+                <a:solidFill>
+                  <a:schemeClr val="tx1"/>
+                </a:solidFill>
+                <a:prstDash val="solid"/>
+                <a:round/>
+                <a:headEnd type="none" w="med" len="med"/>
+                <a:tailEnd type="none" w="med" len="med"/>
+              </a14:hiddenLine>
+            </a:ext>
+            <a:ext uri="{AF507438-7753-43e0-B8FC-AC1667EBCBE1}">
+              <a14:hiddenEffects xmlns="" xmlns:a14="http://schemas.microsoft.com/office/drawing/2010/main">
+                <a:effectLst>
+                  <a:outerShdw blurRad="63500" dist="38099" dir="2700000" algn="ctr" rotWithShape="0">
+                    <a:srgbClr val="000000">
+                      <a:alpha val="74998"/>
+                    </a:srgbClr>
+                  </a:outerShdw>
+                </a:effectLst>
+              </a14:hiddenEffects>
+            </a:ext>
+          </a:extLst>
+        </p:spPr>
+        <p:txBody>
+          <a:bodyPr vert="horz" wrap="square" lIns="91440" tIns="45720" rIns="91440" bIns="45720" numCol="1" rtlCol="0" anchor="t" anchorCtr="0" compatLnSpc="1">
+            <a:prstTxWarp prst="textNoShape">
+              <a:avLst/>
+            </a:prstTxWarp>
+          </a:bodyPr>
+          <a:lstStyle/>
+          <a:p>
+            <a:pPr marL="0" marR="0" indent="0" algn="l" defTabSz="914400" rtl="0" eaLnBrk="0" fontAlgn="base" latinLnBrk="0" hangingPunct="0">
+              <a:lnSpc>
+                <a:spcPct val="100000"/>
+              </a:lnSpc>
+              <a:spcBef>
+                <a:spcPct val="0"/>
+              </a:spcBef>
+              <a:spcAft>
+                <a:spcPct val="0"/>
+              </a:spcAft>
+              <a:buClrTx/>
+              <a:buSzTx/>
+              <a:buFontTx/>
+              <a:buNone/>
+              <a:tabLst/>
+            </a:pPr>
+            <a:endParaRPr kumimoji="0" lang="it-IT" sz="2400" b="0" i="0" u="none" strike="noStrike" cap="none" normalizeH="0" baseline="0" dirty="0">
+              <a:ln>
+                <a:noFill/>
+              </a:ln>
+              <a:solidFill>
+                <a:srgbClr val="000000"/>
+              </a:solidFill>
+              <a:effectLst/>
+              <a:latin typeface="Arial" charset="0"/>
+              <a:ea typeface="ＭＳ Ｐゴシック" charset="0"/>
+              <a:cs typeface="ＭＳ Ｐゴシック" charset="0"/>
+            </a:endParaRPr>
+          </a:p>
+        </p:txBody>
+      </p:sp>
+      <p:sp>
+        <p:nvSpPr>
+          <p:cNvPr id="7" name="Connettore 6">
+            <a:extLst>
+              <a:ext uri="{FF2B5EF4-FFF2-40B4-BE49-F238E27FC236}">
+                <a16:creationId xmlns:a16="http://schemas.microsoft.com/office/drawing/2014/main" id="{9AA5BAA2-CAF5-46D2-B722-5DF22CBB4D3E}"/>
+              </a:ext>
+            </a:extLst>
+          </p:cNvPr>
+          <p:cNvSpPr/>
+          <p:nvPr/>
+        </p:nvSpPr>
+        <p:spPr bwMode="auto">
+          <a:xfrm>
+            <a:off x="1043608" y="3758280"/>
+            <a:ext cx="648072" cy="576064"/>
+          </a:xfrm>
+          <a:prstGeom prst="flowChartConnector">
+            <a:avLst/>
+          </a:prstGeom>
+          <a:solidFill>
+            <a:schemeClr val="tx1">
+              <a:lumMod val="40000"/>
+              <a:lumOff val="60000"/>
+            </a:schemeClr>
+          </a:solidFill>
+          <a:ln>
+            <a:noFill/>
+          </a:ln>
+          <a:effectLst/>
+          <a:extLst>
+            <a:ext uri="{909E8E84-426E-40dd-AFC4-6F175D3DCCD1}">
+              <a14:hiddenFill xmlns="" xmlns:a14="http://schemas.microsoft.com/office/drawing/2010/main">
+                <a:solidFill>
+                  <a:schemeClr val="accent1"/>
+                </a:solidFill>
+              </a14:hiddenFill>
+            </a:ext>
+            <a:ext uri="{91240B29-F687-4f45-9708-019B960494DF}">
+              <a14:hiddenLine xmlns="" xmlns:a14="http://schemas.microsoft.com/office/drawing/2010/main" w="9525" cap="flat" cmpd="sng" algn="ctr">
+                <a:solidFill>
+                  <a:schemeClr val="tx1"/>
+                </a:solidFill>
+                <a:prstDash val="solid"/>
+                <a:round/>
+                <a:headEnd type="none" w="med" len="med"/>
+                <a:tailEnd type="none" w="med" len="med"/>
+              </a14:hiddenLine>
+            </a:ext>
+            <a:ext uri="{AF507438-7753-43e0-B8FC-AC1667EBCBE1}">
+              <a14:hiddenEffects xmlns="" xmlns:a14="http://schemas.microsoft.com/office/drawing/2010/main">
+                <a:effectLst>
+                  <a:outerShdw blurRad="63500" dist="38099" dir="2700000" algn="ctr" rotWithShape="0">
+                    <a:srgbClr val="000000">
+                      <a:alpha val="74998"/>
+                    </a:srgbClr>
+                  </a:outerShdw>
+                </a:effectLst>
+              </a14:hiddenEffects>
+            </a:ext>
+          </a:extLst>
+        </p:spPr>
+        <p:txBody>
+          <a:bodyPr vert="horz" wrap="square" lIns="91440" tIns="45720" rIns="91440" bIns="45720" numCol="1" rtlCol="0" anchor="t" anchorCtr="0" compatLnSpc="1">
+            <a:prstTxWarp prst="textNoShape">
+              <a:avLst/>
+            </a:prstTxWarp>
+          </a:bodyPr>
+          <a:lstStyle/>
+          <a:p>
+            <a:pPr marL="0" marR="0" indent="0" algn="l" defTabSz="914400" rtl="0" eaLnBrk="0" fontAlgn="base" latinLnBrk="0" hangingPunct="0">
+              <a:lnSpc>
+                <a:spcPct val="100000"/>
+              </a:lnSpc>
+              <a:spcBef>
+                <a:spcPct val="0"/>
+              </a:spcBef>
+              <a:spcAft>
+                <a:spcPct val="0"/>
+              </a:spcAft>
+              <a:buClrTx/>
+              <a:buSzTx/>
+              <a:buFontTx/>
+              <a:buNone/>
+              <a:tabLst/>
+            </a:pPr>
+            <a:endParaRPr kumimoji="0" lang="it-IT" sz="2400" b="0" i="0" u="none" strike="noStrike" cap="none" normalizeH="0" baseline="0" dirty="0">
+              <a:ln>
+                <a:noFill/>
+              </a:ln>
+              <a:solidFill>
+                <a:srgbClr val="000000"/>
+              </a:solidFill>
+              <a:effectLst/>
+              <a:latin typeface="Arial" charset="0"/>
+              <a:ea typeface="ＭＳ Ｐゴシック" charset="0"/>
+              <a:cs typeface="ＭＳ Ｐゴシック" charset="0"/>
+            </a:endParaRPr>
+          </a:p>
+        </p:txBody>
+      </p:sp>
+      <p:sp>
+        <p:nvSpPr>
+          <p:cNvPr id="8" name="Connettore 7">
+            <a:extLst>
+              <a:ext uri="{FF2B5EF4-FFF2-40B4-BE49-F238E27FC236}">
+                <a16:creationId xmlns:a16="http://schemas.microsoft.com/office/drawing/2014/main" id="{3A180CF2-EC95-4A12-AC76-8C9BEE4CB4AF}"/>
+              </a:ext>
+            </a:extLst>
+          </p:cNvPr>
+          <p:cNvSpPr/>
+          <p:nvPr/>
+        </p:nvSpPr>
+        <p:spPr bwMode="auto">
+          <a:xfrm>
+            <a:off x="1010975" y="2636912"/>
+            <a:ext cx="648072" cy="576064"/>
+          </a:xfrm>
+          <a:prstGeom prst="flowChartConnector">
+            <a:avLst/>
+          </a:prstGeom>
+          <a:solidFill>
+            <a:schemeClr val="tx1">
+              <a:lumMod val="40000"/>
+              <a:lumOff val="60000"/>
+            </a:schemeClr>
+          </a:solidFill>
+          <a:ln>
+            <a:noFill/>
+          </a:ln>
+          <a:effectLst/>
+          <a:extLst>
+            <a:ext uri="{909E8E84-426E-40dd-AFC4-6F175D3DCCD1}">
+              <a14:hiddenFill xmlns="" xmlns:a14="http://schemas.microsoft.com/office/drawing/2010/main">
+                <a:solidFill>
+                  <a:schemeClr val="accent1"/>
+                </a:solidFill>
+              </a14:hiddenFill>
+            </a:ext>
+            <a:ext uri="{91240B29-F687-4f45-9708-019B960494DF}">
+              <a14:hiddenLine xmlns="" xmlns:a14="http://schemas.microsoft.com/office/drawing/2010/main" w="9525" cap="flat" cmpd="sng" algn="ctr">
+                <a:solidFill>
+                  <a:schemeClr val="tx1"/>
+                </a:solidFill>
+                <a:prstDash val="solid"/>
+                <a:round/>
+                <a:headEnd type="none" w="med" len="med"/>
+                <a:tailEnd type="none" w="med" len="med"/>
+              </a14:hiddenLine>
+            </a:ext>
+            <a:ext uri="{AF507438-7753-43e0-B8FC-AC1667EBCBE1}">
+              <a14:hiddenEffects xmlns="" xmlns:a14="http://schemas.microsoft.com/office/drawing/2010/main">
+                <a:effectLst>
+                  <a:outerShdw blurRad="63500" dist="38099" dir="2700000" algn="ctr" rotWithShape="0">
+                    <a:srgbClr val="000000">
+                      <a:alpha val="74998"/>
+                    </a:srgbClr>
+                  </a:outerShdw>
+                </a:effectLst>
+              </a14:hiddenEffects>
+            </a:ext>
+          </a:extLst>
+        </p:spPr>
+        <p:txBody>
+          <a:bodyPr vert="horz" wrap="square" lIns="91440" tIns="45720" rIns="91440" bIns="45720" numCol="1" rtlCol="0" anchor="t" anchorCtr="0" compatLnSpc="1">
+            <a:prstTxWarp prst="textNoShape">
+              <a:avLst/>
+            </a:prstTxWarp>
+          </a:bodyPr>
+          <a:lstStyle/>
+          <a:p>
+            <a:pPr marL="0" marR="0" indent="0" algn="l" defTabSz="914400" rtl="0" eaLnBrk="0" fontAlgn="base" latinLnBrk="0" hangingPunct="0">
+              <a:lnSpc>
+                <a:spcPct val="100000"/>
+              </a:lnSpc>
+              <a:spcBef>
+                <a:spcPct val="0"/>
+              </a:spcBef>
+              <a:spcAft>
+                <a:spcPct val="0"/>
+              </a:spcAft>
+              <a:buClrTx/>
+              <a:buSzTx/>
+              <a:buFontTx/>
+              <a:buNone/>
+              <a:tabLst/>
+            </a:pPr>
+            <a:endParaRPr kumimoji="0" lang="it-IT" sz="2400" b="0" i="0" u="none" strike="noStrike" cap="none" normalizeH="0" baseline="0" dirty="0">
+              <a:ln>
+                <a:noFill/>
+              </a:ln>
+              <a:solidFill>
+                <a:srgbClr val="000000"/>
+              </a:solidFill>
+              <a:effectLst/>
+              <a:latin typeface="Arial" charset="0"/>
+              <a:ea typeface="ＭＳ Ｐゴシック" charset="0"/>
+              <a:cs typeface="ＭＳ Ｐゴシック" charset="0"/>
+            </a:endParaRPr>
+          </a:p>
+        </p:txBody>
+      </p:sp>
+      <p:sp>
+        <p:nvSpPr>
+          <p:cNvPr id="9" name="Connettore 8">
+            <a:extLst>
+              <a:ext uri="{FF2B5EF4-FFF2-40B4-BE49-F238E27FC236}">
+                <a16:creationId xmlns:a16="http://schemas.microsoft.com/office/drawing/2014/main" id="{633C3CA0-7961-4C4A-BF61-CA2182D2FF5C}"/>
+              </a:ext>
+            </a:extLst>
+          </p:cNvPr>
+          <p:cNvSpPr/>
+          <p:nvPr/>
+        </p:nvSpPr>
+        <p:spPr bwMode="auto">
+          <a:xfrm>
+            <a:off x="1043608" y="1851104"/>
+            <a:ext cx="648072" cy="576064"/>
+          </a:xfrm>
+          <a:prstGeom prst="flowChartConnector">
+            <a:avLst/>
+          </a:prstGeom>
+          <a:solidFill>
+            <a:schemeClr val="tx1">
+              <a:lumMod val="40000"/>
+              <a:lumOff val="60000"/>
+            </a:schemeClr>
+          </a:solidFill>
+          <a:ln>
+            <a:noFill/>
+          </a:ln>
+          <a:effectLst/>
+          <a:extLst>
+            <a:ext uri="{909E8E84-426E-40dd-AFC4-6F175D3DCCD1}">
+              <a14:hiddenFill xmlns="" xmlns:a14="http://schemas.microsoft.com/office/drawing/2010/main">
+                <a:solidFill>
+                  <a:schemeClr val="accent1"/>
+                </a:solidFill>
+              </a14:hiddenFill>
+            </a:ext>
+            <a:ext uri="{91240B29-F687-4f45-9708-019B960494DF}">
+              <a14:hiddenLine xmlns="" xmlns:a14="http://schemas.microsoft.com/office/drawing/2010/main" w="9525" cap="flat" cmpd="sng" algn="ctr">
+                <a:solidFill>
+                  <a:schemeClr val="tx1"/>
+                </a:solidFill>
+                <a:prstDash val="solid"/>
+                <a:round/>
+                <a:headEnd type="none" w="med" len="med"/>
+                <a:tailEnd type="none" w="med" len="med"/>
+              </a14:hiddenLine>
+            </a:ext>
+            <a:ext uri="{AF507438-7753-43e0-B8FC-AC1667EBCBE1}">
+              <a14:hiddenEffects xmlns="" xmlns:a14="http://schemas.microsoft.com/office/drawing/2010/main">
+                <a:effectLst>
+                  <a:outerShdw blurRad="63500" dist="38099" dir="2700000" algn="ctr" rotWithShape="0">
+                    <a:srgbClr val="000000">
+                      <a:alpha val="74998"/>
+                    </a:srgbClr>
+                  </a:outerShdw>
+                </a:effectLst>
+              </a14:hiddenEffects>
+            </a:ext>
+          </a:extLst>
+        </p:spPr>
+        <p:txBody>
+          <a:bodyPr vert="horz" wrap="square" lIns="91440" tIns="45720" rIns="91440" bIns="45720" numCol="1" rtlCol="0" anchor="t" anchorCtr="0" compatLnSpc="1">
+            <a:prstTxWarp prst="textNoShape">
+              <a:avLst/>
+            </a:prstTxWarp>
+          </a:bodyPr>
+          <a:lstStyle/>
+          <a:p>
+            <a:pPr marL="0" marR="0" indent="0" algn="l" defTabSz="914400" rtl="0" eaLnBrk="0" fontAlgn="base" latinLnBrk="0" hangingPunct="0">
+              <a:lnSpc>
+                <a:spcPct val="100000"/>
+              </a:lnSpc>
+              <a:spcBef>
+                <a:spcPct val="0"/>
+              </a:spcBef>
+              <a:spcAft>
+                <a:spcPct val="0"/>
+              </a:spcAft>
+              <a:buClrTx/>
+              <a:buSzTx/>
+              <a:buFontTx/>
+              <a:buNone/>
+              <a:tabLst/>
+            </a:pPr>
+            <a:endParaRPr kumimoji="0" lang="it-IT" sz="2400" b="0" i="0" u="none" strike="noStrike" cap="none" normalizeH="0" baseline="0" dirty="0">
+              <a:ln>
+                <a:noFill/>
+              </a:ln>
+              <a:solidFill>
+                <a:srgbClr val="000000"/>
+              </a:solidFill>
+              <a:effectLst/>
+              <a:latin typeface="Arial" charset="0"/>
+              <a:ea typeface="ＭＳ Ｐゴシック" charset="0"/>
+              <a:cs typeface="ＭＳ Ｐゴシック" charset="0"/>
+            </a:endParaRPr>
+          </a:p>
+        </p:txBody>
+      </p:sp>
+      <p:sp>
+        <p:nvSpPr>
+          <p:cNvPr id="10" name="Segnaposto testo 2">
+            <a:extLst>
+              <a:ext uri="{FF2B5EF4-FFF2-40B4-BE49-F238E27FC236}">
+                <a16:creationId xmlns:a16="http://schemas.microsoft.com/office/drawing/2014/main" id="{59843986-693E-48D6-88DB-1E74328D7BFF}"/>
+              </a:ext>
+            </a:extLst>
+          </p:cNvPr>
+          <p:cNvSpPr>
+            <a:spLocks noGrp="1"/>
+          </p:cNvSpPr>
+          <p:nvPr>
+            <p:ph type="body" sz="half" idx="1"/>
+          </p:nvPr>
+        </p:nvSpPr>
+        <p:spPr>
+          <a:xfrm>
+            <a:off x="1026233" y="1955976"/>
+            <a:ext cx="936104" cy="576064"/>
+          </a:xfrm>
+        </p:spPr>
+        <p:txBody>
+          <a:bodyPr/>
+          <a:lstStyle/>
+          <a:p>
+            <a:pPr marL="0" indent="0">
+              <a:buNone/>
+            </a:pPr>
+            <a:r>
+              <a:rPr lang="it-IT" sz="2000" dirty="0"/>
+              <a:t>IP</a:t>
+            </a:r>
+            <a:r>
+              <a:rPr lang="it-IT" sz="2000" baseline="-25000" dirty="0"/>
+              <a:t>i </a:t>
+            </a:r>
+            <a:r>
+              <a:rPr lang="it-IT" sz="2000" dirty="0"/>
+              <a:t>, p</a:t>
+            </a:r>
+            <a:r>
+              <a:rPr lang="it-IT" sz="2000" baseline="-25000" dirty="0"/>
+              <a:t>i</a:t>
+            </a:r>
+          </a:p>
+        </p:txBody>
+      </p:sp>
+      <p:cxnSp>
+        <p:nvCxnSpPr>
+          <p:cNvPr id="13" name="Connettore 2 12">
+            <a:extLst>
+              <a:ext uri="{FF2B5EF4-FFF2-40B4-BE49-F238E27FC236}">
+                <a16:creationId xmlns:a16="http://schemas.microsoft.com/office/drawing/2014/main" id="{FA378C04-B5C4-4E0A-8EC3-081B26DAF82F}"/>
+              </a:ext>
+            </a:extLst>
+          </p:cNvPr>
+          <p:cNvCxnSpPr>
+            <a:cxnSpLocks/>
+            <a:stCxn id="10" idx="3"/>
+            <a:endCxn id="5" idx="1"/>
+          </p:cNvCxnSpPr>
+          <p:nvPr/>
+        </p:nvCxnSpPr>
+        <p:spPr bwMode="auto">
+          <a:xfrm>
+            <a:off x="1962337" y="2244008"/>
+            <a:ext cx="5029918" cy="477267"/>
+          </a:xfrm>
+          <a:prstGeom prst="straightConnector1">
+            <a:avLst/>
+          </a:prstGeom>
+          <a:ln>
+            <a:tailEnd type="triangle"/>
+          </a:ln>
+          <a:extLst>
+            <a:ext uri="{909E8E84-426E-40dd-AFC4-6F175D3DCCD1}">
+              <a14:hiddenFill xmlns="" xmlns:a14="http://schemas.microsoft.com/office/drawing/2010/main">
+                <a:solidFill>
+                  <a:schemeClr val="accent1"/>
+                </a:solidFill>
+              </a14:hiddenFill>
+            </a:ext>
+            <a:ext uri="{91240B29-F687-4f45-9708-019B960494DF}">
+              <a14:hiddenLine xmlns="" xmlns:a14="http://schemas.microsoft.com/office/drawing/2010/main" w="9525" cap="flat" cmpd="sng" algn="ctr">
+                <a:solidFill>
+                  <a:schemeClr val="tx1"/>
+                </a:solidFill>
+                <a:prstDash val="solid"/>
+                <a:round/>
+                <a:headEnd type="none" w="med" len="med"/>
+                <a:tailEnd type="none" w="med" len="med"/>
+              </a14:hiddenLine>
+            </a:ext>
+            <a:ext uri="{AF507438-7753-43e0-B8FC-AC1667EBCBE1}">
+              <a14:hiddenEffects xmlns="" xmlns:a14="http://schemas.microsoft.com/office/drawing/2010/main">
+                <a:effectLst>
+                  <a:outerShdw blurRad="63500" dist="38099" dir="2700000" algn="ctr" rotWithShape="0">
+                    <a:srgbClr val="000000">
+                      <a:alpha val="74998"/>
+                    </a:srgbClr>
+                  </a:outerShdw>
+                </a:effectLst>
+              </a14:hiddenEffects>
+            </a:ext>
+          </a:extLst>
+        </p:spPr>
+        <p:style>
+          <a:lnRef idx="1">
+            <a:schemeClr val="dk1"/>
+          </a:lnRef>
+          <a:fillRef idx="0">
+            <a:schemeClr val="dk1"/>
+          </a:fillRef>
+          <a:effectRef idx="0">
+            <a:schemeClr val="dk1"/>
+          </a:effectRef>
+          <a:fontRef idx="minor">
+            <a:schemeClr val="tx1"/>
+          </a:fontRef>
+        </p:style>
+      </p:cxnSp>
+      <p:cxnSp>
+        <p:nvCxnSpPr>
+          <p:cNvPr id="15" name="Connettore 2 14">
+            <a:extLst>
+              <a:ext uri="{FF2B5EF4-FFF2-40B4-BE49-F238E27FC236}">
+                <a16:creationId xmlns:a16="http://schemas.microsoft.com/office/drawing/2014/main" id="{1C22F128-FEB6-46D4-AFEF-FF9EE3622DB1}"/>
+              </a:ext>
+            </a:extLst>
+          </p:cNvPr>
+          <p:cNvCxnSpPr>
+            <a:cxnSpLocks/>
+            <a:endCxn id="5" idx="2"/>
+          </p:cNvCxnSpPr>
+          <p:nvPr/>
+        </p:nvCxnSpPr>
+        <p:spPr bwMode="auto">
+          <a:xfrm flipV="1">
+            <a:off x="1901697" y="2924944"/>
+            <a:ext cx="4974559" cy="103966"/>
+          </a:xfrm>
+          <a:prstGeom prst="straightConnector1">
+            <a:avLst/>
+          </a:prstGeom>
+          <a:ln>
+            <a:tailEnd type="triangle"/>
+          </a:ln>
+          <a:extLst>
+            <a:ext uri="{909E8E84-426E-40dd-AFC4-6F175D3DCCD1}">
               <a14:hiddenFill xmlns:a14="http://schemas.microsoft.com/office/drawing/2010/main" xmlns="">
                 <a:solidFill>
                   <a:schemeClr val="accent1"/>
@@ -16406,75 +16940,106 @@
             </a:ext>
           </a:extLst>
         </p:spPr>
-        <p:txBody>
-          <a:bodyPr vert="horz" wrap="square" lIns="91440" tIns="45720" rIns="91440" bIns="45720" numCol="1" rtlCol="0" anchor="t" anchorCtr="0" compatLnSpc="1">
-            <a:prstTxWarp prst="textNoShape">
-              <a:avLst/>
-            </a:prstTxWarp>
-          </a:bodyPr>
-          <a:lstStyle/>
-          <a:p>
-            <a:pPr marL="0" marR="0" indent="0" algn="l" defTabSz="914400" rtl="0" eaLnBrk="0" fontAlgn="base" latinLnBrk="0" hangingPunct="0">
-              <a:lnSpc>
-                <a:spcPct val="100000"/>
-              </a:lnSpc>
-              <a:spcBef>
-                <a:spcPct val="0"/>
-              </a:spcBef>
-              <a:spcAft>
-                <a:spcPct val="0"/>
-              </a:spcAft>
-              <a:buClrTx/>
-              <a:buSzTx/>
-              <a:buFontTx/>
-              <a:buNone/>
-              <a:tabLst/>
-            </a:pPr>
-            <a:endParaRPr kumimoji="0" lang="it-IT" sz="2400" b="0" i="0" u="none" strike="noStrike" cap="none" normalizeH="0" baseline="0" dirty="0">
-              <a:ln>
-                <a:noFill/>
-              </a:ln>
-              <a:solidFill>
-                <a:srgbClr val="000000"/>
-              </a:solidFill>
-              <a:effectLst/>
-              <a:latin typeface="Arial" charset="0"/>
-              <a:ea typeface="ＭＳ Ｐゴシック" charset="0"/>
-              <a:cs typeface="ＭＳ Ｐゴシック" charset="0"/>
-            </a:endParaRPr>
-          </a:p>
-        </p:txBody>
-      </p:sp>
-      <p:sp>
-        <p:nvSpPr>
-          <p:cNvPr id="7" name="Connettore 6">
+        <p:style>
+          <a:lnRef idx="1">
+            <a:schemeClr val="dk1"/>
+          </a:lnRef>
+          <a:fillRef idx="0">
+            <a:schemeClr val="dk1"/>
+          </a:fillRef>
+          <a:effectRef idx="0">
+            <a:schemeClr val="dk1"/>
+          </a:effectRef>
+          <a:fontRef idx="minor">
+            <a:schemeClr val="tx1"/>
+          </a:fontRef>
+        </p:style>
+      </p:cxnSp>
+      <p:cxnSp>
+        <p:nvCxnSpPr>
+          <p:cNvPr id="17" name="Connettore 2 16">
             <a:extLst>
               <a:ext uri="{FF2B5EF4-FFF2-40B4-BE49-F238E27FC236}">
-                <a16:creationId xmlns:a16="http://schemas.microsoft.com/office/drawing/2014/main" id="{9AA5BAA2-CAF5-46D2-B722-5DF22CBB4D3E}"/>
+                <a16:creationId xmlns:a16="http://schemas.microsoft.com/office/drawing/2014/main" id="{706A8A4F-1AF9-4209-AA36-6B9FE38365B6}"/>
               </a:ext>
             </a:extLst>
           </p:cNvPr>
-          <p:cNvSpPr/>
+          <p:cNvCxnSpPr/>
           <p:nvPr/>
-        </p:nvSpPr>
+        </p:nvCxnSpPr>
         <p:spPr bwMode="auto">
           <a:xfrm>
-            <a:off x="1043608" y="3758280"/>
-            <a:ext cx="648072" cy="576064"/>
-          </a:xfrm>
-          <a:prstGeom prst="flowChartConnector">
+            <a:off x="1939417" y="4112150"/>
+            <a:ext cx="0" cy="0"/>
+          </a:xfrm>
+          <a:prstGeom prst="straightConnector1">
             <a:avLst/>
           </a:prstGeom>
-          <a:solidFill>
-            <a:schemeClr val="tx1">
-              <a:lumMod val="40000"/>
-              <a:lumOff val="60000"/>
-            </a:schemeClr>
-          </a:solidFill>
+          <a:noFill/>
           <a:ln>
             <a:noFill/>
+            <a:tailEnd type="triangle"/>
           </a:ln>
           <a:effectLst/>
+          <a:extLst>
+            <a:ext uri="{909E8E84-426E-40dd-AFC4-6F175D3DCCD1}">
+              <a14:hiddenFill xmlns="" xmlns:a14="http://schemas.microsoft.com/office/drawing/2010/main">
+                <a:solidFill>
+                  <a:schemeClr val="accent1"/>
+                </a:solidFill>
+              </a14:hiddenFill>
+            </a:ext>
+            <a:ext uri="{91240B29-F687-4f45-9708-019B960494DF}">
+              <a14:hiddenLine xmlns="" xmlns:a14="http://schemas.microsoft.com/office/drawing/2010/main" w="9525" cap="flat" cmpd="sng" algn="ctr">
+                <a:solidFill>
+                  <a:schemeClr val="tx1"/>
+                </a:solidFill>
+                <a:prstDash val="solid"/>
+                <a:round/>
+                <a:headEnd type="none" w="med" len="med"/>
+                <a:tailEnd type="none" w="med" len="med"/>
+              </a14:hiddenLine>
+            </a:ext>
+            <a:ext uri="{AF507438-7753-43e0-B8FC-AC1667EBCBE1}">
+              <a14:hiddenEffects xmlns="" xmlns:a14="http://schemas.microsoft.com/office/drawing/2010/main">
+                <a:effectLst>
+                  <a:outerShdw blurRad="63500" dist="38099" dir="2700000" algn="ctr" rotWithShape="0">
+                    <a:srgbClr val="000000">
+                      <a:alpha val="74998"/>
+                    </a:srgbClr>
+                  </a:outerShdw>
+                </a:effectLst>
+              </a14:hiddenEffects>
+            </a:ext>
+          </a:extLst>
+        </p:spPr>
+      </p:cxnSp>
+      <p:cxnSp>
+        <p:nvCxnSpPr>
+          <p:cNvPr id="19" name="Connettore 2 18">
+            <a:extLst>
+              <a:ext uri="{FF2B5EF4-FFF2-40B4-BE49-F238E27FC236}">
+                <a16:creationId xmlns:a16="http://schemas.microsoft.com/office/drawing/2014/main" id="{AFD3836F-3645-45EE-8E7C-119D75925F4B}"/>
+              </a:ext>
+            </a:extLst>
+          </p:cNvPr>
+          <p:cNvCxnSpPr>
+            <a:cxnSpLocks/>
+            <a:endCxn id="5" idx="3"/>
+          </p:cNvCxnSpPr>
+          <p:nvPr/>
+        </p:nvCxnSpPr>
+        <p:spPr bwMode="auto">
+          <a:xfrm flipV="1">
+            <a:off x="1939417" y="3128613"/>
+            <a:ext cx="5052838" cy="983538"/>
+          </a:xfrm>
+          <a:prstGeom prst="straightConnector1">
+            <a:avLst/>
+          </a:prstGeom>
+          <a:ln>
+            <a:tailEnd type="triangle"/>
+          </a:ln>
           <a:extLst>
             <a:ext uri="{909E8E84-426E-40dd-AFC4-6F175D3DCCD1}">
               <a14:hiddenFill xmlns:a14="http://schemas.microsoft.com/office/drawing/2010/main" xmlns="">
@@ -16507,559 +17072,6 @@
             </a:ext>
           </a:extLst>
         </p:spPr>
-        <p:txBody>
-          <a:bodyPr vert="horz" wrap="square" lIns="91440" tIns="45720" rIns="91440" bIns="45720" numCol="1" rtlCol="0" anchor="t" anchorCtr="0" compatLnSpc="1">
-            <a:prstTxWarp prst="textNoShape">
-              <a:avLst/>
-            </a:prstTxWarp>
-          </a:bodyPr>
-          <a:lstStyle/>
-          <a:p>
-            <a:pPr marL="0" marR="0" indent="0" algn="l" defTabSz="914400" rtl="0" eaLnBrk="0" fontAlgn="base" latinLnBrk="0" hangingPunct="0">
-              <a:lnSpc>
-                <a:spcPct val="100000"/>
-              </a:lnSpc>
-              <a:spcBef>
-                <a:spcPct val="0"/>
-              </a:spcBef>
-              <a:spcAft>
-                <a:spcPct val="0"/>
-              </a:spcAft>
-              <a:buClrTx/>
-              <a:buSzTx/>
-              <a:buFontTx/>
-              <a:buNone/>
-              <a:tabLst/>
-            </a:pPr>
-            <a:endParaRPr kumimoji="0" lang="it-IT" sz="2400" b="0" i="0" u="none" strike="noStrike" cap="none" normalizeH="0" baseline="0" dirty="0">
-              <a:ln>
-                <a:noFill/>
-              </a:ln>
-              <a:solidFill>
-                <a:srgbClr val="000000"/>
-              </a:solidFill>
-              <a:effectLst/>
-              <a:latin typeface="Arial" charset="0"/>
-              <a:ea typeface="ＭＳ Ｐゴシック" charset="0"/>
-              <a:cs typeface="ＭＳ Ｐゴシック" charset="0"/>
-            </a:endParaRPr>
-          </a:p>
-        </p:txBody>
-      </p:sp>
-      <p:sp>
-        <p:nvSpPr>
-          <p:cNvPr id="8" name="Connettore 7">
-            <a:extLst>
-              <a:ext uri="{FF2B5EF4-FFF2-40B4-BE49-F238E27FC236}">
-                <a16:creationId xmlns:a16="http://schemas.microsoft.com/office/drawing/2014/main" id="{3A180CF2-EC95-4A12-AC76-8C9BEE4CB4AF}"/>
-              </a:ext>
-            </a:extLst>
-          </p:cNvPr>
-          <p:cNvSpPr/>
-          <p:nvPr/>
-        </p:nvSpPr>
-        <p:spPr bwMode="auto">
-          <a:xfrm>
-            <a:off x="1010975" y="2636912"/>
-            <a:ext cx="648072" cy="576064"/>
-          </a:xfrm>
-          <a:prstGeom prst="flowChartConnector">
-            <a:avLst/>
-          </a:prstGeom>
-          <a:solidFill>
-            <a:schemeClr val="tx1">
-              <a:lumMod val="40000"/>
-              <a:lumOff val="60000"/>
-            </a:schemeClr>
-          </a:solidFill>
-          <a:ln>
-            <a:noFill/>
-          </a:ln>
-          <a:effectLst/>
-          <a:extLst>
-            <a:ext uri="{909E8E84-426E-40dd-AFC4-6F175D3DCCD1}">
-              <a14:hiddenFill xmlns:a14="http://schemas.microsoft.com/office/drawing/2010/main" xmlns="">
-                <a:solidFill>
-                  <a:schemeClr val="accent1"/>
-                </a:solidFill>
-              </a14:hiddenFill>
-            </a:ext>
-            <a:ext uri="{91240B29-F687-4f45-9708-019B960494DF}">
-              <a14:hiddenLine xmlns:a14="http://schemas.microsoft.com/office/drawing/2010/main" xmlns="" w="9525" cap="flat" cmpd="sng" algn="ctr">
-                <a:solidFill>
-                  <a:schemeClr val="tx1"/>
-                </a:solidFill>
-                <a:prstDash val="solid"/>
-                <a:round/>
-                <a:headEnd type="none" w="med" len="med"/>
-                <a:tailEnd type="none" w="med" len="med"/>
-              </a14:hiddenLine>
-            </a:ext>
-            <a:ext uri="{AF507438-7753-43e0-B8FC-AC1667EBCBE1}">
-              <a14:hiddenEffects xmlns:a14="http://schemas.microsoft.com/office/drawing/2010/main" xmlns="">
-                <a:effectLst>
-                  <a:outerShdw blurRad="63500" dist="38099" dir="2700000" algn="ctr" rotWithShape="0">
-                    <a:srgbClr val="000000">
-                      <a:alpha val="74998"/>
-                    </a:srgbClr>
-                  </a:outerShdw>
-                </a:effectLst>
-              </a14:hiddenEffects>
-            </a:ext>
-          </a:extLst>
-        </p:spPr>
-        <p:txBody>
-          <a:bodyPr vert="horz" wrap="square" lIns="91440" tIns="45720" rIns="91440" bIns="45720" numCol="1" rtlCol="0" anchor="t" anchorCtr="0" compatLnSpc="1">
-            <a:prstTxWarp prst="textNoShape">
-              <a:avLst/>
-            </a:prstTxWarp>
-          </a:bodyPr>
-          <a:lstStyle/>
-          <a:p>
-            <a:pPr marL="0" marR="0" indent="0" algn="l" defTabSz="914400" rtl="0" eaLnBrk="0" fontAlgn="base" latinLnBrk="0" hangingPunct="0">
-              <a:lnSpc>
-                <a:spcPct val="100000"/>
-              </a:lnSpc>
-              <a:spcBef>
-                <a:spcPct val="0"/>
-              </a:spcBef>
-              <a:spcAft>
-                <a:spcPct val="0"/>
-              </a:spcAft>
-              <a:buClrTx/>
-              <a:buSzTx/>
-              <a:buFontTx/>
-              <a:buNone/>
-              <a:tabLst/>
-            </a:pPr>
-            <a:endParaRPr kumimoji="0" lang="it-IT" sz="2400" b="0" i="0" u="none" strike="noStrike" cap="none" normalizeH="0" baseline="0" dirty="0">
-              <a:ln>
-                <a:noFill/>
-              </a:ln>
-              <a:solidFill>
-                <a:srgbClr val="000000"/>
-              </a:solidFill>
-              <a:effectLst/>
-              <a:latin typeface="Arial" charset="0"/>
-              <a:ea typeface="ＭＳ Ｐゴシック" charset="0"/>
-              <a:cs typeface="ＭＳ Ｐゴシック" charset="0"/>
-            </a:endParaRPr>
-          </a:p>
-        </p:txBody>
-      </p:sp>
-      <p:sp>
-        <p:nvSpPr>
-          <p:cNvPr id="9" name="Connettore 8">
-            <a:extLst>
-              <a:ext uri="{FF2B5EF4-FFF2-40B4-BE49-F238E27FC236}">
-                <a16:creationId xmlns:a16="http://schemas.microsoft.com/office/drawing/2014/main" id="{633C3CA0-7961-4C4A-BF61-CA2182D2FF5C}"/>
-              </a:ext>
-            </a:extLst>
-          </p:cNvPr>
-          <p:cNvSpPr/>
-          <p:nvPr/>
-        </p:nvSpPr>
-        <p:spPr bwMode="auto">
-          <a:xfrm>
-            <a:off x="1043608" y="1851104"/>
-            <a:ext cx="648072" cy="576064"/>
-          </a:xfrm>
-          <a:prstGeom prst="flowChartConnector">
-            <a:avLst/>
-          </a:prstGeom>
-          <a:solidFill>
-            <a:schemeClr val="tx1">
-              <a:lumMod val="40000"/>
-              <a:lumOff val="60000"/>
-            </a:schemeClr>
-          </a:solidFill>
-          <a:ln>
-            <a:noFill/>
-          </a:ln>
-          <a:effectLst/>
-          <a:extLst>
-            <a:ext uri="{909E8E84-426E-40dd-AFC4-6F175D3DCCD1}">
-              <a14:hiddenFill xmlns:a14="http://schemas.microsoft.com/office/drawing/2010/main" xmlns="">
-                <a:solidFill>
-                  <a:schemeClr val="accent1"/>
-                </a:solidFill>
-              </a14:hiddenFill>
-            </a:ext>
-            <a:ext uri="{91240B29-F687-4f45-9708-019B960494DF}">
-              <a14:hiddenLine xmlns:a14="http://schemas.microsoft.com/office/drawing/2010/main" xmlns="" w="9525" cap="flat" cmpd="sng" algn="ctr">
-                <a:solidFill>
-                  <a:schemeClr val="tx1"/>
-                </a:solidFill>
-                <a:prstDash val="solid"/>
-                <a:round/>
-                <a:headEnd type="none" w="med" len="med"/>
-                <a:tailEnd type="none" w="med" len="med"/>
-              </a14:hiddenLine>
-            </a:ext>
-            <a:ext uri="{AF507438-7753-43e0-B8FC-AC1667EBCBE1}">
-              <a14:hiddenEffects xmlns:a14="http://schemas.microsoft.com/office/drawing/2010/main" xmlns="">
-                <a:effectLst>
-                  <a:outerShdw blurRad="63500" dist="38099" dir="2700000" algn="ctr" rotWithShape="0">
-                    <a:srgbClr val="000000">
-                      <a:alpha val="74998"/>
-                    </a:srgbClr>
-                  </a:outerShdw>
-                </a:effectLst>
-              </a14:hiddenEffects>
-            </a:ext>
-          </a:extLst>
-        </p:spPr>
-        <p:txBody>
-          <a:bodyPr vert="horz" wrap="square" lIns="91440" tIns="45720" rIns="91440" bIns="45720" numCol="1" rtlCol="0" anchor="t" anchorCtr="0" compatLnSpc="1">
-            <a:prstTxWarp prst="textNoShape">
-              <a:avLst/>
-            </a:prstTxWarp>
-          </a:bodyPr>
-          <a:lstStyle/>
-          <a:p>
-            <a:pPr marL="0" marR="0" indent="0" algn="l" defTabSz="914400" rtl="0" eaLnBrk="0" fontAlgn="base" latinLnBrk="0" hangingPunct="0">
-              <a:lnSpc>
-                <a:spcPct val="100000"/>
-              </a:lnSpc>
-              <a:spcBef>
-                <a:spcPct val="0"/>
-              </a:spcBef>
-              <a:spcAft>
-                <a:spcPct val="0"/>
-              </a:spcAft>
-              <a:buClrTx/>
-              <a:buSzTx/>
-              <a:buFontTx/>
-              <a:buNone/>
-              <a:tabLst/>
-            </a:pPr>
-            <a:endParaRPr kumimoji="0" lang="it-IT" sz="2400" b="0" i="0" u="none" strike="noStrike" cap="none" normalizeH="0" baseline="0" dirty="0">
-              <a:ln>
-                <a:noFill/>
-              </a:ln>
-              <a:solidFill>
-                <a:srgbClr val="000000"/>
-              </a:solidFill>
-              <a:effectLst/>
-              <a:latin typeface="Arial" charset="0"/>
-              <a:ea typeface="ＭＳ Ｐゴシック" charset="0"/>
-              <a:cs typeface="ＭＳ Ｐゴシック" charset="0"/>
-            </a:endParaRPr>
-          </a:p>
-        </p:txBody>
-      </p:sp>
-      <p:sp>
-        <p:nvSpPr>
-          <p:cNvPr id="10" name="Segnaposto testo 2">
-            <a:extLst>
-              <a:ext uri="{FF2B5EF4-FFF2-40B4-BE49-F238E27FC236}">
-                <a16:creationId xmlns:a16="http://schemas.microsoft.com/office/drawing/2014/main" id="{59843986-693E-48D6-88DB-1E74328D7BFF}"/>
-              </a:ext>
-            </a:extLst>
-          </p:cNvPr>
-          <p:cNvSpPr>
-            <a:spLocks noGrp="1"/>
-          </p:cNvSpPr>
-          <p:nvPr>
-            <p:ph type="body" sz="half" idx="1"/>
-          </p:nvPr>
-        </p:nvSpPr>
-        <p:spPr>
-          <a:xfrm>
-            <a:off x="1026233" y="1955976"/>
-            <a:ext cx="936104" cy="576064"/>
-          </a:xfrm>
-        </p:spPr>
-        <p:txBody>
-          <a:bodyPr/>
-          <a:lstStyle/>
-          <a:p>
-            <a:pPr marL="0" indent="0">
-              <a:buNone/>
-            </a:pPr>
-            <a:r>
-              <a:rPr lang="it-IT" sz="2000" dirty="0"/>
-              <a:t>IP</a:t>
-            </a:r>
-            <a:r>
-              <a:rPr lang="it-IT" sz="2000" baseline="-25000" dirty="0"/>
-              <a:t>i </a:t>
-            </a:r>
-            <a:r>
-              <a:rPr lang="it-IT" sz="2000" dirty="0"/>
-              <a:t>, p</a:t>
-            </a:r>
-            <a:r>
-              <a:rPr lang="it-IT" sz="2000" baseline="-25000" dirty="0"/>
-              <a:t>i</a:t>
-            </a:r>
-          </a:p>
-        </p:txBody>
-      </p:sp>
-      <p:cxnSp>
-        <p:nvCxnSpPr>
-          <p:cNvPr id="13" name="Connettore 2 12">
-            <a:extLst>
-              <a:ext uri="{FF2B5EF4-FFF2-40B4-BE49-F238E27FC236}">
-                <a16:creationId xmlns:a16="http://schemas.microsoft.com/office/drawing/2014/main" id="{FA378C04-B5C4-4E0A-8EC3-081B26DAF82F}"/>
-              </a:ext>
-            </a:extLst>
-          </p:cNvPr>
-          <p:cNvCxnSpPr>
-            <a:cxnSpLocks/>
-            <a:stCxn id="10" idx="3"/>
-            <a:endCxn id="5" idx="1"/>
-          </p:cNvCxnSpPr>
-          <p:nvPr/>
-        </p:nvCxnSpPr>
-        <p:spPr bwMode="auto">
-          <a:xfrm>
-            <a:off x="1962337" y="2244008"/>
-            <a:ext cx="5029918" cy="477267"/>
-          </a:xfrm>
-          <a:prstGeom prst="straightConnector1">
-            <a:avLst/>
-          </a:prstGeom>
-          <a:ln>
-            <a:tailEnd type="triangle"/>
-          </a:ln>
-          <a:extLst>
-            <a:ext uri="{909E8E84-426E-40dd-AFC4-6F175D3DCCD1}">
-              <a14:hiddenFill xmlns:a14="http://schemas.microsoft.com/office/drawing/2010/main" xmlns="">
-                <a:solidFill>
-                  <a:schemeClr val="accent1"/>
-                </a:solidFill>
-              </a14:hiddenFill>
-            </a:ext>
-            <a:ext uri="{91240B29-F687-4f45-9708-019B960494DF}">
-              <a14:hiddenLine xmlns:a14="http://schemas.microsoft.com/office/drawing/2010/main" xmlns="" w="9525" cap="flat" cmpd="sng" algn="ctr">
-                <a:solidFill>
-                  <a:schemeClr val="tx1"/>
-                </a:solidFill>
-                <a:prstDash val="solid"/>
-                <a:round/>
-                <a:headEnd type="none" w="med" len="med"/>
-                <a:tailEnd type="none" w="med" len="med"/>
-              </a14:hiddenLine>
-            </a:ext>
-            <a:ext uri="{AF507438-7753-43e0-B8FC-AC1667EBCBE1}">
-              <a14:hiddenEffects xmlns:a14="http://schemas.microsoft.com/office/drawing/2010/main" xmlns="">
-                <a:effectLst>
-                  <a:outerShdw blurRad="63500" dist="38099" dir="2700000" algn="ctr" rotWithShape="0">
-                    <a:srgbClr val="000000">
-                      <a:alpha val="74998"/>
-                    </a:srgbClr>
-                  </a:outerShdw>
-                </a:effectLst>
-              </a14:hiddenEffects>
-            </a:ext>
-          </a:extLst>
-        </p:spPr>
-        <p:style>
-          <a:lnRef idx="1">
-            <a:schemeClr val="dk1"/>
-          </a:lnRef>
-          <a:fillRef idx="0">
-            <a:schemeClr val="dk1"/>
-          </a:fillRef>
-          <a:effectRef idx="0">
-            <a:schemeClr val="dk1"/>
-          </a:effectRef>
-          <a:fontRef idx="minor">
-            <a:schemeClr val="tx1"/>
-          </a:fontRef>
-        </p:style>
-      </p:cxnSp>
-      <p:cxnSp>
-        <p:nvCxnSpPr>
-          <p:cNvPr id="15" name="Connettore 2 14">
-            <a:extLst>
-              <a:ext uri="{FF2B5EF4-FFF2-40B4-BE49-F238E27FC236}">
-                <a16:creationId xmlns:a16="http://schemas.microsoft.com/office/drawing/2014/main" id="{1C22F128-FEB6-46D4-AFEF-FF9EE3622DB1}"/>
-              </a:ext>
-            </a:extLst>
-          </p:cNvPr>
-          <p:cNvCxnSpPr>
-            <a:cxnSpLocks/>
-            <a:endCxn id="5" idx="2"/>
-          </p:cNvCxnSpPr>
-          <p:nvPr/>
-        </p:nvCxnSpPr>
-        <p:spPr bwMode="auto">
-          <a:xfrm flipV="1">
-            <a:off x="1901697" y="2924944"/>
-            <a:ext cx="4974559" cy="103966"/>
-          </a:xfrm>
-          <a:prstGeom prst="straightConnector1">
-            <a:avLst/>
-          </a:prstGeom>
-          <a:ln>
-            <a:tailEnd type="triangle"/>
-          </a:ln>
-          <a:extLst>
-            <a:ext uri="{909E8E84-426E-40dd-AFC4-6F175D3DCCD1}">
-              <a14:hiddenFill xmlns="" xmlns:a14="http://schemas.microsoft.com/office/drawing/2010/main">
-                <a:solidFill>
-                  <a:schemeClr val="accent1"/>
-                </a:solidFill>
-              </a14:hiddenFill>
-            </a:ext>
-            <a:ext uri="{91240B29-F687-4f45-9708-019B960494DF}">
-              <a14:hiddenLine xmlns="" xmlns:a14="http://schemas.microsoft.com/office/drawing/2010/main" w="9525" cap="flat" cmpd="sng" algn="ctr">
-                <a:solidFill>
-                  <a:schemeClr val="tx1"/>
-                </a:solidFill>
-                <a:prstDash val="solid"/>
-                <a:round/>
-                <a:headEnd type="none" w="med" len="med"/>
-                <a:tailEnd type="none" w="med" len="med"/>
-              </a14:hiddenLine>
-            </a:ext>
-            <a:ext uri="{AF507438-7753-43e0-B8FC-AC1667EBCBE1}">
-              <a14:hiddenEffects xmlns="" xmlns:a14="http://schemas.microsoft.com/office/drawing/2010/main">
-                <a:effectLst>
-                  <a:outerShdw blurRad="63500" dist="38099" dir="2700000" algn="ctr" rotWithShape="0">
-                    <a:srgbClr val="000000">
-                      <a:alpha val="74998"/>
-                    </a:srgbClr>
-                  </a:outerShdw>
-                </a:effectLst>
-              </a14:hiddenEffects>
-            </a:ext>
-          </a:extLst>
-        </p:spPr>
-        <p:style>
-          <a:lnRef idx="1">
-            <a:schemeClr val="dk1"/>
-          </a:lnRef>
-          <a:fillRef idx="0">
-            <a:schemeClr val="dk1"/>
-          </a:fillRef>
-          <a:effectRef idx="0">
-            <a:schemeClr val="dk1"/>
-          </a:effectRef>
-          <a:fontRef idx="minor">
-            <a:schemeClr val="tx1"/>
-          </a:fontRef>
-        </p:style>
-      </p:cxnSp>
-      <p:cxnSp>
-        <p:nvCxnSpPr>
-          <p:cNvPr id="17" name="Connettore 2 16">
-            <a:extLst>
-              <a:ext uri="{FF2B5EF4-FFF2-40B4-BE49-F238E27FC236}">
-                <a16:creationId xmlns:a16="http://schemas.microsoft.com/office/drawing/2014/main" id="{706A8A4F-1AF9-4209-AA36-6B9FE38365B6}"/>
-              </a:ext>
-            </a:extLst>
-          </p:cNvPr>
-          <p:cNvCxnSpPr/>
-          <p:nvPr/>
-        </p:nvCxnSpPr>
-        <p:spPr bwMode="auto">
-          <a:xfrm>
-            <a:off x="1939417" y="4112150"/>
-            <a:ext cx="0" cy="0"/>
-          </a:xfrm>
-          <a:prstGeom prst="straightConnector1">
-            <a:avLst/>
-          </a:prstGeom>
-          <a:noFill/>
-          <a:ln>
-            <a:noFill/>
-            <a:tailEnd type="triangle"/>
-          </a:ln>
-          <a:effectLst/>
-          <a:extLst>
-            <a:ext uri="{909E8E84-426E-40dd-AFC4-6F175D3DCCD1}">
-              <a14:hiddenFill xmlns:a14="http://schemas.microsoft.com/office/drawing/2010/main" xmlns="">
-                <a:solidFill>
-                  <a:schemeClr val="accent1"/>
-                </a:solidFill>
-              </a14:hiddenFill>
-            </a:ext>
-            <a:ext uri="{91240B29-F687-4f45-9708-019B960494DF}">
-              <a14:hiddenLine xmlns:a14="http://schemas.microsoft.com/office/drawing/2010/main" xmlns="" w="9525" cap="flat" cmpd="sng" algn="ctr">
-                <a:solidFill>
-                  <a:schemeClr val="tx1"/>
-                </a:solidFill>
-                <a:prstDash val="solid"/>
-                <a:round/>
-                <a:headEnd type="none" w="med" len="med"/>
-                <a:tailEnd type="none" w="med" len="med"/>
-              </a14:hiddenLine>
-            </a:ext>
-            <a:ext uri="{AF507438-7753-43e0-B8FC-AC1667EBCBE1}">
-              <a14:hiddenEffects xmlns:a14="http://schemas.microsoft.com/office/drawing/2010/main" xmlns="">
-                <a:effectLst>
-                  <a:outerShdw blurRad="63500" dist="38099" dir="2700000" algn="ctr" rotWithShape="0">
-                    <a:srgbClr val="000000">
-                      <a:alpha val="74998"/>
-                    </a:srgbClr>
-                  </a:outerShdw>
-                </a:effectLst>
-              </a14:hiddenEffects>
-            </a:ext>
-          </a:extLst>
-        </p:spPr>
-      </p:cxnSp>
-      <p:cxnSp>
-        <p:nvCxnSpPr>
-          <p:cNvPr id="19" name="Connettore 2 18">
-            <a:extLst>
-              <a:ext uri="{FF2B5EF4-FFF2-40B4-BE49-F238E27FC236}">
-                <a16:creationId xmlns:a16="http://schemas.microsoft.com/office/drawing/2014/main" id="{AFD3836F-3645-45EE-8E7C-119D75925F4B}"/>
-              </a:ext>
-            </a:extLst>
-          </p:cNvPr>
-          <p:cNvCxnSpPr>
-            <a:cxnSpLocks/>
-            <a:endCxn id="5" idx="3"/>
-          </p:cNvCxnSpPr>
-          <p:nvPr/>
-        </p:nvCxnSpPr>
-        <p:spPr bwMode="auto">
-          <a:xfrm flipV="1">
-            <a:off x="1939417" y="3128613"/>
-            <a:ext cx="5052838" cy="983538"/>
-          </a:xfrm>
-          <a:prstGeom prst="straightConnector1">
-            <a:avLst/>
-          </a:prstGeom>
-          <a:ln>
-            <a:tailEnd type="triangle"/>
-          </a:ln>
-          <a:extLst>
-            <a:ext uri="{909E8E84-426E-40dd-AFC4-6F175D3DCCD1}">
-              <a14:hiddenFill xmlns="" xmlns:a14="http://schemas.microsoft.com/office/drawing/2010/main">
-                <a:solidFill>
-                  <a:schemeClr val="accent1"/>
-                </a:solidFill>
-              </a14:hiddenFill>
-            </a:ext>
-            <a:ext uri="{91240B29-F687-4f45-9708-019B960494DF}">
-              <a14:hiddenLine xmlns="" xmlns:a14="http://schemas.microsoft.com/office/drawing/2010/main" w="9525" cap="flat" cmpd="sng" algn="ctr">
-                <a:solidFill>
-                  <a:schemeClr val="tx1"/>
-                </a:solidFill>
-                <a:prstDash val="solid"/>
-                <a:round/>
-                <a:headEnd type="none" w="med" len="med"/>
-                <a:tailEnd type="none" w="med" len="med"/>
-              </a14:hiddenLine>
-            </a:ext>
-            <a:ext uri="{AF507438-7753-43e0-B8FC-AC1667EBCBE1}">
-              <a14:hiddenEffects xmlns="" xmlns:a14="http://schemas.microsoft.com/office/drawing/2010/main">
-                <a:effectLst>
-                  <a:outerShdw blurRad="63500" dist="38099" dir="2700000" algn="ctr" rotWithShape="0">
-                    <a:srgbClr val="000000">
-                      <a:alpha val="74998"/>
-                    </a:srgbClr>
-                  </a:outerShdw>
-                </a:effectLst>
-              </a14:hiddenEffects>
-            </a:ext>
-          </a:extLst>
-        </p:spPr>
         <p:style>
           <a:lnRef idx="1">
             <a:schemeClr val="dk1"/>
@@ -17587,14 +17599,14 @@
           </a:ln>
           <a:extLst>
             <a:ext uri="{909E8E84-426E-40dd-AFC4-6F175D3DCCD1}">
-              <a14:hiddenFill xmlns:a14="http://schemas.microsoft.com/office/drawing/2010/main" xmlns="">
+              <a14:hiddenFill xmlns="" xmlns:a14="http://schemas.microsoft.com/office/drawing/2010/main">
                 <a:solidFill>
                   <a:schemeClr val="accent1"/>
                 </a:solidFill>
               </a14:hiddenFill>
             </a:ext>
             <a:ext uri="{91240B29-F687-4f45-9708-019B960494DF}">
-              <a14:hiddenLine xmlns:a14="http://schemas.microsoft.com/office/drawing/2010/main" xmlns="" w="9525" cap="flat" cmpd="sng" algn="ctr">
+              <a14:hiddenLine xmlns="" xmlns:a14="http://schemas.microsoft.com/office/drawing/2010/main" w="9525" cap="flat" cmpd="sng" algn="ctr">
                 <a:solidFill>
                   <a:schemeClr val="tx1"/>
                 </a:solidFill>
@@ -17605,7 +17617,7 @@
               </a14:hiddenLine>
             </a:ext>
             <a:ext uri="{AF507438-7753-43e0-B8FC-AC1667EBCBE1}">
-              <a14:hiddenEffects xmlns:a14="http://schemas.microsoft.com/office/drawing/2010/main" xmlns="">
+              <a14:hiddenEffects xmlns="" xmlns:a14="http://schemas.microsoft.com/office/drawing/2010/main">
                 <a:effectLst>
                   <a:outerShdw blurRad="63500" dist="38099" dir="2700000" algn="ctr" rotWithShape="0">
                     <a:srgbClr val="000000">
@@ -25165,14 +25177,14 @@
         <a:effectLst/>
         <a:extLst>
           <a:ext uri="{909E8E84-426E-40dd-AFC4-6F175D3DCCD1}">
-            <a14:hiddenFill xmlns="" xmlns:a14="http://schemas.microsoft.com/office/drawing/2010/main">
+            <a14:hiddenFill xmlns:a14="http://schemas.microsoft.com/office/drawing/2010/main" xmlns="">
               <a:solidFill>
                 <a:schemeClr val="accent1"/>
               </a:solidFill>
             </a14:hiddenFill>
           </a:ext>
           <a:ext uri="{91240B29-F687-4f45-9708-019B960494DF}">
-            <a14:hiddenLine xmlns="" xmlns:a14="http://schemas.microsoft.com/office/drawing/2010/main" w="9525" cap="flat" cmpd="sng" algn="ctr">
+            <a14:hiddenLine xmlns:a14="http://schemas.microsoft.com/office/drawing/2010/main" xmlns="" w="9525" cap="flat" cmpd="sng" algn="ctr">
               <a:solidFill>
                 <a:schemeClr val="tx1"/>
               </a:solidFill>
@@ -25183,7 +25195,7 @@
             </a14:hiddenLine>
           </a:ext>
           <a:ext uri="{AF507438-7753-43e0-B8FC-AC1667EBCBE1}">
-            <a14:hiddenEffects xmlns="" xmlns:a14="http://schemas.microsoft.com/office/drawing/2010/main">
+            <a14:hiddenEffects xmlns:a14="http://schemas.microsoft.com/office/drawing/2010/main" xmlns="">
               <a:effectLst>
                 <a:outerShdw blurRad="63500" dist="38099" dir="2700000" algn="ctr" rotWithShape="0">
                   <a:srgbClr val="000000">
@@ -25252,14 +25264,14 @@
         <a:effectLst/>
         <a:extLst>
           <a:ext uri="{909E8E84-426E-40dd-AFC4-6F175D3DCCD1}">
-            <a14:hiddenFill xmlns="" xmlns:a14="http://schemas.microsoft.com/office/drawing/2010/main">
+            <a14:hiddenFill xmlns:a14="http://schemas.microsoft.com/office/drawing/2010/main" xmlns="">
               <a:solidFill>
                 <a:schemeClr val="accent1"/>
               </a:solidFill>
             </a14:hiddenFill>
           </a:ext>
           <a:ext uri="{91240B29-F687-4f45-9708-019B960494DF}">
-            <a14:hiddenLine xmlns="" xmlns:a14="http://schemas.microsoft.com/office/drawing/2010/main" w="9525" cap="flat" cmpd="sng" algn="ctr">
+            <a14:hiddenLine xmlns:a14="http://schemas.microsoft.com/office/drawing/2010/main" xmlns="" w="9525" cap="flat" cmpd="sng" algn="ctr">
               <a:solidFill>
                 <a:schemeClr val="tx1"/>
               </a:solidFill>
@@ -25270,7 +25282,7 @@
             </a14:hiddenLine>
           </a:ext>
           <a:ext uri="{AF507438-7753-43e0-B8FC-AC1667EBCBE1}">
-            <a14:hiddenEffects xmlns="" xmlns:a14="http://schemas.microsoft.com/office/drawing/2010/main">
+            <a14:hiddenEffects xmlns:a14="http://schemas.microsoft.com/office/drawing/2010/main" xmlns="">
               <a:effectLst>
                 <a:outerShdw blurRad="63500" dist="38099" dir="2700000" algn="ctr" rotWithShape="0">
                   <a:srgbClr val="000000">

--- a/Lectures Complete/Lectures Complete.pptx
+++ b/Lectures Complete/Lectures Complete.pptx
@@ -12426,8 +12426,19 @@
                 </a:solidFill>
                 <a:latin typeface="+mn-lt"/>
               </a:rPr>
-              <a:t>Lecture Folder: Lecture 2</a:t>
-            </a:r>
+              <a:t>Lecture Folder: Lecture 2/Sequential/readPCAP.py</a:t>
+            </a:r>
+          </a:p>
+          <a:p>
+            <a:pPr marL="0" indent="0">
+              <a:buNone/>
+            </a:pPr>
+            <a:endParaRPr lang="en-GB" altLang="it-IT" sz="2200" dirty="0">
+              <a:solidFill>
+                <a:srgbClr val="404040"/>
+              </a:solidFill>
+              <a:latin typeface="+mn-lt"/>
+            </a:endParaRPr>
           </a:p>
         </p:txBody>
       </p:sp>
@@ -12593,7 +12604,7 @@
                 </a:solidFill>
                 <a:latin typeface="+mn-lt"/>
               </a:rPr>
-              <a:t>Lecture Folder: Lecture 2</a:t>
+              <a:t>Lecture Folder: Lecture 2/Sequential/readpcap_wireshark.py</a:t>
             </a:r>
           </a:p>
           <a:p>

--- a/Lectures Complete/Lectures Complete.pptx
+++ b/Lectures Complete/Lectures Complete.pptx
@@ -306,14 +306,14 @@
           </a:ln>
           <a:extLst>
             <a:ext uri="{909E8E84-426E-40dd-AFC4-6F175D3DCCD1}">
-              <a14:hiddenFill xmlns:a14="http://schemas.microsoft.com/office/drawing/2010/main" xmlns="">
+              <a14:hiddenFill xmlns="" xmlns:a14="http://schemas.microsoft.com/office/drawing/2010/main">
                 <a:solidFill>
                   <a:schemeClr val="accent1"/>
                 </a:solidFill>
               </a14:hiddenFill>
             </a:ext>
             <a:ext uri="{91240B29-F687-4f45-9708-019B960494DF}">
-              <a14:hiddenLine xmlns:a14="http://schemas.microsoft.com/office/drawing/2010/main" xmlns="" w="9525">
+              <a14:hiddenLine xmlns="" xmlns:a14="http://schemas.microsoft.com/office/drawing/2010/main" w="9525">
                 <a:solidFill>
                   <a:schemeClr val="tx1"/>
                 </a:solidFill>
@@ -323,7 +323,7 @@
               </a14:hiddenLine>
             </a:ext>
             <a:ext uri="{FAA26D3D-D897-4be2-8F04-BA451C77F1D7}">
-              <ma14:placeholderFlag xmlns:ma14="http://schemas.microsoft.com/office/mac/drawingml/2011/main" xmlns="" val="1"/>
+              <ma14:placeholderFlag xmlns="" xmlns:ma14="http://schemas.microsoft.com/office/mac/drawingml/2011/main" val="1"/>
             </a:ext>
           </a:extLst>
         </p:spPr>
@@ -383,14 +383,14 @@
           </a:ln>
           <a:extLst>
             <a:ext uri="{909E8E84-426E-40dd-AFC4-6F175D3DCCD1}">
-              <a14:hiddenFill xmlns:a14="http://schemas.microsoft.com/office/drawing/2010/main" xmlns="">
+              <a14:hiddenFill xmlns="" xmlns:a14="http://schemas.microsoft.com/office/drawing/2010/main">
                 <a:solidFill>
                   <a:schemeClr val="accent1"/>
                 </a:solidFill>
               </a14:hiddenFill>
             </a:ext>
             <a:ext uri="{91240B29-F687-4f45-9708-019B960494DF}">
-              <a14:hiddenLine xmlns:a14="http://schemas.microsoft.com/office/drawing/2010/main" xmlns="" w="9525">
+              <a14:hiddenLine xmlns="" xmlns:a14="http://schemas.microsoft.com/office/drawing/2010/main" w="9525">
                 <a:solidFill>
                   <a:schemeClr val="tx1"/>
                 </a:solidFill>
@@ -400,7 +400,7 @@
               </a14:hiddenLine>
             </a:ext>
             <a:ext uri="{FAA26D3D-D897-4be2-8F04-BA451C77F1D7}">
-              <ma14:placeholderFlag xmlns:ma14="http://schemas.microsoft.com/office/mac/drawingml/2011/main" xmlns="" val="1"/>
+              <ma14:placeholderFlag xmlns="" xmlns:ma14="http://schemas.microsoft.com/office/mac/drawingml/2011/main" val="1"/>
             </a:ext>
           </a:extLst>
         </p:spPr>
@@ -460,14 +460,14 @@
           </a:ln>
           <a:extLst>
             <a:ext uri="{909E8E84-426E-40dd-AFC4-6F175D3DCCD1}">
-              <a14:hiddenFill xmlns:a14="http://schemas.microsoft.com/office/drawing/2010/main" xmlns="">
+              <a14:hiddenFill xmlns="" xmlns:a14="http://schemas.microsoft.com/office/drawing/2010/main">
                 <a:solidFill>
                   <a:schemeClr val="accent1"/>
                 </a:solidFill>
               </a14:hiddenFill>
             </a:ext>
             <a:ext uri="{91240B29-F687-4f45-9708-019B960494DF}">
-              <a14:hiddenLine xmlns:a14="http://schemas.microsoft.com/office/drawing/2010/main" xmlns="" w="9525">
+              <a14:hiddenLine xmlns="" xmlns:a14="http://schemas.microsoft.com/office/drawing/2010/main" w="9525">
                 <a:solidFill>
                   <a:schemeClr val="tx1"/>
                 </a:solidFill>
@@ -477,7 +477,7 @@
               </a14:hiddenLine>
             </a:ext>
             <a:ext uri="{FAA26D3D-D897-4be2-8F04-BA451C77F1D7}">
-              <ma14:placeholderFlag xmlns:ma14="http://schemas.microsoft.com/office/mac/drawingml/2011/main" xmlns="" val="1"/>
+              <ma14:placeholderFlag xmlns="" xmlns:ma14="http://schemas.microsoft.com/office/mac/drawingml/2011/main" val="1"/>
             </a:ext>
           </a:extLst>
         </p:spPr>
@@ -537,14 +537,14 @@
           </a:ln>
           <a:extLst>
             <a:ext uri="{909E8E84-426E-40dd-AFC4-6F175D3DCCD1}">
-              <a14:hiddenFill xmlns:a14="http://schemas.microsoft.com/office/drawing/2010/main" xmlns="">
+              <a14:hiddenFill xmlns="" xmlns:a14="http://schemas.microsoft.com/office/drawing/2010/main">
                 <a:solidFill>
                   <a:schemeClr val="accent1"/>
                 </a:solidFill>
               </a14:hiddenFill>
             </a:ext>
             <a:ext uri="{91240B29-F687-4f45-9708-019B960494DF}">
-              <a14:hiddenLine xmlns:a14="http://schemas.microsoft.com/office/drawing/2010/main" xmlns="" w="9525">
+              <a14:hiddenLine xmlns="" xmlns:a14="http://schemas.microsoft.com/office/drawing/2010/main" w="9525">
                 <a:solidFill>
                   <a:schemeClr val="tx1"/>
                 </a:solidFill>
@@ -554,7 +554,7 @@
               </a14:hiddenLine>
             </a:ext>
             <a:ext uri="{FAA26D3D-D897-4be2-8F04-BA451C77F1D7}">
-              <ma14:placeholderFlag xmlns:ma14="http://schemas.microsoft.com/office/mac/drawingml/2011/main" xmlns="" val="1"/>
+              <ma14:placeholderFlag xmlns="" xmlns:ma14="http://schemas.microsoft.com/office/mac/drawingml/2011/main" val="1"/>
             </a:ext>
           </a:extLst>
         </p:spPr>
@@ -650,14 +650,14 @@
           </a:ln>
           <a:extLst>
             <a:ext uri="{909E8E84-426E-40dd-AFC4-6F175D3DCCD1}">
-              <a14:hiddenFill xmlns:a14="http://schemas.microsoft.com/office/drawing/2010/main" xmlns="">
+              <a14:hiddenFill xmlns="" xmlns:a14="http://schemas.microsoft.com/office/drawing/2010/main">
                 <a:solidFill>
                   <a:schemeClr val="accent1"/>
                 </a:solidFill>
               </a14:hiddenFill>
             </a:ext>
             <a:ext uri="{91240B29-F687-4f45-9708-019B960494DF}">
-              <a14:hiddenLine xmlns:a14="http://schemas.microsoft.com/office/drawing/2010/main" xmlns="" w="9525">
+              <a14:hiddenLine xmlns="" xmlns:a14="http://schemas.microsoft.com/office/drawing/2010/main" w="9525">
                 <a:solidFill>
                   <a:schemeClr val="tx1"/>
                 </a:solidFill>
@@ -667,7 +667,7 @@
               </a14:hiddenLine>
             </a:ext>
             <a:ext uri="{FAA26D3D-D897-4be2-8F04-BA451C77F1D7}">
-              <ma14:placeholderFlag xmlns:ma14="http://schemas.microsoft.com/office/mac/drawingml/2011/main" xmlns="" val="1"/>
+              <ma14:placeholderFlag xmlns="" xmlns:ma14="http://schemas.microsoft.com/office/mac/drawingml/2011/main" val="1"/>
             </a:ext>
           </a:extLst>
         </p:spPr>
@@ -727,14 +727,14 @@
           </a:ln>
           <a:extLst>
             <a:ext uri="{909E8E84-426E-40dd-AFC4-6F175D3DCCD1}">
-              <a14:hiddenFill xmlns:a14="http://schemas.microsoft.com/office/drawing/2010/main" xmlns="">
+              <a14:hiddenFill xmlns="" xmlns:a14="http://schemas.microsoft.com/office/drawing/2010/main">
                 <a:solidFill>
                   <a:schemeClr val="accent1"/>
                 </a:solidFill>
               </a14:hiddenFill>
             </a:ext>
             <a:ext uri="{91240B29-F687-4f45-9708-019B960494DF}">
-              <a14:hiddenLine xmlns:a14="http://schemas.microsoft.com/office/drawing/2010/main" xmlns="" w="9525">
+              <a14:hiddenLine xmlns="" xmlns:a14="http://schemas.microsoft.com/office/drawing/2010/main" w="9525">
                 <a:solidFill>
                   <a:schemeClr val="tx1"/>
                 </a:solidFill>
@@ -744,7 +744,7 @@
               </a14:hiddenLine>
             </a:ext>
             <a:ext uri="{FAA26D3D-D897-4be2-8F04-BA451C77F1D7}">
-              <ma14:placeholderFlag xmlns:ma14="http://schemas.microsoft.com/office/mac/drawingml/2011/main" xmlns="" val="1"/>
+              <ma14:placeholderFlag xmlns="" xmlns:ma14="http://schemas.microsoft.com/office/mac/drawingml/2011/main" val="1"/>
             </a:ext>
           </a:extLst>
         </p:spPr>
@@ -810,7 +810,7 @@
           <a:effectLst/>
           <a:extLst>
             <a:ext uri="{AF507438-7753-43e0-B8FC-AC1667EBCBE1}">
-              <a14:hiddenEffects xmlns:a14="http://schemas.microsoft.com/office/drawing/2010/main" xmlns="">
+              <a14:hiddenEffects xmlns="" xmlns:a14="http://schemas.microsoft.com/office/drawing/2010/main">
                 <a:effectLst>
                   <a:outerShdw blurRad="63500" dist="38099" dir="2700000" algn="ctr" rotWithShape="0">
                     <a:srgbClr val="000000">
@@ -821,7 +821,7 @@
               </a14:hiddenEffects>
             </a:ext>
             <a:ext uri="{53640926-AAD7-44d8-BBD7-CCE9431645EC}">
-              <a14:shadowObscured xmlns:a14="http://schemas.microsoft.com/office/drawing/2010/main" xmlns="" val="1"/>
+              <a14:shadowObscured xmlns="" xmlns:a14="http://schemas.microsoft.com/office/drawing/2010/main" val="1"/>
             </a:ext>
           </a:extLst>
         </p:spPr>
@@ -856,14 +856,14 @@
           </a:ln>
           <a:extLst>
             <a:ext uri="{909E8E84-426E-40dd-AFC4-6F175D3DCCD1}">
-              <a14:hiddenFill xmlns:a14="http://schemas.microsoft.com/office/drawing/2010/main" xmlns="">
+              <a14:hiddenFill xmlns="" xmlns:a14="http://schemas.microsoft.com/office/drawing/2010/main">
                 <a:solidFill>
                   <a:schemeClr val="accent1"/>
                 </a:solidFill>
               </a14:hiddenFill>
             </a:ext>
             <a:ext uri="{91240B29-F687-4f45-9708-019B960494DF}">
-              <a14:hiddenLine xmlns:a14="http://schemas.microsoft.com/office/drawing/2010/main" xmlns="" w="9525">
+              <a14:hiddenLine xmlns="" xmlns:a14="http://schemas.microsoft.com/office/drawing/2010/main" w="9525">
                 <a:solidFill>
                   <a:schemeClr val="tx1"/>
                 </a:solidFill>
@@ -873,7 +873,7 @@
               </a14:hiddenLine>
             </a:ext>
             <a:ext uri="{FAA26D3D-D897-4be2-8F04-BA451C77F1D7}">
-              <ma14:placeholderFlag xmlns:ma14="http://schemas.microsoft.com/office/mac/drawingml/2011/main" xmlns="" val="1"/>
+              <ma14:placeholderFlag xmlns="" xmlns:ma14="http://schemas.microsoft.com/office/mac/drawingml/2011/main" val="1"/>
             </a:ext>
           </a:extLst>
         </p:spPr>
@@ -951,14 +951,14 @@
           </a:ln>
           <a:extLst>
             <a:ext uri="{909E8E84-426E-40dd-AFC4-6F175D3DCCD1}">
-              <a14:hiddenFill xmlns:a14="http://schemas.microsoft.com/office/drawing/2010/main" xmlns="">
+              <a14:hiddenFill xmlns="" xmlns:a14="http://schemas.microsoft.com/office/drawing/2010/main">
                 <a:solidFill>
                   <a:schemeClr val="accent1"/>
                 </a:solidFill>
               </a14:hiddenFill>
             </a:ext>
             <a:ext uri="{91240B29-F687-4f45-9708-019B960494DF}">
-              <a14:hiddenLine xmlns:a14="http://schemas.microsoft.com/office/drawing/2010/main" xmlns="" w="9525">
+              <a14:hiddenLine xmlns="" xmlns:a14="http://schemas.microsoft.com/office/drawing/2010/main" w="9525">
                 <a:solidFill>
                   <a:schemeClr val="tx1"/>
                 </a:solidFill>
@@ -968,7 +968,7 @@
               </a14:hiddenLine>
             </a:ext>
             <a:ext uri="{FAA26D3D-D897-4be2-8F04-BA451C77F1D7}">
-              <ma14:placeholderFlag xmlns:ma14="http://schemas.microsoft.com/office/mac/drawingml/2011/main" xmlns="" val="1"/>
+              <ma14:placeholderFlag xmlns="" xmlns:ma14="http://schemas.microsoft.com/office/mac/drawingml/2011/main" val="1"/>
             </a:ext>
           </a:extLst>
         </p:spPr>
@@ -1028,14 +1028,14 @@
           </a:ln>
           <a:extLst>
             <a:ext uri="{909E8E84-426E-40dd-AFC4-6F175D3DCCD1}">
-              <a14:hiddenFill xmlns:a14="http://schemas.microsoft.com/office/drawing/2010/main" xmlns="">
+              <a14:hiddenFill xmlns="" xmlns:a14="http://schemas.microsoft.com/office/drawing/2010/main">
                 <a:solidFill>
                   <a:schemeClr val="accent1"/>
                 </a:solidFill>
               </a14:hiddenFill>
             </a:ext>
             <a:ext uri="{91240B29-F687-4f45-9708-019B960494DF}">
-              <a14:hiddenLine xmlns:a14="http://schemas.microsoft.com/office/drawing/2010/main" xmlns="" w="9525">
+              <a14:hiddenLine xmlns="" xmlns:a14="http://schemas.microsoft.com/office/drawing/2010/main" w="9525">
                 <a:solidFill>
                   <a:schemeClr val="tx1"/>
                 </a:solidFill>
@@ -1045,7 +1045,7 @@
               </a14:hiddenLine>
             </a:ext>
             <a:ext uri="{FAA26D3D-D897-4be2-8F04-BA451C77F1D7}">
-              <ma14:placeholderFlag xmlns:ma14="http://schemas.microsoft.com/office/mac/drawingml/2011/main" xmlns="" val="1"/>
+              <ma14:placeholderFlag xmlns="" xmlns:ma14="http://schemas.microsoft.com/office/mac/drawingml/2011/main" val="1"/>
             </a:ext>
           </a:extLst>
         </p:spPr>
@@ -1407,7 +1407,7 @@
           <a:ln/>
           <a:extLst>
             <a:ext uri="{FAA26D3D-D897-4be2-8F04-BA451C77F1D7}">
-              <ma14:placeholderFlag xmlns:ma14="http://schemas.microsoft.com/office/mac/drawingml/2011/main" xmlns="" val="1"/>
+              <ma14:placeholderFlag xmlns="" xmlns:ma14="http://schemas.microsoft.com/office/mac/drawingml/2011/main" val="1"/>
             </a:ext>
           </a:extLst>
         </p:spPr>
@@ -4602,7 +4602,7 @@
           <a:effectLst/>
           <a:extLst>
             <a:ext uri="{AF507438-7753-43e0-B8FC-AC1667EBCBE1}">
-              <a14:hiddenEffects xmlns:a14="http://schemas.microsoft.com/office/drawing/2010/main" xmlns="">
+              <a14:hiddenEffects xmlns="" xmlns:a14="http://schemas.microsoft.com/office/drawing/2010/main">
                 <a:effectLst>
                   <a:outerShdw blurRad="63500" dist="38099" dir="2700000" algn="ctr" rotWithShape="0">
                     <a:srgbClr val="000000">
@@ -5743,14 +5743,14 @@
           </a:ln>
           <a:extLst>
             <a:ext uri="{909E8E84-426E-40dd-AFC4-6F175D3DCCD1}">
-              <a14:hiddenFill xmlns="" xmlns:a14="http://schemas.microsoft.com/office/drawing/2010/main">
+              <a14:hiddenFill xmlns:a14="http://schemas.microsoft.com/office/drawing/2010/main" xmlns="">
                 <a:solidFill>
                   <a:schemeClr val="accent1"/>
                 </a:solidFill>
               </a14:hiddenFill>
             </a:ext>
             <a:ext uri="{91240B29-F687-4f45-9708-019B960494DF}">
-              <a14:hiddenLine xmlns="" xmlns:a14="http://schemas.microsoft.com/office/drawing/2010/main" w="9525" cap="flat" cmpd="sng" algn="ctr">
+              <a14:hiddenLine xmlns:a14="http://schemas.microsoft.com/office/drawing/2010/main" xmlns="" w="9525" cap="flat" cmpd="sng" algn="ctr">
                 <a:solidFill>
                   <a:schemeClr val="tx1"/>
                 </a:solidFill>
@@ -5761,7 +5761,7 @@
               </a14:hiddenLine>
             </a:ext>
             <a:ext uri="{AF507438-7753-43e0-B8FC-AC1667EBCBE1}">
-              <a14:hiddenEffects xmlns="" xmlns:a14="http://schemas.microsoft.com/office/drawing/2010/main">
+              <a14:hiddenEffects xmlns:a14="http://schemas.microsoft.com/office/drawing/2010/main" xmlns="">
                 <a:effectLst>
                   <a:outerShdw blurRad="63500" dist="38099" dir="2700000" algn="ctr" rotWithShape="0">
                     <a:srgbClr val="000000">
@@ -6028,14 +6028,14 @@
           </a:ln>
           <a:extLst>
             <a:ext uri="{909E8E84-426E-40dd-AFC4-6F175D3DCCD1}">
-              <a14:hiddenFill xmlns="" xmlns:a14="http://schemas.microsoft.com/office/drawing/2010/main">
+              <a14:hiddenFill xmlns:a14="http://schemas.microsoft.com/office/drawing/2010/main" xmlns="">
                 <a:solidFill>
                   <a:schemeClr val="accent1"/>
                 </a:solidFill>
               </a14:hiddenFill>
             </a:ext>
             <a:ext uri="{91240B29-F687-4f45-9708-019B960494DF}">
-              <a14:hiddenLine xmlns="" xmlns:a14="http://schemas.microsoft.com/office/drawing/2010/main" w="9525" cap="flat" cmpd="sng" algn="ctr">
+              <a14:hiddenLine xmlns:a14="http://schemas.microsoft.com/office/drawing/2010/main" xmlns="" w="9525" cap="flat" cmpd="sng" algn="ctr">
                 <a:solidFill>
                   <a:schemeClr val="tx1"/>
                 </a:solidFill>
@@ -6046,7 +6046,7 @@
               </a14:hiddenLine>
             </a:ext>
             <a:ext uri="{AF507438-7753-43e0-B8FC-AC1667EBCBE1}">
-              <a14:hiddenEffects xmlns="" xmlns:a14="http://schemas.microsoft.com/office/drawing/2010/main">
+              <a14:hiddenEffects xmlns:a14="http://schemas.microsoft.com/office/drawing/2010/main" xmlns="">
                 <a:effectLst>
                   <a:outerShdw blurRad="63500" dist="38099" dir="2700000" algn="ctr" rotWithShape="0">
                     <a:srgbClr val="000000">
@@ -6313,14 +6313,14 @@
           </a:ln>
           <a:extLst>
             <a:ext uri="{909E8E84-426E-40dd-AFC4-6F175D3DCCD1}">
-              <a14:hiddenFill xmlns="" xmlns:a14="http://schemas.microsoft.com/office/drawing/2010/main">
+              <a14:hiddenFill xmlns:a14="http://schemas.microsoft.com/office/drawing/2010/main" xmlns="">
                 <a:solidFill>
                   <a:schemeClr val="accent1"/>
                 </a:solidFill>
               </a14:hiddenFill>
             </a:ext>
             <a:ext uri="{91240B29-F687-4f45-9708-019B960494DF}">
-              <a14:hiddenLine xmlns="" xmlns:a14="http://schemas.microsoft.com/office/drawing/2010/main" w="9525" cap="flat" cmpd="sng" algn="ctr">
+              <a14:hiddenLine xmlns:a14="http://schemas.microsoft.com/office/drawing/2010/main" xmlns="" w="9525" cap="flat" cmpd="sng" algn="ctr">
                 <a:solidFill>
                   <a:schemeClr val="tx1"/>
                 </a:solidFill>
@@ -6331,7 +6331,7 @@
               </a14:hiddenLine>
             </a:ext>
             <a:ext uri="{AF507438-7753-43e0-B8FC-AC1667EBCBE1}">
-              <a14:hiddenEffects xmlns="" xmlns:a14="http://schemas.microsoft.com/office/drawing/2010/main">
+              <a14:hiddenEffects xmlns:a14="http://schemas.microsoft.com/office/drawing/2010/main" xmlns="">
                 <a:effectLst>
                   <a:outerShdw blurRad="63500" dist="38099" dir="2700000" algn="ctr" rotWithShape="0">
                     <a:srgbClr val="000000">
@@ -7843,14 +7843,14 @@
           </a:ln>
           <a:extLst>
             <a:ext uri="{909E8E84-426E-40dd-AFC4-6F175D3DCCD1}">
-              <a14:hiddenFill xmlns="" xmlns:a14="http://schemas.microsoft.com/office/drawing/2010/main">
+              <a14:hiddenFill xmlns:a14="http://schemas.microsoft.com/office/drawing/2010/main" xmlns="">
                 <a:solidFill>
                   <a:schemeClr val="accent1"/>
                 </a:solidFill>
               </a14:hiddenFill>
             </a:ext>
             <a:ext uri="{91240B29-F687-4f45-9708-019B960494DF}">
-              <a14:hiddenLine xmlns="" xmlns:a14="http://schemas.microsoft.com/office/drawing/2010/main" w="9525" cap="flat" cmpd="sng" algn="ctr">
+              <a14:hiddenLine xmlns:a14="http://schemas.microsoft.com/office/drawing/2010/main" xmlns="" w="9525" cap="flat" cmpd="sng" algn="ctr">
                 <a:solidFill>
                   <a:schemeClr val="tx1"/>
                 </a:solidFill>
@@ -7861,7 +7861,7 @@
               </a14:hiddenLine>
             </a:ext>
             <a:ext uri="{AF507438-7753-43e0-B8FC-AC1667EBCBE1}">
-              <a14:hiddenEffects xmlns="" xmlns:a14="http://schemas.microsoft.com/office/drawing/2010/main">
+              <a14:hiddenEffects xmlns:a14="http://schemas.microsoft.com/office/drawing/2010/main" xmlns="">
                 <a:effectLst>
                   <a:outerShdw blurRad="63500" dist="38099" dir="2700000" algn="ctr" rotWithShape="0">
                     <a:srgbClr val="000000">
@@ -9300,14 +9300,14 @@
           </a:ln>
           <a:extLst>
             <a:ext uri="{909E8E84-426E-40dd-AFC4-6F175D3DCCD1}">
-              <a14:hiddenFill xmlns="" xmlns:a14="http://schemas.microsoft.com/office/drawing/2010/main">
+              <a14:hiddenFill xmlns:a14="http://schemas.microsoft.com/office/drawing/2010/main" xmlns="">
                 <a:solidFill>
                   <a:schemeClr val="accent1"/>
                 </a:solidFill>
               </a14:hiddenFill>
             </a:ext>
             <a:ext uri="{91240B29-F687-4f45-9708-019B960494DF}">
-              <a14:hiddenLine xmlns="" xmlns:a14="http://schemas.microsoft.com/office/drawing/2010/main" w="9525" cap="flat" cmpd="sng" algn="ctr">
+              <a14:hiddenLine xmlns:a14="http://schemas.microsoft.com/office/drawing/2010/main" xmlns="" w="9525" cap="flat" cmpd="sng" algn="ctr">
                 <a:solidFill>
                   <a:schemeClr val="tx1"/>
                 </a:solidFill>
@@ -9318,7 +9318,7 @@
               </a14:hiddenLine>
             </a:ext>
             <a:ext uri="{AF507438-7753-43e0-B8FC-AC1667EBCBE1}">
-              <a14:hiddenEffects xmlns="" xmlns:a14="http://schemas.microsoft.com/office/drawing/2010/main">
+              <a14:hiddenEffects xmlns:a14="http://schemas.microsoft.com/office/drawing/2010/main" xmlns="">
                 <a:effectLst>
                   <a:outerShdw blurRad="63500" dist="38099" dir="2700000" algn="ctr" rotWithShape="0">
                     <a:srgbClr val="000000">
@@ -11093,14 +11093,14 @@
           <a:effectLst/>
           <a:extLst>
             <a:ext uri="{909E8E84-426E-40dd-AFC4-6F175D3DCCD1}">
-              <a14:hiddenFill xmlns="" xmlns:a14="http://schemas.microsoft.com/office/drawing/2010/main">
+              <a14:hiddenFill xmlns:a14="http://schemas.microsoft.com/office/drawing/2010/main" xmlns="">
                 <a:solidFill>
                   <a:schemeClr val="accent1"/>
                 </a:solidFill>
               </a14:hiddenFill>
             </a:ext>
             <a:ext uri="{91240B29-F687-4f45-9708-019B960494DF}">
-              <a14:hiddenLine xmlns="" xmlns:a14="http://schemas.microsoft.com/office/drawing/2010/main" w="9525" cap="flat" cmpd="sng" algn="ctr">
+              <a14:hiddenLine xmlns:a14="http://schemas.microsoft.com/office/drawing/2010/main" xmlns="" w="9525" cap="flat" cmpd="sng" algn="ctr">
                 <a:solidFill>
                   <a:schemeClr val="tx1"/>
                 </a:solidFill>
@@ -11111,7 +11111,7 @@
               </a14:hiddenLine>
             </a:ext>
             <a:ext uri="{AF507438-7753-43e0-B8FC-AC1667EBCBE1}">
-              <a14:hiddenEffects xmlns="" xmlns:a14="http://schemas.microsoft.com/office/drawing/2010/main">
+              <a14:hiddenEffects xmlns:a14="http://schemas.microsoft.com/office/drawing/2010/main" xmlns="">
                 <a:effectLst>
                   <a:outerShdw blurRad="63500" dist="38099" dir="2700000" algn="ctr" rotWithShape="0">
                     <a:srgbClr val="000000">
@@ -14286,14 +14286,14 @@
           <a:effectLst/>
           <a:extLst>
             <a:ext uri="{909E8E84-426E-40dd-AFC4-6F175D3DCCD1}">
-              <a14:hiddenFill xmlns="" xmlns:a14="http://schemas.microsoft.com/office/drawing/2010/main">
+              <a14:hiddenFill xmlns:a14="http://schemas.microsoft.com/office/drawing/2010/main" xmlns="">
                 <a:solidFill>
                   <a:schemeClr val="accent1"/>
                 </a:solidFill>
               </a14:hiddenFill>
             </a:ext>
             <a:ext uri="{91240B29-F687-4f45-9708-019B960494DF}">
-              <a14:hiddenLine xmlns="" xmlns:a14="http://schemas.microsoft.com/office/drawing/2010/main" w="9525" cap="flat" cmpd="sng" algn="ctr">
+              <a14:hiddenLine xmlns:a14="http://schemas.microsoft.com/office/drawing/2010/main" xmlns="" w="9525" cap="flat" cmpd="sng" algn="ctr">
                 <a:solidFill>
                   <a:schemeClr val="tx1"/>
                 </a:solidFill>
@@ -14304,7 +14304,7 @@
               </a14:hiddenLine>
             </a:ext>
             <a:ext uri="{AF507438-7753-43e0-B8FC-AC1667EBCBE1}">
-              <a14:hiddenEffects xmlns="" xmlns:a14="http://schemas.microsoft.com/office/drawing/2010/main">
+              <a14:hiddenEffects xmlns:a14="http://schemas.microsoft.com/office/drawing/2010/main" xmlns="">
                 <a:effectLst>
                   <a:outerShdw blurRad="63500" dist="38099" dir="2700000" algn="ctr" rotWithShape="0">
                     <a:srgbClr val="000000">
@@ -14598,14 +14598,14 @@
           <a:effectLst/>
           <a:extLst>
             <a:ext uri="{909E8E84-426E-40dd-AFC4-6F175D3DCCD1}">
-              <a14:hiddenFill xmlns="" xmlns:a14="http://schemas.microsoft.com/office/drawing/2010/main">
+              <a14:hiddenFill xmlns:a14="http://schemas.microsoft.com/office/drawing/2010/main" xmlns="">
                 <a:solidFill>
                   <a:schemeClr val="accent1"/>
                 </a:solidFill>
               </a14:hiddenFill>
             </a:ext>
             <a:ext uri="{91240B29-F687-4f45-9708-019B960494DF}">
-              <a14:hiddenLine xmlns="" xmlns:a14="http://schemas.microsoft.com/office/drawing/2010/main" w="9525" cap="flat" cmpd="sng" algn="ctr">
+              <a14:hiddenLine xmlns:a14="http://schemas.microsoft.com/office/drawing/2010/main" xmlns="" w="9525" cap="flat" cmpd="sng" algn="ctr">
                 <a:solidFill>
                   <a:schemeClr val="tx1"/>
                 </a:solidFill>
@@ -14616,7 +14616,7 @@
               </a14:hiddenLine>
             </a:ext>
             <a:ext uri="{AF507438-7753-43e0-B8FC-AC1667EBCBE1}">
-              <a14:hiddenEffects xmlns="" xmlns:a14="http://schemas.microsoft.com/office/drawing/2010/main">
+              <a14:hiddenEffects xmlns:a14="http://schemas.microsoft.com/office/drawing/2010/main" xmlns="">
                 <a:effectLst>
                   <a:outerShdw blurRad="63500" dist="38099" dir="2700000" algn="ctr" rotWithShape="0">
                     <a:srgbClr val="000000">
@@ -15885,14 +15885,14 @@
           <a:effectLst/>
           <a:extLst>
             <a:ext uri="{909E8E84-426E-40dd-AFC4-6F175D3DCCD1}">
-              <a14:hiddenFill xmlns="" xmlns:a14="http://schemas.microsoft.com/office/drawing/2010/main">
+              <a14:hiddenFill xmlns:a14="http://schemas.microsoft.com/office/drawing/2010/main" xmlns="">
                 <a:solidFill>
                   <a:schemeClr val="accent1"/>
                 </a:solidFill>
               </a14:hiddenFill>
             </a:ext>
             <a:ext uri="{91240B29-F687-4f45-9708-019B960494DF}">
-              <a14:hiddenLine xmlns="" xmlns:a14="http://schemas.microsoft.com/office/drawing/2010/main" w="9525" cap="flat" cmpd="sng" algn="ctr">
+              <a14:hiddenLine xmlns:a14="http://schemas.microsoft.com/office/drawing/2010/main" xmlns="" w="9525" cap="flat" cmpd="sng" algn="ctr">
                 <a:solidFill>
                   <a:schemeClr val="tx1"/>
                 </a:solidFill>
@@ -15903,7 +15903,7 @@
               </a14:hiddenLine>
             </a:ext>
             <a:ext uri="{AF507438-7753-43e0-B8FC-AC1667EBCBE1}">
-              <a14:hiddenEffects xmlns="" xmlns:a14="http://schemas.microsoft.com/office/drawing/2010/main">
+              <a14:hiddenEffects xmlns:a14="http://schemas.microsoft.com/office/drawing/2010/main" xmlns="">
                 <a:effectLst>
                   <a:outerShdw blurRad="63500" dist="38099" dir="2700000" algn="ctr" rotWithShape="0">
                     <a:srgbClr val="000000">
@@ -16399,6 +16399,528 @@
           <a:effectLst/>
           <a:extLst>
             <a:ext uri="{909E8E84-426E-40dd-AFC4-6F175D3DCCD1}">
+              <a14:hiddenFill xmlns:a14="http://schemas.microsoft.com/office/drawing/2010/main" xmlns="">
+                <a:solidFill>
+                  <a:schemeClr val="accent1"/>
+                </a:solidFill>
+              </a14:hiddenFill>
+            </a:ext>
+            <a:ext uri="{91240B29-F687-4f45-9708-019B960494DF}">
+              <a14:hiddenLine xmlns:a14="http://schemas.microsoft.com/office/drawing/2010/main" xmlns="" w="9525" cap="flat" cmpd="sng" algn="ctr">
+                <a:solidFill>
+                  <a:schemeClr val="tx1"/>
+                </a:solidFill>
+                <a:prstDash val="solid"/>
+                <a:round/>
+                <a:headEnd type="none" w="med" len="med"/>
+                <a:tailEnd type="none" w="med" len="med"/>
+              </a14:hiddenLine>
+            </a:ext>
+            <a:ext uri="{AF507438-7753-43e0-B8FC-AC1667EBCBE1}">
+              <a14:hiddenEffects xmlns:a14="http://schemas.microsoft.com/office/drawing/2010/main" xmlns="">
+                <a:effectLst>
+                  <a:outerShdw blurRad="63500" dist="38099" dir="2700000" algn="ctr" rotWithShape="0">
+                    <a:srgbClr val="000000">
+                      <a:alpha val="74998"/>
+                    </a:srgbClr>
+                  </a:outerShdw>
+                </a:effectLst>
+              </a14:hiddenEffects>
+            </a:ext>
+          </a:extLst>
+        </p:spPr>
+        <p:txBody>
+          <a:bodyPr vert="horz" wrap="square" lIns="91440" tIns="45720" rIns="91440" bIns="45720" numCol="1" rtlCol="0" anchor="t" anchorCtr="0" compatLnSpc="1">
+            <a:prstTxWarp prst="textNoShape">
+              <a:avLst/>
+            </a:prstTxWarp>
+          </a:bodyPr>
+          <a:lstStyle/>
+          <a:p>
+            <a:pPr marL="0" marR="0" indent="0" algn="l" defTabSz="914400" rtl="0" eaLnBrk="0" fontAlgn="base" latinLnBrk="0" hangingPunct="0">
+              <a:lnSpc>
+                <a:spcPct val="100000"/>
+              </a:lnSpc>
+              <a:spcBef>
+                <a:spcPct val="0"/>
+              </a:spcBef>
+              <a:spcAft>
+                <a:spcPct val="0"/>
+              </a:spcAft>
+              <a:buClrTx/>
+              <a:buSzTx/>
+              <a:buFontTx/>
+              <a:buNone/>
+              <a:tabLst/>
+            </a:pPr>
+            <a:endParaRPr kumimoji="0" lang="it-IT" sz="2400" b="0" i="0" u="none" strike="noStrike" cap="none" normalizeH="0" baseline="0" dirty="0">
+              <a:ln>
+                <a:noFill/>
+              </a:ln>
+              <a:solidFill>
+                <a:srgbClr val="000000"/>
+              </a:solidFill>
+              <a:effectLst/>
+              <a:latin typeface="Arial" charset="0"/>
+              <a:ea typeface="ＭＳ Ｐゴシック" charset="0"/>
+              <a:cs typeface="ＭＳ Ｐゴシック" charset="0"/>
+            </a:endParaRPr>
+          </a:p>
+        </p:txBody>
+      </p:sp>
+      <p:sp>
+        <p:nvSpPr>
+          <p:cNvPr id="7" name="Connettore 6">
+            <a:extLst>
+              <a:ext uri="{FF2B5EF4-FFF2-40B4-BE49-F238E27FC236}">
+                <a16:creationId xmlns:a16="http://schemas.microsoft.com/office/drawing/2014/main" id="{9AA5BAA2-CAF5-46D2-B722-5DF22CBB4D3E}"/>
+              </a:ext>
+            </a:extLst>
+          </p:cNvPr>
+          <p:cNvSpPr/>
+          <p:nvPr/>
+        </p:nvSpPr>
+        <p:spPr bwMode="auto">
+          <a:xfrm>
+            <a:off x="1043608" y="3758280"/>
+            <a:ext cx="648072" cy="576064"/>
+          </a:xfrm>
+          <a:prstGeom prst="flowChartConnector">
+            <a:avLst/>
+          </a:prstGeom>
+          <a:solidFill>
+            <a:schemeClr val="tx1">
+              <a:lumMod val="40000"/>
+              <a:lumOff val="60000"/>
+            </a:schemeClr>
+          </a:solidFill>
+          <a:ln>
+            <a:noFill/>
+          </a:ln>
+          <a:effectLst/>
+          <a:extLst>
+            <a:ext uri="{909E8E84-426E-40dd-AFC4-6F175D3DCCD1}">
+              <a14:hiddenFill xmlns:a14="http://schemas.microsoft.com/office/drawing/2010/main" xmlns="">
+                <a:solidFill>
+                  <a:schemeClr val="accent1"/>
+                </a:solidFill>
+              </a14:hiddenFill>
+            </a:ext>
+            <a:ext uri="{91240B29-F687-4f45-9708-019B960494DF}">
+              <a14:hiddenLine xmlns:a14="http://schemas.microsoft.com/office/drawing/2010/main" xmlns="" w="9525" cap="flat" cmpd="sng" algn="ctr">
+                <a:solidFill>
+                  <a:schemeClr val="tx1"/>
+                </a:solidFill>
+                <a:prstDash val="solid"/>
+                <a:round/>
+                <a:headEnd type="none" w="med" len="med"/>
+                <a:tailEnd type="none" w="med" len="med"/>
+              </a14:hiddenLine>
+            </a:ext>
+            <a:ext uri="{AF507438-7753-43e0-B8FC-AC1667EBCBE1}">
+              <a14:hiddenEffects xmlns:a14="http://schemas.microsoft.com/office/drawing/2010/main" xmlns="">
+                <a:effectLst>
+                  <a:outerShdw blurRad="63500" dist="38099" dir="2700000" algn="ctr" rotWithShape="0">
+                    <a:srgbClr val="000000">
+                      <a:alpha val="74998"/>
+                    </a:srgbClr>
+                  </a:outerShdw>
+                </a:effectLst>
+              </a14:hiddenEffects>
+            </a:ext>
+          </a:extLst>
+        </p:spPr>
+        <p:txBody>
+          <a:bodyPr vert="horz" wrap="square" lIns="91440" tIns="45720" rIns="91440" bIns="45720" numCol="1" rtlCol="0" anchor="t" anchorCtr="0" compatLnSpc="1">
+            <a:prstTxWarp prst="textNoShape">
+              <a:avLst/>
+            </a:prstTxWarp>
+          </a:bodyPr>
+          <a:lstStyle/>
+          <a:p>
+            <a:pPr marL="0" marR="0" indent="0" algn="l" defTabSz="914400" rtl="0" eaLnBrk="0" fontAlgn="base" latinLnBrk="0" hangingPunct="0">
+              <a:lnSpc>
+                <a:spcPct val="100000"/>
+              </a:lnSpc>
+              <a:spcBef>
+                <a:spcPct val="0"/>
+              </a:spcBef>
+              <a:spcAft>
+                <a:spcPct val="0"/>
+              </a:spcAft>
+              <a:buClrTx/>
+              <a:buSzTx/>
+              <a:buFontTx/>
+              <a:buNone/>
+              <a:tabLst/>
+            </a:pPr>
+            <a:endParaRPr kumimoji="0" lang="it-IT" sz="2400" b="0" i="0" u="none" strike="noStrike" cap="none" normalizeH="0" baseline="0" dirty="0">
+              <a:ln>
+                <a:noFill/>
+              </a:ln>
+              <a:solidFill>
+                <a:srgbClr val="000000"/>
+              </a:solidFill>
+              <a:effectLst/>
+              <a:latin typeface="Arial" charset="0"/>
+              <a:ea typeface="ＭＳ Ｐゴシック" charset="0"/>
+              <a:cs typeface="ＭＳ Ｐゴシック" charset="0"/>
+            </a:endParaRPr>
+          </a:p>
+        </p:txBody>
+      </p:sp>
+      <p:sp>
+        <p:nvSpPr>
+          <p:cNvPr id="8" name="Connettore 7">
+            <a:extLst>
+              <a:ext uri="{FF2B5EF4-FFF2-40B4-BE49-F238E27FC236}">
+                <a16:creationId xmlns:a16="http://schemas.microsoft.com/office/drawing/2014/main" id="{3A180CF2-EC95-4A12-AC76-8C9BEE4CB4AF}"/>
+              </a:ext>
+            </a:extLst>
+          </p:cNvPr>
+          <p:cNvSpPr/>
+          <p:nvPr/>
+        </p:nvSpPr>
+        <p:spPr bwMode="auto">
+          <a:xfrm>
+            <a:off x="1010975" y="2636912"/>
+            <a:ext cx="648072" cy="576064"/>
+          </a:xfrm>
+          <a:prstGeom prst="flowChartConnector">
+            <a:avLst/>
+          </a:prstGeom>
+          <a:solidFill>
+            <a:schemeClr val="tx1">
+              <a:lumMod val="40000"/>
+              <a:lumOff val="60000"/>
+            </a:schemeClr>
+          </a:solidFill>
+          <a:ln>
+            <a:noFill/>
+          </a:ln>
+          <a:effectLst/>
+          <a:extLst>
+            <a:ext uri="{909E8E84-426E-40dd-AFC4-6F175D3DCCD1}">
+              <a14:hiddenFill xmlns:a14="http://schemas.microsoft.com/office/drawing/2010/main" xmlns="">
+                <a:solidFill>
+                  <a:schemeClr val="accent1"/>
+                </a:solidFill>
+              </a14:hiddenFill>
+            </a:ext>
+            <a:ext uri="{91240B29-F687-4f45-9708-019B960494DF}">
+              <a14:hiddenLine xmlns:a14="http://schemas.microsoft.com/office/drawing/2010/main" xmlns="" w="9525" cap="flat" cmpd="sng" algn="ctr">
+                <a:solidFill>
+                  <a:schemeClr val="tx1"/>
+                </a:solidFill>
+                <a:prstDash val="solid"/>
+                <a:round/>
+                <a:headEnd type="none" w="med" len="med"/>
+                <a:tailEnd type="none" w="med" len="med"/>
+              </a14:hiddenLine>
+            </a:ext>
+            <a:ext uri="{AF507438-7753-43e0-B8FC-AC1667EBCBE1}">
+              <a14:hiddenEffects xmlns:a14="http://schemas.microsoft.com/office/drawing/2010/main" xmlns="">
+                <a:effectLst>
+                  <a:outerShdw blurRad="63500" dist="38099" dir="2700000" algn="ctr" rotWithShape="0">
+                    <a:srgbClr val="000000">
+                      <a:alpha val="74998"/>
+                    </a:srgbClr>
+                  </a:outerShdw>
+                </a:effectLst>
+              </a14:hiddenEffects>
+            </a:ext>
+          </a:extLst>
+        </p:spPr>
+        <p:txBody>
+          <a:bodyPr vert="horz" wrap="square" lIns="91440" tIns="45720" rIns="91440" bIns="45720" numCol="1" rtlCol="0" anchor="t" anchorCtr="0" compatLnSpc="1">
+            <a:prstTxWarp prst="textNoShape">
+              <a:avLst/>
+            </a:prstTxWarp>
+          </a:bodyPr>
+          <a:lstStyle/>
+          <a:p>
+            <a:pPr marL="0" marR="0" indent="0" algn="l" defTabSz="914400" rtl="0" eaLnBrk="0" fontAlgn="base" latinLnBrk="0" hangingPunct="0">
+              <a:lnSpc>
+                <a:spcPct val="100000"/>
+              </a:lnSpc>
+              <a:spcBef>
+                <a:spcPct val="0"/>
+              </a:spcBef>
+              <a:spcAft>
+                <a:spcPct val="0"/>
+              </a:spcAft>
+              <a:buClrTx/>
+              <a:buSzTx/>
+              <a:buFontTx/>
+              <a:buNone/>
+              <a:tabLst/>
+            </a:pPr>
+            <a:endParaRPr kumimoji="0" lang="it-IT" sz="2400" b="0" i="0" u="none" strike="noStrike" cap="none" normalizeH="0" baseline="0" dirty="0">
+              <a:ln>
+                <a:noFill/>
+              </a:ln>
+              <a:solidFill>
+                <a:srgbClr val="000000"/>
+              </a:solidFill>
+              <a:effectLst/>
+              <a:latin typeface="Arial" charset="0"/>
+              <a:ea typeface="ＭＳ Ｐゴシック" charset="0"/>
+              <a:cs typeface="ＭＳ Ｐゴシック" charset="0"/>
+            </a:endParaRPr>
+          </a:p>
+        </p:txBody>
+      </p:sp>
+      <p:sp>
+        <p:nvSpPr>
+          <p:cNvPr id="9" name="Connettore 8">
+            <a:extLst>
+              <a:ext uri="{FF2B5EF4-FFF2-40B4-BE49-F238E27FC236}">
+                <a16:creationId xmlns:a16="http://schemas.microsoft.com/office/drawing/2014/main" id="{633C3CA0-7961-4C4A-BF61-CA2182D2FF5C}"/>
+              </a:ext>
+            </a:extLst>
+          </p:cNvPr>
+          <p:cNvSpPr/>
+          <p:nvPr/>
+        </p:nvSpPr>
+        <p:spPr bwMode="auto">
+          <a:xfrm>
+            <a:off x="1043608" y="1851104"/>
+            <a:ext cx="648072" cy="576064"/>
+          </a:xfrm>
+          <a:prstGeom prst="flowChartConnector">
+            <a:avLst/>
+          </a:prstGeom>
+          <a:solidFill>
+            <a:schemeClr val="tx1">
+              <a:lumMod val="40000"/>
+              <a:lumOff val="60000"/>
+            </a:schemeClr>
+          </a:solidFill>
+          <a:ln>
+            <a:noFill/>
+          </a:ln>
+          <a:effectLst/>
+          <a:extLst>
+            <a:ext uri="{909E8E84-426E-40dd-AFC4-6F175D3DCCD1}">
+              <a14:hiddenFill xmlns:a14="http://schemas.microsoft.com/office/drawing/2010/main" xmlns="">
+                <a:solidFill>
+                  <a:schemeClr val="accent1"/>
+                </a:solidFill>
+              </a14:hiddenFill>
+            </a:ext>
+            <a:ext uri="{91240B29-F687-4f45-9708-019B960494DF}">
+              <a14:hiddenLine xmlns:a14="http://schemas.microsoft.com/office/drawing/2010/main" xmlns="" w="9525" cap="flat" cmpd="sng" algn="ctr">
+                <a:solidFill>
+                  <a:schemeClr val="tx1"/>
+                </a:solidFill>
+                <a:prstDash val="solid"/>
+                <a:round/>
+                <a:headEnd type="none" w="med" len="med"/>
+                <a:tailEnd type="none" w="med" len="med"/>
+              </a14:hiddenLine>
+            </a:ext>
+            <a:ext uri="{AF507438-7753-43e0-B8FC-AC1667EBCBE1}">
+              <a14:hiddenEffects xmlns:a14="http://schemas.microsoft.com/office/drawing/2010/main" xmlns="">
+                <a:effectLst>
+                  <a:outerShdw blurRad="63500" dist="38099" dir="2700000" algn="ctr" rotWithShape="0">
+                    <a:srgbClr val="000000">
+                      <a:alpha val="74998"/>
+                    </a:srgbClr>
+                  </a:outerShdw>
+                </a:effectLst>
+              </a14:hiddenEffects>
+            </a:ext>
+          </a:extLst>
+        </p:spPr>
+        <p:txBody>
+          <a:bodyPr vert="horz" wrap="square" lIns="91440" tIns="45720" rIns="91440" bIns="45720" numCol="1" rtlCol="0" anchor="t" anchorCtr="0" compatLnSpc="1">
+            <a:prstTxWarp prst="textNoShape">
+              <a:avLst/>
+            </a:prstTxWarp>
+          </a:bodyPr>
+          <a:lstStyle/>
+          <a:p>
+            <a:pPr marL="0" marR="0" indent="0" algn="l" defTabSz="914400" rtl="0" eaLnBrk="0" fontAlgn="base" latinLnBrk="0" hangingPunct="0">
+              <a:lnSpc>
+                <a:spcPct val="100000"/>
+              </a:lnSpc>
+              <a:spcBef>
+                <a:spcPct val="0"/>
+              </a:spcBef>
+              <a:spcAft>
+                <a:spcPct val="0"/>
+              </a:spcAft>
+              <a:buClrTx/>
+              <a:buSzTx/>
+              <a:buFontTx/>
+              <a:buNone/>
+              <a:tabLst/>
+            </a:pPr>
+            <a:endParaRPr kumimoji="0" lang="it-IT" sz="2400" b="0" i="0" u="none" strike="noStrike" cap="none" normalizeH="0" baseline="0" dirty="0">
+              <a:ln>
+                <a:noFill/>
+              </a:ln>
+              <a:solidFill>
+                <a:srgbClr val="000000"/>
+              </a:solidFill>
+              <a:effectLst/>
+              <a:latin typeface="Arial" charset="0"/>
+              <a:ea typeface="ＭＳ Ｐゴシック" charset="0"/>
+              <a:cs typeface="ＭＳ Ｐゴシック" charset="0"/>
+            </a:endParaRPr>
+          </a:p>
+        </p:txBody>
+      </p:sp>
+      <p:sp>
+        <p:nvSpPr>
+          <p:cNvPr id="10" name="Segnaposto testo 2">
+            <a:extLst>
+              <a:ext uri="{FF2B5EF4-FFF2-40B4-BE49-F238E27FC236}">
+                <a16:creationId xmlns:a16="http://schemas.microsoft.com/office/drawing/2014/main" id="{59843986-693E-48D6-88DB-1E74328D7BFF}"/>
+              </a:ext>
+            </a:extLst>
+          </p:cNvPr>
+          <p:cNvSpPr>
+            <a:spLocks noGrp="1"/>
+          </p:cNvSpPr>
+          <p:nvPr>
+            <p:ph type="body" sz="half" idx="1"/>
+          </p:nvPr>
+        </p:nvSpPr>
+        <p:spPr>
+          <a:xfrm>
+            <a:off x="1026233" y="1955976"/>
+            <a:ext cx="936104" cy="576064"/>
+          </a:xfrm>
+        </p:spPr>
+        <p:txBody>
+          <a:bodyPr/>
+          <a:lstStyle/>
+          <a:p>
+            <a:pPr marL="0" indent="0">
+              <a:buNone/>
+            </a:pPr>
+            <a:r>
+              <a:rPr lang="it-IT" sz="2000" dirty="0"/>
+              <a:t>IP</a:t>
+            </a:r>
+            <a:r>
+              <a:rPr lang="it-IT" sz="2000" baseline="-25000" dirty="0"/>
+              <a:t>i </a:t>
+            </a:r>
+            <a:r>
+              <a:rPr lang="it-IT" sz="2000" dirty="0"/>
+              <a:t>, p</a:t>
+            </a:r>
+            <a:r>
+              <a:rPr lang="it-IT" sz="2000" baseline="-25000" dirty="0"/>
+              <a:t>i</a:t>
+            </a:r>
+          </a:p>
+        </p:txBody>
+      </p:sp>
+      <p:cxnSp>
+        <p:nvCxnSpPr>
+          <p:cNvPr id="13" name="Connettore 2 12">
+            <a:extLst>
+              <a:ext uri="{FF2B5EF4-FFF2-40B4-BE49-F238E27FC236}">
+                <a16:creationId xmlns:a16="http://schemas.microsoft.com/office/drawing/2014/main" id="{FA378C04-B5C4-4E0A-8EC3-081B26DAF82F}"/>
+              </a:ext>
+            </a:extLst>
+          </p:cNvPr>
+          <p:cNvCxnSpPr>
+            <a:cxnSpLocks/>
+            <a:stCxn id="10" idx="3"/>
+            <a:endCxn id="5" idx="1"/>
+          </p:cNvCxnSpPr>
+          <p:nvPr/>
+        </p:nvCxnSpPr>
+        <p:spPr bwMode="auto">
+          <a:xfrm>
+            <a:off x="1962337" y="2244008"/>
+            <a:ext cx="5029918" cy="477267"/>
+          </a:xfrm>
+          <a:prstGeom prst="straightConnector1">
+            <a:avLst/>
+          </a:prstGeom>
+          <a:ln>
+            <a:tailEnd type="triangle"/>
+          </a:ln>
+          <a:extLst>
+            <a:ext uri="{909E8E84-426E-40dd-AFC4-6F175D3DCCD1}">
+              <a14:hiddenFill xmlns:a14="http://schemas.microsoft.com/office/drawing/2010/main" xmlns="">
+                <a:solidFill>
+                  <a:schemeClr val="accent1"/>
+                </a:solidFill>
+              </a14:hiddenFill>
+            </a:ext>
+            <a:ext uri="{91240B29-F687-4f45-9708-019B960494DF}">
+              <a14:hiddenLine xmlns:a14="http://schemas.microsoft.com/office/drawing/2010/main" xmlns="" w="9525" cap="flat" cmpd="sng" algn="ctr">
+                <a:solidFill>
+                  <a:schemeClr val="tx1"/>
+                </a:solidFill>
+                <a:prstDash val="solid"/>
+                <a:round/>
+                <a:headEnd type="none" w="med" len="med"/>
+                <a:tailEnd type="none" w="med" len="med"/>
+              </a14:hiddenLine>
+            </a:ext>
+            <a:ext uri="{AF507438-7753-43e0-B8FC-AC1667EBCBE1}">
+              <a14:hiddenEffects xmlns:a14="http://schemas.microsoft.com/office/drawing/2010/main" xmlns="">
+                <a:effectLst>
+                  <a:outerShdw blurRad="63500" dist="38099" dir="2700000" algn="ctr" rotWithShape="0">
+                    <a:srgbClr val="000000">
+                      <a:alpha val="74998"/>
+                    </a:srgbClr>
+                  </a:outerShdw>
+                </a:effectLst>
+              </a14:hiddenEffects>
+            </a:ext>
+          </a:extLst>
+        </p:spPr>
+        <p:style>
+          <a:lnRef idx="1">
+            <a:schemeClr val="dk1"/>
+          </a:lnRef>
+          <a:fillRef idx="0">
+            <a:schemeClr val="dk1"/>
+          </a:fillRef>
+          <a:effectRef idx="0">
+            <a:schemeClr val="dk1"/>
+          </a:effectRef>
+          <a:fontRef idx="minor">
+            <a:schemeClr val="tx1"/>
+          </a:fontRef>
+        </p:style>
+      </p:cxnSp>
+      <p:cxnSp>
+        <p:nvCxnSpPr>
+          <p:cNvPr id="15" name="Connettore 2 14">
+            <a:extLst>
+              <a:ext uri="{FF2B5EF4-FFF2-40B4-BE49-F238E27FC236}">
+                <a16:creationId xmlns:a16="http://schemas.microsoft.com/office/drawing/2014/main" id="{1C22F128-FEB6-46D4-AFEF-FF9EE3622DB1}"/>
+              </a:ext>
+            </a:extLst>
+          </p:cNvPr>
+          <p:cNvCxnSpPr>
+            <a:cxnSpLocks/>
+            <a:endCxn id="5" idx="2"/>
+          </p:cNvCxnSpPr>
+          <p:nvPr/>
+        </p:nvCxnSpPr>
+        <p:spPr bwMode="auto">
+          <a:xfrm flipV="1">
+            <a:off x="1901697" y="2924944"/>
+            <a:ext cx="4974559" cy="103966"/>
+          </a:xfrm>
+          <a:prstGeom prst="straightConnector1">
+            <a:avLst/>
+          </a:prstGeom>
+          <a:ln>
+            <a:tailEnd type="triangle"/>
+          </a:ln>
+          <a:extLst>
+            <a:ext uri="{909E8E84-426E-40dd-AFC4-6F175D3DCCD1}">
               <a14:hiddenFill xmlns="" xmlns:a14="http://schemas.microsoft.com/office/drawing/2010/main">
                 <a:solidFill>
                   <a:schemeClr val="accent1"/>
@@ -16429,75 +16951,106 @@
             </a:ext>
           </a:extLst>
         </p:spPr>
-        <p:txBody>
-          <a:bodyPr vert="horz" wrap="square" lIns="91440" tIns="45720" rIns="91440" bIns="45720" numCol="1" rtlCol="0" anchor="t" anchorCtr="0" compatLnSpc="1">
-            <a:prstTxWarp prst="textNoShape">
-              <a:avLst/>
-            </a:prstTxWarp>
-          </a:bodyPr>
-          <a:lstStyle/>
-          <a:p>
-            <a:pPr marL="0" marR="0" indent="0" algn="l" defTabSz="914400" rtl="0" eaLnBrk="0" fontAlgn="base" latinLnBrk="0" hangingPunct="0">
-              <a:lnSpc>
-                <a:spcPct val="100000"/>
-              </a:lnSpc>
-              <a:spcBef>
-                <a:spcPct val="0"/>
-              </a:spcBef>
-              <a:spcAft>
-                <a:spcPct val="0"/>
-              </a:spcAft>
-              <a:buClrTx/>
-              <a:buSzTx/>
-              <a:buFontTx/>
-              <a:buNone/>
-              <a:tabLst/>
-            </a:pPr>
-            <a:endParaRPr kumimoji="0" lang="it-IT" sz="2400" b="0" i="0" u="none" strike="noStrike" cap="none" normalizeH="0" baseline="0" dirty="0">
-              <a:ln>
-                <a:noFill/>
-              </a:ln>
-              <a:solidFill>
-                <a:srgbClr val="000000"/>
-              </a:solidFill>
-              <a:effectLst/>
-              <a:latin typeface="Arial" charset="0"/>
-              <a:ea typeface="ＭＳ Ｐゴシック" charset="0"/>
-              <a:cs typeface="ＭＳ Ｐゴシック" charset="0"/>
-            </a:endParaRPr>
-          </a:p>
-        </p:txBody>
-      </p:sp>
-      <p:sp>
-        <p:nvSpPr>
-          <p:cNvPr id="7" name="Connettore 6">
+        <p:style>
+          <a:lnRef idx="1">
+            <a:schemeClr val="dk1"/>
+          </a:lnRef>
+          <a:fillRef idx="0">
+            <a:schemeClr val="dk1"/>
+          </a:fillRef>
+          <a:effectRef idx="0">
+            <a:schemeClr val="dk1"/>
+          </a:effectRef>
+          <a:fontRef idx="minor">
+            <a:schemeClr val="tx1"/>
+          </a:fontRef>
+        </p:style>
+      </p:cxnSp>
+      <p:cxnSp>
+        <p:nvCxnSpPr>
+          <p:cNvPr id="17" name="Connettore 2 16">
             <a:extLst>
               <a:ext uri="{FF2B5EF4-FFF2-40B4-BE49-F238E27FC236}">
-                <a16:creationId xmlns:a16="http://schemas.microsoft.com/office/drawing/2014/main" id="{9AA5BAA2-CAF5-46D2-B722-5DF22CBB4D3E}"/>
+                <a16:creationId xmlns:a16="http://schemas.microsoft.com/office/drawing/2014/main" id="{706A8A4F-1AF9-4209-AA36-6B9FE38365B6}"/>
               </a:ext>
             </a:extLst>
           </p:cNvPr>
-          <p:cNvSpPr/>
+          <p:cNvCxnSpPr/>
           <p:nvPr/>
-        </p:nvSpPr>
+        </p:nvCxnSpPr>
         <p:spPr bwMode="auto">
           <a:xfrm>
-            <a:off x="1043608" y="3758280"/>
-            <a:ext cx="648072" cy="576064"/>
-          </a:xfrm>
-          <a:prstGeom prst="flowChartConnector">
+            <a:off x="1939417" y="4112150"/>
+            <a:ext cx="0" cy="0"/>
+          </a:xfrm>
+          <a:prstGeom prst="straightConnector1">
             <a:avLst/>
           </a:prstGeom>
-          <a:solidFill>
-            <a:schemeClr val="tx1">
-              <a:lumMod val="40000"/>
-              <a:lumOff val="60000"/>
-            </a:schemeClr>
-          </a:solidFill>
+          <a:noFill/>
           <a:ln>
             <a:noFill/>
+            <a:tailEnd type="triangle"/>
           </a:ln>
           <a:effectLst/>
+          <a:extLst>
+            <a:ext uri="{909E8E84-426E-40dd-AFC4-6F175D3DCCD1}">
+              <a14:hiddenFill xmlns:a14="http://schemas.microsoft.com/office/drawing/2010/main" xmlns="">
+                <a:solidFill>
+                  <a:schemeClr val="accent1"/>
+                </a:solidFill>
+              </a14:hiddenFill>
+            </a:ext>
+            <a:ext uri="{91240B29-F687-4f45-9708-019B960494DF}">
+              <a14:hiddenLine xmlns:a14="http://schemas.microsoft.com/office/drawing/2010/main" xmlns="" w="9525" cap="flat" cmpd="sng" algn="ctr">
+                <a:solidFill>
+                  <a:schemeClr val="tx1"/>
+                </a:solidFill>
+                <a:prstDash val="solid"/>
+                <a:round/>
+                <a:headEnd type="none" w="med" len="med"/>
+                <a:tailEnd type="none" w="med" len="med"/>
+              </a14:hiddenLine>
+            </a:ext>
+            <a:ext uri="{AF507438-7753-43e0-B8FC-AC1667EBCBE1}">
+              <a14:hiddenEffects xmlns:a14="http://schemas.microsoft.com/office/drawing/2010/main" xmlns="">
+                <a:effectLst>
+                  <a:outerShdw blurRad="63500" dist="38099" dir="2700000" algn="ctr" rotWithShape="0">
+                    <a:srgbClr val="000000">
+                      <a:alpha val="74998"/>
+                    </a:srgbClr>
+                  </a:outerShdw>
+                </a:effectLst>
+              </a14:hiddenEffects>
+            </a:ext>
+          </a:extLst>
+        </p:spPr>
+      </p:cxnSp>
+      <p:cxnSp>
+        <p:nvCxnSpPr>
+          <p:cNvPr id="19" name="Connettore 2 18">
+            <a:extLst>
+              <a:ext uri="{FF2B5EF4-FFF2-40B4-BE49-F238E27FC236}">
+                <a16:creationId xmlns:a16="http://schemas.microsoft.com/office/drawing/2014/main" id="{AFD3836F-3645-45EE-8E7C-119D75925F4B}"/>
+              </a:ext>
+            </a:extLst>
+          </p:cNvPr>
+          <p:cNvCxnSpPr>
+            <a:cxnSpLocks/>
+            <a:endCxn id="5" idx="3"/>
+          </p:cNvCxnSpPr>
+          <p:nvPr/>
+        </p:nvCxnSpPr>
+        <p:spPr bwMode="auto">
+          <a:xfrm flipV="1">
+            <a:off x="1939417" y="3128613"/>
+            <a:ext cx="5052838" cy="983538"/>
+          </a:xfrm>
+          <a:prstGeom prst="straightConnector1">
+            <a:avLst/>
+          </a:prstGeom>
+          <a:ln>
+            <a:tailEnd type="triangle"/>
+          </a:ln>
           <a:extLst>
             <a:ext uri="{909E8E84-426E-40dd-AFC4-6F175D3DCCD1}">
               <a14:hiddenFill xmlns="" xmlns:a14="http://schemas.microsoft.com/office/drawing/2010/main">
@@ -16530,559 +17083,6 @@
             </a:ext>
           </a:extLst>
         </p:spPr>
-        <p:txBody>
-          <a:bodyPr vert="horz" wrap="square" lIns="91440" tIns="45720" rIns="91440" bIns="45720" numCol="1" rtlCol="0" anchor="t" anchorCtr="0" compatLnSpc="1">
-            <a:prstTxWarp prst="textNoShape">
-              <a:avLst/>
-            </a:prstTxWarp>
-          </a:bodyPr>
-          <a:lstStyle/>
-          <a:p>
-            <a:pPr marL="0" marR="0" indent="0" algn="l" defTabSz="914400" rtl="0" eaLnBrk="0" fontAlgn="base" latinLnBrk="0" hangingPunct="0">
-              <a:lnSpc>
-                <a:spcPct val="100000"/>
-              </a:lnSpc>
-              <a:spcBef>
-                <a:spcPct val="0"/>
-              </a:spcBef>
-              <a:spcAft>
-                <a:spcPct val="0"/>
-              </a:spcAft>
-              <a:buClrTx/>
-              <a:buSzTx/>
-              <a:buFontTx/>
-              <a:buNone/>
-              <a:tabLst/>
-            </a:pPr>
-            <a:endParaRPr kumimoji="0" lang="it-IT" sz="2400" b="0" i="0" u="none" strike="noStrike" cap="none" normalizeH="0" baseline="0" dirty="0">
-              <a:ln>
-                <a:noFill/>
-              </a:ln>
-              <a:solidFill>
-                <a:srgbClr val="000000"/>
-              </a:solidFill>
-              <a:effectLst/>
-              <a:latin typeface="Arial" charset="0"/>
-              <a:ea typeface="ＭＳ Ｐゴシック" charset="0"/>
-              <a:cs typeface="ＭＳ Ｐゴシック" charset="0"/>
-            </a:endParaRPr>
-          </a:p>
-        </p:txBody>
-      </p:sp>
-      <p:sp>
-        <p:nvSpPr>
-          <p:cNvPr id="8" name="Connettore 7">
-            <a:extLst>
-              <a:ext uri="{FF2B5EF4-FFF2-40B4-BE49-F238E27FC236}">
-                <a16:creationId xmlns:a16="http://schemas.microsoft.com/office/drawing/2014/main" id="{3A180CF2-EC95-4A12-AC76-8C9BEE4CB4AF}"/>
-              </a:ext>
-            </a:extLst>
-          </p:cNvPr>
-          <p:cNvSpPr/>
-          <p:nvPr/>
-        </p:nvSpPr>
-        <p:spPr bwMode="auto">
-          <a:xfrm>
-            <a:off x="1010975" y="2636912"/>
-            <a:ext cx="648072" cy="576064"/>
-          </a:xfrm>
-          <a:prstGeom prst="flowChartConnector">
-            <a:avLst/>
-          </a:prstGeom>
-          <a:solidFill>
-            <a:schemeClr val="tx1">
-              <a:lumMod val="40000"/>
-              <a:lumOff val="60000"/>
-            </a:schemeClr>
-          </a:solidFill>
-          <a:ln>
-            <a:noFill/>
-          </a:ln>
-          <a:effectLst/>
-          <a:extLst>
-            <a:ext uri="{909E8E84-426E-40dd-AFC4-6F175D3DCCD1}">
-              <a14:hiddenFill xmlns="" xmlns:a14="http://schemas.microsoft.com/office/drawing/2010/main">
-                <a:solidFill>
-                  <a:schemeClr val="accent1"/>
-                </a:solidFill>
-              </a14:hiddenFill>
-            </a:ext>
-            <a:ext uri="{91240B29-F687-4f45-9708-019B960494DF}">
-              <a14:hiddenLine xmlns="" xmlns:a14="http://schemas.microsoft.com/office/drawing/2010/main" w="9525" cap="flat" cmpd="sng" algn="ctr">
-                <a:solidFill>
-                  <a:schemeClr val="tx1"/>
-                </a:solidFill>
-                <a:prstDash val="solid"/>
-                <a:round/>
-                <a:headEnd type="none" w="med" len="med"/>
-                <a:tailEnd type="none" w="med" len="med"/>
-              </a14:hiddenLine>
-            </a:ext>
-            <a:ext uri="{AF507438-7753-43e0-B8FC-AC1667EBCBE1}">
-              <a14:hiddenEffects xmlns="" xmlns:a14="http://schemas.microsoft.com/office/drawing/2010/main">
-                <a:effectLst>
-                  <a:outerShdw blurRad="63500" dist="38099" dir="2700000" algn="ctr" rotWithShape="0">
-                    <a:srgbClr val="000000">
-                      <a:alpha val="74998"/>
-                    </a:srgbClr>
-                  </a:outerShdw>
-                </a:effectLst>
-              </a14:hiddenEffects>
-            </a:ext>
-          </a:extLst>
-        </p:spPr>
-        <p:txBody>
-          <a:bodyPr vert="horz" wrap="square" lIns="91440" tIns="45720" rIns="91440" bIns="45720" numCol="1" rtlCol="0" anchor="t" anchorCtr="0" compatLnSpc="1">
-            <a:prstTxWarp prst="textNoShape">
-              <a:avLst/>
-            </a:prstTxWarp>
-          </a:bodyPr>
-          <a:lstStyle/>
-          <a:p>
-            <a:pPr marL="0" marR="0" indent="0" algn="l" defTabSz="914400" rtl="0" eaLnBrk="0" fontAlgn="base" latinLnBrk="0" hangingPunct="0">
-              <a:lnSpc>
-                <a:spcPct val="100000"/>
-              </a:lnSpc>
-              <a:spcBef>
-                <a:spcPct val="0"/>
-              </a:spcBef>
-              <a:spcAft>
-                <a:spcPct val="0"/>
-              </a:spcAft>
-              <a:buClrTx/>
-              <a:buSzTx/>
-              <a:buFontTx/>
-              <a:buNone/>
-              <a:tabLst/>
-            </a:pPr>
-            <a:endParaRPr kumimoji="0" lang="it-IT" sz="2400" b="0" i="0" u="none" strike="noStrike" cap="none" normalizeH="0" baseline="0" dirty="0">
-              <a:ln>
-                <a:noFill/>
-              </a:ln>
-              <a:solidFill>
-                <a:srgbClr val="000000"/>
-              </a:solidFill>
-              <a:effectLst/>
-              <a:latin typeface="Arial" charset="0"/>
-              <a:ea typeface="ＭＳ Ｐゴシック" charset="0"/>
-              <a:cs typeface="ＭＳ Ｐゴシック" charset="0"/>
-            </a:endParaRPr>
-          </a:p>
-        </p:txBody>
-      </p:sp>
-      <p:sp>
-        <p:nvSpPr>
-          <p:cNvPr id="9" name="Connettore 8">
-            <a:extLst>
-              <a:ext uri="{FF2B5EF4-FFF2-40B4-BE49-F238E27FC236}">
-                <a16:creationId xmlns:a16="http://schemas.microsoft.com/office/drawing/2014/main" id="{633C3CA0-7961-4C4A-BF61-CA2182D2FF5C}"/>
-              </a:ext>
-            </a:extLst>
-          </p:cNvPr>
-          <p:cNvSpPr/>
-          <p:nvPr/>
-        </p:nvSpPr>
-        <p:spPr bwMode="auto">
-          <a:xfrm>
-            <a:off x="1043608" y="1851104"/>
-            <a:ext cx="648072" cy="576064"/>
-          </a:xfrm>
-          <a:prstGeom prst="flowChartConnector">
-            <a:avLst/>
-          </a:prstGeom>
-          <a:solidFill>
-            <a:schemeClr val="tx1">
-              <a:lumMod val="40000"/>
-              <a:lumOff val="60000"/>
-            </a:schemeClr>
-          </a:solidFill>
-          <a:ln>
-            <a:noFill/>
-          </a:ln>
-          <a:effectLst/>
-          <a:extLst>
-            <a:ext uri="{909E8E84-426E-40dd-AFC4-6F175D3DCCD1}">
-              <a14:hiddenFill xmlns="" xmlns:a14="http://schemas.microsoft.com/office/drawing/2010/main">
-                <a:solidFill>
-                  <a:schemeClr val="accent1"/>
-                </a:solidFill>
-              </a14:hiddenFill>
-            </a:ext>
-            <a:ext uri="{91240B29-F687-4f45-9708-019B960494DF}">
-              <a14:hiddenLine xmlns="" xmlns:a14="http://schemas.microsoft.com/office/drawing/2010/main" w="9525" cap="flat" cmpd="sng" algn="ctr">
-                <a:solidFill>
-                  <a:schemeClr val="tx1"/>
-                </a:solidFill>
-                <a:prstDash val="solid"/>
-                <a:round/>
-                <a:headEnd type="none" w="med" len="med"/>
-                <a:tailEnd type="none" w="med" len="med"/>
-              </a14:hiddenLine>
-            </a:ext>
-            <a:ext uri="{AF507438-7753-43e0-B8FC-AC1667EBCBE1}">
-              <a14:hiddenEffects xmlns="" xmlns:a14="http://schemas.microsoft.com/office/drawing/2010/main">
-                <a:effectLst>
-                  <a:outerShdw blurRad="63500" dist="38099" dir="2700000" algn="ctr" rotWithShape="0">
-                    <a:srgbClr val="000000">
-                      <a:alpha val="74998"/>
-                    </a:srgbClr>
-                  </a:outerShdw>
-                </a:effectLst>
-              </a14:hiddenEffects>
-            </a:ext>
-          </a:extLst>
-        </p:spPr>
-        <p:txBody>
-          <a:bodyPr vert="horz" wrap="square" lIns="91440" tIns="45720" rIns="91440" bIns="45720" numCol="1" rtlCol="0" anchor="t" anchorCtr="0" compatLnSpc="1">
-            <a:prstTxWarp prst="textNoShape">
-              <a:avLst/>
-            </a:prstTxWarp>
-          </a:bodyPr>
-          <a:lstStyle/>
-          <a:p>
-            <a:pPr marL="0" marR="0" indent="0" algn="l" defTabSz="914400" rtl="0" eaLnBrk="0" fontAlgn="base" latinLnBrk="0" hangingPunct="0">
-              <a:lnSpc>
-                <a:spcPct val="100000"/>
-              </a:lnSpc>
-              <a:spcBef>
-                <a:spcPct val="0"/>
-              </a:spcBef>
-              <a:spcAft>
-                <a:spcPct val="0"/>
-              </a:spcAft>
-              <a:buClrTx/>
-              <a:buSzTx/>
-              <a:buFontTx/>
-              <a:buNone/>
-              <a:tabLst/>
-            </a:pPr>
-            <a:endParaRPr kumimoji="0" lang="it-IT" sz="2400" b="0" i="0" u="none" strike="noStrike" cap="none" normalizeH="0" baseline="0" dirty="0">
-              <a:ln>
-                <a:noFill/>
-              </a:ln>
-              <a:solidFill>
-                <a:srgbClr val="000000"/>
-              </a:solidFill>
-              <a:effectLst/>
-              <a:latin typeface="Arial" charset="0"/>
-              <a:ea typeface="ＭＳ Ｐゴシック" charset="0"/>
-              <a:cs typeface="ＭＳ Ｐゴシック" charset="0"/>
-            </a:endParaRPr>
-          </a:p>
-        </p:txBody>
-      </p:sp>
-      <p:sp>
-        <p:nvSpPr>
-          <p:cNvPr id="10" name="Segnaposto testo 2">
-            <a:extLst>
-              <a:ext uri="{FF2B5EF4-FFF2-40B4-BE49-F238E27FC236}">
-                <a16:creationId xmlns:a16="http://schemas.microsoft.com/office/drawing/2014/main" id="{59843986-693E-48D6-88DB-1E74328D7BFF}"/>
-              </a:ext>
-            </a:extLst>
-          </p:cNvPr>
-          <p:cNvSpPr>
-            <a:spLocks noGrp="1"/>
-          </p:cNvSpPr>
-          <p:nvPr>
-            <p:ph type="body" sz="half" idx="1"/>
-          </p:nvPr>
-        </p:nvSpPr>
-        <p:spPr>
-          <a:xfrm>
-            <a:off x="1026233" y="1955976"/>
-            <a:ext cx="936104" cy="576064"/>
-          </a:xfrm>
-        </p:spPr>
-        <p:txBody>
-          <a:bodyPr/>
-          <a:lstStyle/>
-          <a:p>
-            <a:pPr marL="0" indent="0">
-              <a:buNone/>
-            </a:pPr>
-            <a:r>
-              <a:rPr lang="it-IT" sz="2000" dirty="0"/>
-              <a:t>IP</a:t>
-            </a:r>
-            <a:r>
-              <a:rPr lang="it-IT" sz="2000" baseline="-25000" dirty="0"/>
-              <a:t>i </a:t>
-            </a:r>
-            <a:r>
-              <a:rPr lang="it-IT" sz="2000" dirty="0"/>
-              <a:t>, p</a:t>
-            </a:r>
-            <a:r>
-              <a:rPr lang="it-IT" sz="2000" baseline="-25000" dirty="0"/>
-              <a:t>i</a:t>
-            </a:r>
-          </a:p>
-        </p:txBody>
-      </p:sp>
-      <p:cxnSp>
-        <p:nvCxnSpPr>
-          <p:cNvPr id="13" name="Connettore 2 12">
-            <a:extLst>
-              <a:ext uri="{FF2B5EF4-FFF2-40B4-BE49-F238E27FC236}">
-                <a16:creationId xmlns:a16="http://schemas.microsoft.com/office/drawing/2014/main" id="{FA378C04-B5C4-4E0A-8EC3-081B26DAF82F}"/>
-              </a:ext>
-            </a:extLst>
-          </p:cNvPr>
-          <p:cNvCxnSpPr>
-            <a:cxnSpLocks/>
-            <a:stCxn id="10" idx="3"/>
-            <a:endCxn id="5" idx="1"/>
-          </p:cNvCxnSpPr>
-          <p:nvPr/>
-        </p:nvCxnSpPr>
-        <p:spPr bwMode="auto">
-          <a:xfrm>
-            <a:off x="1962337" y="2244008"/>
-            <a:ext cx="5029918" cy="477267"/>
-          </a:xfrm>
-          <a:prstGeom prst="straightConnector1">
-            <a:avLst/>
-          </a:prstGeom>
-          <a:ln>
-            <a:tailEnd type="triangle"/>
-          </a:ln>
-          <a:extLst>
-            <a:ext uri="{909E8E84-426E-40dd-AFC4-6F175D3DCCD1}">
-              <a14:hiddenFill xmlns="" xmlns:a14="http://schemas.microsoft.com/office/drawing/2010/main">
-                <a:solidFill>
-                  <a:schemeClr val="accent1"/>
-                </a:solidFill>
-              </a14:hiddenFill>
-            </a:ext>
-            <a:ext uri="{91240B29-F687-4f45-9708-019B960494DF}">
-              <a14:hiddenLine xmlns="" xmlns:a14="http://schemas.microsoft.com/office/drawing/2010/main" w="9525" cap="flat" cmpd="sng" algn="ctr">
-                <a:solidFill>
-                  <a:schemeClr val="tx1"/>
-                </a:solidFill>
-                <a:prstDash val="solid"/>
-                <a:round/>
-                <a:headEnd type="none" w="med" len="med"/>
-                <a:tailEnd type="none" w="med" len="med"/>
-              </a14:hiddenLine>
-            </a:ext>
-            <a:ext uri="{AF507438-7753-43e0-B8FC-AC1667EBCBE1}">
-              <a14:hiddenEffects xmlns="" xmlns:a14="http://schemas.microsoft.com/office/drawing/2010/main">
-                <a:effectLst>
-                  <a:outerShdw blurRad="63500" dist="38099" dir="2700000" algn="ctr" rotWithShape="0">
-                    <a:srgbClr val="000000">
-                      <a:alpha val="74998"/>
-                    </a:srgbClr>
-                  </a:outerShdw>
-                </a:effectLst>
-              </a14:hiddenEffects>
-            </a:ext>
-          </a:extLst>
-        </p:spPr>
-        <p:style>
-          <a:lnRef idx="1">
-            <a:schemeClr val="dk1"/>
-          </a:lnRef>
-          <a:fillRef idx="0">
-            <a:schemeClr val="dk1"/>
-          </a:fillRef>
-          <a:effectRef idx="0">
-            <a:schemeClr val="dk1"/>
-          </a:effectRef>
-          <a:fontRef idx="minor">
-            <a:schemeClr val="tx1"/>
-          </a:fontRef>
-        </p:style>
-      </p:cxnSp>
-      <p:cxnSp>
-        <p:nvCxnSpPr>
-          <p:cNvPr id="15" name="Connettore 2 14">
-            <a:extLst>
-              <a:ext uri="{FF2B5EF4-FFF2-40B4-BE49-F238E27FC236}">
-                <a16:creationId xmlns:a16="http://schemas.microsoft.com/office/drawing/2014/main" id="{1C22F128-FEB6-46D4-AFEF-FF9EE3622DB1}"/>
-              </a:ext>
-            </a:extLst>
-          </p:cNvPr>
-          <p:cNvCxnSpPr>
-            <a:cxnSpLocks/>
-            <a:endCxn id="5" idx="2"/>
-          </p:cNvCxnSpPr>
-          <p:nvPr/>
-        </p:nvCxnSpPr>
-        <p:spPr bwMode="auto">
-          <a:xfrm flipV="1">
-            <a:off x="1901697" y="2924944"/>
-            <a:ext cx="4974559" cy="103966"/>
-          </a:xfrm>
-          <a:prstGeom prst="straightConnector1">
-            <a:avLst/>
-          </a:prstGeom>
-          <a:ln>
-            <a:tailEnd type="triangle"/>
-          </a:ln>
-          <a:extLst>
-            <a:ext uri="{909E8E84-426E-40dd-AFC4-6F175D3DCCD1}">
-              <a14:hiddenFill xmlns:a14="http://schemas.microsoft.com/office/drawing/2010/main" xmlns="">
-                <a:solidFill>
-                  <a:schemeClr val="accent1"/>
-                </a:solidFill>
-              </a14:hiddenFill>
-            </a:ext>
-            <a:ext uri="{91240B29-F687-4f45-9708-019B960494DF}">
-              <a14:hiddenLine xmlns:a14="http://schemas.microsoft.com/office/drawing/2010/main" xmlns="" w="9525" cap="flat" cmpd="sng" algn="ctr">
-                <a:solidFill>
-                  <a:schemeClr val="tx1"/>
-                </a:solidFill>
-                <a:prstDash val="solid"/>
-                <a:round/>
-                <a:headEnd type="none" w="med" len="med"/>
-                <a:tailEnd type="none" w="med" len="med"/>
-              </a14:hiddenLine>
-            </a:ext>
-            <a:ext uri="{AF507438-7753-43e0-B8FC-AC1667EBCBE1}">
-              <a14:hiddenEffects xmlns:a14="http://schemas.microsoft.com/office/drawing/2010/main" xmlns="">
-                <a:effectLst>
-                  <a:outerShdw blurRad="63500" dist="38099" dir="2700000" algn="ctr" rotWithShape="0">
-                    <a:srgbClr val="000000">
-                      <a:alpha val="74998"/>
-                    </a:srgbClr>
-                  </a:outerShdw>
-                </a:effectLst>
-              </a14:hiddenEffects>
-            </a:ext>
-          </a:extLst>
-        </p:spPr>
-        <p:style>
-          <a:lnRef idx="1">
-            <a:schemeClr val="dk1"/>
-          </a:lnRef>
-          <a:fillRef idx="0">
-            <a:schemeClr val="dk1"/>
-          </a:fillRef>
-          <a:effectRef idx="0">
-            <a:schemeClr val="dk1"/>
-          </a:effectRef>
-          <a:fontRef idx="minor">
-            <a:schemeClr val="tx1"/>
-          </a:fontRef>
-        </p:style>
-      </p:cxnSp>
-      <p:cxnSp>
-        <p:nvCxnSpPr>
-          <p:cNvPr id="17" name="Connettore 2 16">
-            <a:extLst>
-              <a:ext uri="{FF2B5EF4-FFF2-40B4-BE49-F238E27FC236}">
-                <a16:creationId xmlns:a16="http://schemas.microsoft.com/office/drawing/2014/main" id="{706A8A4F-1AF9-4209-AA36-6B9FE38365B6}"/>
-              </a:ext>
-            </a:extLst>
-          </p:cNvPr>
-          <p:cNvCxnSpPr/>
-          <p:nvPr/>
-        </p:nvCxnSpPr>
-        <p:spPr bwMode="auto">
-          <a:xfrm>
-            <a:off x="1939417" y="4112150"/>
-            <a:ext cx="0" cy="0"/>
-          </a:xfrm>
-          <a:prstGeom prst="straightConnector1">
-            <a:avLst/>
-          </a:prstGeom>
-          <a:noFill/>
-          <a:ln>
-            <a:noFill/>
-            <a:tailEnd type="triangle"/>
-          </a:ln>
-          <a:effectLst/>
-          <a:extLst>
-            <a:ext uri="{909E8E84-426E-40dd-AFC4-6F175D3DCCD1}">
-              <a14:hiddenFill xmlns="" xmlns:a14="http://schemas.microsoft.com/office/drawing/2010/main">
-                <a:solidFill>
-                  <a:schemeClr val="accent1"/>
-                </a:solidFill>
-              </a14:hiddenFill>
-            </a:ext>
-            <a:ext uri="{91240B29-F687-4f45-9708-019B960494DF}">
-              <a14:hiddenLine xmlns="" xmlns:a14="http://schemas.microsoft.com/office/drawing/2010/main" w="9525" cap="flat" cmpd="sng" algn="ctr">
-                <a:solidFill>
-                  <a:schemeClr val="tx1"/>
-                </a:solidFill>
-                <a:prstDash val="solid"/>
-                <a:round/>
-                <a:headEnd type="none" w="med" len="med"/>
-                <a:tailEnd type="none" w="med" len="med"/>
-              </a14:hiddenLine>
-            </a:ext>
-            <a:ext uri="{AF507438-7753-43e0-B8FC-AC1667EBCBE1}">
-              <a14:hiddenEffects xmlns="" xmlns:a14="http://schemas.microsoft.com/office/drawing/2010/main">
-                <a:effectLst>
-                  <a:outerShdw blurRad="63500" dist="38099" dir="2700000" algn="ctr" rotWithShape="0">
-                    <a:srgbClr val="000000">
-                      <a:alpha val="74998"/>
-                    </a:srgbClr>
-                  </a:outerShdw>
-                </a:effectLst>
-              </a14:hiddenEffects>
-            </a:ext>
-          </a:extLst>
-        </p:spPr>
-      </p:cxnSp>
-      <p:cxnSp>
-        <p:nvCxnSpPr>
-          <p:cNvPr id="19" name="Connettore 2 18">
-            <a:extLst>
-              <a:ext uri="{FF2B5EF4-FFF2-40B4-BE49-F238E27FC236}">
-                <a16:creationId xmlns:a16="http://schemas.microsoft.com/office/drawing/2014/main" id="{AFD3836F-3645-45EE-8E7C-119D75925F4B}"/>
-              </a:ext>
-            </a:extLst>
-          </p:cNvPr>
-          <p:cNvCxnSpPr>
-            <a:cxnSpLocks/>
-            <a:endCxn id="5" idx="3"/>
-          </p:cNvCxnSpPr>
-          <p:nvPr/>
-        </p:nvCxnSpPr>
-        <p:spPr bwMode="auto">
-          <a:xfrm flipV="1">
-            <a:off x="1939417" y="3128613"/>
-            <a:ext cx="5052838" cy="983538"/>
-          </a:xfrm>
-          <a:prstGeom prst="straightConnector1">
-            <a:avLst/>
-          </a:prstGeom>
-          <a:ln>
-            <a:tailEnd type="triangle"/>
-          </a:ln>
-          <a:extLst>
-            <a:ext uri="{909E8E84-426E-40dd-AFC4-6F175D3DCCD1}">
-              <a14:hiddenFill xmlns:a14="http://schemas.microsoft.com/office/drawing/2010/main" xmlns="">
-                <a:solidFill>
-                  <a:schemeClr val="accent1"/>
-                </a:solidFill>
-              </a14:hiddenFill>
-            </a:ext>
-            <a:ext uri="{91240B29-F687-4f45-9708-019B960494DF}">
-              <a14:hiddenLine xmlns:a14="http://schemas.microsoft.com/office/drawing/2010/main" xmlns="" w="9525" cap="flat" cmpd="sng" algn="ctr">
-                <a:solidFill>
-                  <a:schemeClr val="tx1"/>
-                </a:solidFill>
-                <a:prstDash val="solid"/>
-                <a:round/>
-                <a:headEnd type="none" w="med" len="med"/>
-                <a:tailEnd type="none" w="med" len="med"/>
-              </a14:hiddenLine>
-            </a:ext>
-            <a:ext uri="{AF507438-7753-43e0-B8FC-AC1667EBCBE1}">
-              <a14:hiddenEffects xmlns:a14="http://schemas.microsoft.com/office/drawing/2010/main" xmlns="">
-                <a:effectLst>
-                  <a:outerShdw blurRad="63500" dist="38099" dir="2700000" algn="ctr" rotWithShape="0">
-                    <a:srgbClr val="000000">
-                      <a:alpha val="74998"/>
-                    </a:srgbClr>
-                  </a:outerShdw>
-                </a:effectLst>
-              </a14:hiddenEffects>
-            </a:ext>
-          </a:extLst>
-        </p:spPr>
         <p:style>
           <a:lnRef idx="1">
             <a:schemeClr val="dk1"/>
@@ -17610,14 +17610,14 @@
           </a:ln>
           <a:extLst>
             <a:ext uri="{909E8E84-426E-40dd-AFC4-6F175D3DCCD1}">
-              <a14:hiddenFill xmlns="" xmlns:a14="http://schemas.microsoft.com/office/drawing/2010/main">
+              <a14:hiddenFill xmlns:a14="http://schemas.microsoft.com/office/drawing/2010/main" xmlns="">
                 <a:solidFill>
                   <a:schemeClr val="accent1"/>
                 </a:solidFill>
               </a14:hiddenFill>
             </a:ext>
             <a:ext uri="{91240B29-F687-4f45-9708-019B960494DF}">
-              <a14:hiddenLine xmlns="" xmlns:a14="http://schemas.microsoft.com/office/drawing/2010/main" w="9525" cap="flat" cmpd="sng" algn="ctr">
+              <a14:hiddenLine xmlns:a14="http://schemas.microsoft.com/office/drawing/2010/main" xmlns="" w="9525" cap="flat" cmpd="sng" algn="ctr">
                 <a:solidFill>
                   <a:schemeClr val="tx1"/>
                 </a:solidFill>
@@ -17628,7 +17628,7 @@
               </a14:hiddenLine>
             </a:ext>
             <a:ext uri="{AF507438-7753-43e0-B8FC-AC1667EBCBE1}">
-              <a14:hiddenEffects xmlns="" xmlns:a14="http://schemas.microsoft.com/office/drawing/2010/main">
+              <a14:hiddenEffects xmlns:a14="http://schemas.microsoft.com/office/drawing/2010/main" xmlns="">
                 <a:effectLst>
                   <a:outerShdw blurRad="63500" dist="38099" dir="2700000" algn="ctr" rotWithShape="0">
                     <a:srgbClr val="000000">
@@ -24706,13 +24706,13 @@
         </p:nvSpPr>
         <p:spPr>
           <a:xfrm>
-            <a:off x="1619672" y="2132856"/>
-            <a:ext cx="5976664" cy="3096344"/>
+            <a:off x="395536" y="1844824"/>
+            <a:ext cx="8254355" cy="3384376"/>
           </a:xfrm>
         </p:spPr>
         <p:txBody>
           <a:bodyPr wrap="square" anchor="t">
-            <a:normAutofit/>
+            <a:normAutofit fontScale="92500"/>
           </a:bodyPr>
           <a:lstStyle/>
           <a:p>
@@ -24737,7 +24737,15 @@
             </a:pPr>
             <a:r>
               <a:rPr lang="it-IT" altLang="it-IT" sz="2800" dirty="0"/>
-              <a:t>with all the names of the components.</a:t>
+              <a:t>with all the names of the </a:t>
+            </a:r>
+            <a:r>
+              <a:rPr lang="it-IT" altLang="it-IT" sz="2800" dirty="0" err="1"/>
+              <a:t>components</a:t>
+            </a:r>
+            <a:r>
+              <a:rPr lang="it-IT" altLang="it-IT" sz="2800" dirty="0"/>
+              <a:t>.</a:t>
             </a:r>
           </a:p>
           <a:p>
@@ -24750,7 +24758,69 @@
             <a:pPr marL="0" indent="0" algn="ctr">
               <a:buNone/>
             </a:pPr>
-            <a:endParaRPr lang="it-IT" altLang="it-IT" sz="2800" dirty="0"/>
+            <a:r>
+              <a:rPr lang="it-IT" altLang="it-IT" sz="2800" u="sng" dirty="0" err="1"/>
+              <a:t>Otherwise</a:t>
+            </a:r>
+            <a:r>
+              <a:rPr lang="it-IT" altLang="it-IT" sz="2800" u="sng" dirty="0"/>
+              <a:t>, </a:t>
+            </a:r>
+            <a:r>
+              <a:rPr lang="it-IT" altLang="it-IT" sz="2800" u="sng" dirty="0" err="1"/>
+              <a:t>you</a:t>
+            </a:r>
+            <a:r>
+              <a:rPr lang="it-IT" altLang="it-IT" sz="2800" u="sng" dirty="0"/>
+              <a:t> can update the Excel file </a:t>
+            </a:r>
+            <a:r>
+              <a:rPr lang="it-IT" altLang="it-IT" sz="2800" u="sng" dirty="0" err="1"/>
+              <a:t>shared</a:t>
+            </a:r>
+            <a:r>
+              <a:rPr lang="it-IT" altLang="it-IT" sz="2800" u="sng" dirty="0"/>
+              <a:t> </a:t>
+            </a:r>
+            <a:r>
+              <a:rPr lang="it-IT" altLang="it-IT" sz="2800" u="sng" dirty="0" err="1"/>
+              <a:t>at</a:t>
+            </a:r>
+            <a:r>
+              <a:rPr lang="it-IT" altLang="it-IT" sz="2800" u="sng" dirty="0"/>
+              <a:t> </a:t>
+            </a:r>
+            <a:r>
+              <a:rPr lang="it-IT" altLang="it-IT" sz="2800" u="sng" dirty="0" err="1"/>
+              <a:t>this</a:t>
+            </a:r>
+            <a:r>
+              <a:rPr lang="it-IT" altLang="it-IT" sz="2800" u="sng" dirty="0"/>
+              <a:t> link:</a:t>
+            </a:r>
+          </a:p>
+          <a:p>
+            <a:pPr marL="0" indent="0" algn="ctr">
+              <a:buNone/>
+            </a:pPr>
+            <a:endParaRPr lang="it-IT" altLang="it-IT" sz="2800" u="sng" dirty="0"/>
+          </a:p>
+          <a:p>
+            <a:pPr marL="0" indent="0" algn="ctr">
+              <a:buNone/>
+            </a:pPr>
+            <a:r>
+              <a:rPr lang="it-IT" sz="1700" b="0" i="0" dirty="0">
+                <a:solidFill>
+                  <a:srgbClr val="24292E"/>
+                </a:solidFill>
+                <a:effectLst/>
+                <a:latin typeface="SFMono-Regular"/>
+                <a:hlinkClick r:id="rId3"/>
+              </a:rPr>
+              <a:t>https://drive.google.com/drive/folders/1YMwwPoekwJrw_-UYkZYUkTFqC8bqAy0F?usp=sharing</a:t>
+            </a:r>
+            <a:endParaRPr lang="it-IT" altLang="it-IT" sz="2200" dirty="0"/>
           </a:p>
           <a:p>
             <a:pPr marL="0" indent="0" algn="ctr">
@@ -25188,14 +25258,14 @@
         <a:effectLst/>
         <a:extLst>
           <a:ext uri="{909E8E84-426E-40dd-AFC4-6F175D3DCCD1}">
-            <a14:hiddenFill xmlns:a14="http://schemas.microsoft.com/office/drawing/2010/main" xmlns="">
+            <a14:hiddenFill xmlns="" xmlns:a14="http://schemas.microsoft.com/office/drawing/2010/main">
               <a:solidFill>
                 <a:schemeClr val="accent1"/>
               </a:solidFill>
             </a14:hiddenFill>
           </a:ext>
           <a:ext uri="{91240B29-F687-4f45-9708-019B960494DF}">
-            <a14:hiddenLine xmlns:a14="http://schemas.microsoft.com/office/drawing/2010/main" xmlns="" w="9525" cap="flat" cmpd="sng" algn="ctr">
+            <a14:hiddenLine xmlns="" xmlns:a14="http://schemas.microsoft.com/office/drawing/2010/main" w="9525" cap="flat" cmpd="sng" algn="ctr">
               <a:solidFill>
                 <a:schemeClr val="tx1"/>
               </a:solidFill>
@@ -25206,7 +25276,7 @@
             </a14:hiddenLine>
           </a:ext>
           <a:ext uri="{AF507438-7753-43e0-B8FC-AC1667EBCBE1}">
-            <a14:hiddenEffects xmlns:a14="http://schemas.microsoft.com/office/drawing/2010/main" xmlns="">
+            <a14:hiddenEffects xmlns="" xmlns:a14="http://schemas.microsoft.com/office/drawing/2010/main">
               <a:effectLst>
                 <a:outerShdw blurRad="63500" dist="38099" dir="2700000" algn="ctr" rotWithShape="0">
                   <a:srgbClr val="000000">
@@ -25275,14 +25345,14 @@
         <a:effectLst/>
         <a:extLst>
           <a:ext uri="{909E8E84-426E-40dd-AFC4-6F175D3DCCD1}">
-            <a14:hiddenFill xmlns:a14="http://schemas.microsoft.com/office/drawing/2010/main" xmlns="">
+            <a14:hiddenFill xmlns="" xmlns:a14="http://schemas.microsoft.com/office/drawing/2010/main">
               <a:solidFill>
                 <a:schemeClr val="accent1"/>
               </a:solidFill>
             </a14:hiddenFill>
           </a:ext>
           <a:ext uri="{91240B29-F687-4f45-9708-019B960494DF}">
-            <a14:hiddenLine xmlns:a14="http://schemas.microsoft.com/office/drawing/2010/main" xmlns="" w="9525" cap="flat" cmpd="sng" algn="ctr">
+            <a14:hiddenLine xmlns="" xmlns:a14="http://schemas.microsoft.com/office/drawing/2010/main" w="9525" cap="flat" cmpd="sng" algn="ctr">
               <a:solidFill>
                 <a:schemeClr val="tx1"/>
               </a:solidFill>
@@ -25293,7 +25363,7 @@
             </a14:hiddenLine>
           </a:ext>
           <a:ext uri="{AF507438-7753-43e0-B8FC-AC1667EBCBE1}">
-            <a14:hiddenEffects xmlns:a14="http://schemas.microsoft.com/office/drawing/2010/main" xmlns="">
+            <a14:hiddenEffects xmlns="" xmlns:a14="http://schemas.microsoft.com/office/drawing/2010/main">
               <a:effectLst>
                 <a:outerShdw blurRad="63500" dist="38099" dir="2700000" algn="ctr" rotWithShape="0">
                   <a:srgbClr val="000000">

--- a/Lectures Complete/Lectures Complete.pptx
+++ b/Lectures Complete/Lectures Complete.pptx
@@ -5,10 +5,10 @@
     <p:sldMasterId id="2147483678" r:id="rId1"/>
   </p:sldMasterIdLst>
   <p:notesMasterIdLst>
-    <p:notesMasterId r:id="rId81"/>
+    <p:notesMasterId r:id="rId84"/>
   </p:notesMasterIdLst>
   <p:handoutMasterIdLst>
-    <p:handoutMasterId r:id="rId82"/>
+    <p:handoutMasterId r:id="rId85"/>
   </p:handoutMasterIdLst>
   <p:sldIdLst>
     <p:sldId id="264" r:id="rId2"/>
@@ -88,8 +88,11 @@
     <p:sldId id="322" r:id="rId76"/>
     <p:sldId id="323" r:id="rId77"/>
     <p:sldId id="358" r:id="rId78"/>
-    <p:sldId id="351" r:id="rId79"/>
-    <p:sldId id="324" r:id="rId80"/>
+    <p:sldId id="359" r:id="rId79"/>
+    <p:sldId id="360" r:id="rId80"/>
+    <p:sldId id="362" r:id="rId81"/>
+    <p:sldId id="361" r:id="rId82"/>
+    <p:sldId id="324" r:id="rId83"/>
   </p:sldIdLst>
   <p:sldSz cx="9144000" cy="6858000" type="screen4x3"/>
   <p:notesSz cx="6858000" cy="9144000"/>
@@ -22349,8 +22352,13 @@
             </a:r>
             <a:r>
               <a:rPr lang="it-IT" dirty="0"/>
-              <a:t>HTTP, NNTP, SMTP, FTP, DNS, telnet, SSH</a:t>
-            </a:r>
+              <a:t>HTTP, FTP, DNS</a:t>
+            </a:r>
+            <a:r>
+              <a:rPr lang="it-IT"/>
+              <a:t>, telnet</a:t>
+            </a:r>
+            <a:endParaRPr lang="it-IT" dirty="0"/>
           </a:p>
           <a:p>
             <a:pPr marL="0" indent="0">
@@ -23778,7 +23786,47 @@
             </a:pPr>
             <a:r>
               <a:rPr lang="it-IT" dirty="0"/>
-              <a:t>In the last analysis the authors observed that the K-Means result replicate an already division of applications based on QoS requirements provided by Roughan et al[1]</a:t>
+              <a:t>In the last analysis the authors observed that the K-</a:t>
+            </a:r>
+            <a:r>
+              <a:rPr lang="it-IT" dirty="0" err="1"/>
+              <a:t>Means</a:t>
+            </a:r>
+            <a:r>
+              <a:rPr lang="it-IT" dirty="0"/>
+              <a:t> </a:t>
+            </a:r>
+            <a:r>
+              <a:rPr lang="it-IT" dirty="0" err="1"/>
+              <a:t>results</a:t>
+            </a:r>
+            <a:r>
+              <a:rPr lang="it-IT" dirty="0"/>
+              <a:t> replicate the </a:t>
+            </a:r>
+            <a:r>
+              <a:rPr lang="it-IT" dirty="0" err="1"/>
+              <a:t>applications</a:t>
+            </a:r>
+            <a:r>
+              <a:rPr lang="it-IT" dirty="0"/>
+              <a:t> </a:t>
+            </a:r>
+            <a:r>
+              <a:rPr lang="it-IT" dirty="0" err="1"/>
+              <a:t>differentiation</a:t>
+            </a:r>
+            <a:r>
+              <a:rPr lang="it-IT" dirty="0"/>
+              <a:t> </a:t>
+            </a:r>
+            <a:r>
+              <a:rPr lang="it-IT" dirty="0" err="1"/>
+              <a:t>based</a:t>
+            </a:r>
+            <a:r>
+              <a:rPr lang="it-IT" dirty="0"/>
+              <a:t> on QoS requirements provided by Roughan et al[1]</a:t>
             </a:r>
           </a:p>
           <a:p>
@@ -24207,7 +24255,12 @@
             <p:ph type="title"/>
           </p:nvPr>
         </p:nvSpPr>
-        <p:spPr/>
+        <p:spPr>
+          <a:xfrm>
+            <a:off x="1259632" y="980728"/>
+            <a:ext cx="7415659" cy="504825"/>
+          </a:xfrm>
+        </p:spPr>
         <p:txBody>
           <a:bodyPr/>
           <a:lstStyle/>
@@ -24237,39 +24290,28 @@
         </p:nvSpPr>
         <p:spPr>
           <a:xfrm>
-            <a:off x="323528" y="1752600"/>
-            <a:ext cx="8568952" cy="4196680"/>
+            <a:off x="257234" y="1556792"/>
+            <a:ext cx="8856984" cy="4412704"/>
           </a:xfrm>
         </p:spPr>
         <p:txBody>
           <a:bodyPr/>
           <a:lstStyle/>
           <a:p>
-            <a:pPr marL="0" indent="0">
-              <a:buNone/>
-            </a:pPr>
+            <a:pPr marL="457200" indent="-457200" algn="ctr">
+              <a:buAutoNum type="alphaUcParenR"/>
+            </a:pPr>
+            <a:r>
+              <a:rPr lang="it-IT" dirty="0" err="1"/>
+              <a:t>Extract</a:t>
+            </a:r>
             <a:r>
               <a:rPr lang="it-IT" dirty="0"/>
-              <a:t>A) Extract 1 million of packets from the available data, replicate the statistical analysis observed during lecture 2 and trying to implement one additional evaluation (e.g. graph topology)</a:t>
-            </a:r>
-          </a:p>
-          <a:p>
-            <a:pPr marL="0" indent="0">
-              <a:buNone/>
-            </a:pPr>
-            <a:endParaRPr lang="it-IT" dirty="0"/>
-          </a:p>
-          <a:p>
-            <a:pPr marL="0" indent="0">
-              <a:buNone/>
-            </a:pPr>
-            <a:r>
-              <a:rPr lang="it-IT" dirty="0"/>
-              <a:t>B) Using the same dataset, you can cut the time interval as you want trying to replicate or Supervised methodology or Unsupervised methodology(). Summarizing results according to the accuracy and </a:t>
+              <a:t> 1 million of packets from the available data, replicate the statistical analysis observed </a:t>
             </a:r>
             <a:r>
               <a:rPr lang="it-IT" dirty="0" err="1"/>
-              <a:t>other</a:t>
+              <a:t>during</a:t>
             </a:r>
             <a:r>
               <a:rPr lang="it-IT" dirty="0"/>
@@ -24277,28 +24319,295 @@
             </a:r>
             <a:r>
               <a:rPr lang="it-IT" dirty="0" err="1"/>
-              <a:t>metrics</a:t>
+              <a:t>Lecture</a:t>
             </a:r>
             <a:r>
               <a:rPr lang="it-IT" dirty="0"/>
-              <a:t> related to the label considered.</a:t>
-            </a:r>
-          </a:p>
-          <a:p>
+              <a:t> 2. </a:t>
+            </a:r>
+            <a:r>
+              <a:rPr lang="it-IT" dirty="0">
+                <a:highlight>
+                  <a:srgbClr val="FFFF00"/>
+                </a:highlight>
+              </a:rPr>
+              <a:t>FOLLOW the LIST!</a:t>
+            </a:r>
+          </a:p>
+          <a:p>
+            <a:pPr marL="457200" indent="-457200" algn="ctr">
+              <a:buAutoNum type="alphaUcParenR"/>
+            </a:pPr>
+            <a:endParaRPr lang="it-IT" dirty="0">
+              <a:highlight>
+                <a:srgbClr val="FFFF00"/>
+              </a:highlight>
+            </a:endParaRPr>
+          </a:p>
+          <a:p>
+            <a:pPr marL="857250" lvl="1" indent="-457200">
+              <a:buAutoNum type="arabicParenR"/>
+            </a:pPr>
+            <a:r>
+              <a:rPr lang="it-IT" dirty="0" err="1"/>
+              <a:t>Extract</a:t>
+            </a:r>
+            <a:r>
+              <a:rPr lang="it-IT" dirty="0"/>
+              <a:t> general info from </a:t>
+            </a:r>
+            <a:r>
+              <a:rPr lang="it-IT" dirty="0" err="1"/>
+              <a:t>your</a:t>
+            </a:r>
+            <a:r>
+              <a:rPr lang="it-IT" dirty="0"/>
+              <a:t> trace </a:t>
+            </a:r>
+            <a:r>
+              <a:rPr lang="it-IT" dirty="0" err="1"/>
+              <a:t>using</a:t>
+            </a:r>
+            <a:r>
+              <a:rPr lang="it-IT" dirty="0"/>
+              <a:t> </a:t>
+            </a:r>
+            <a:r>
+              <a:rPr lang="it-IT" dirty="0" err="1"/>
+              <a:t>capinfos</a:t>
+            </a:r>
+            <a:r>
+              <a:rPr lang="it-IT" dirty="0"/>
+              <a:t>;</a:t>
+            </a:r>
+          </a:p>
+          <a:p>
+            <a:pPr marL="857250" lvl="1" indent="-457200">
+              <a:buAutoNum type="arabicParenR"/>
+            </a:pPr>
             <a:endParaRPr lang="it-IT" dirty="0"/>
           </a:p>
           <a:p>
-            <a:r>
-              <a:rPr lang="it-IT" sz="1600" dirty="0"/>
-              <a:t>**You can both replicate DSCP analysis or change the label for example classify TCP and UDP. You have complete freedom about the label and the algorithm for classification</a:t>
-            </a:r>
+            <a:pPr marL="857250" lvl="1" indent="-457200">
+              <a:buAutoNum type="arabicParenR"/>
+            </a:pPr>
+            <a:r>
+              <a:rPr lang="it-IT" dirty="0"/>
+              <a:t>Time Evaluation </a:t>
+            </a:r>
+            <a:r>
+              <a:rPr lang="it-IT" dirty="0" err="1"/>
+              <a:t>between</a:t>
+            </a:r>
+            <a:r>
+              <a:rPr lang="it-IT" dirty="0"/>
+              <a:t> </a:t>
+            </a:r>
+            <a:r>
+              <a:rPr lang="it-IT" dirty="0" err="1"/>
+              <a:t>Sequential</a:t>
+            </a:r>
+            <a:r>
+              <a:rPr lang="it-IT" dirty="0"/>
+              <a:t> and </a:t>
+            </a:r>
+            <a:r>
+              <a:rPr lang="it-IT" dirty="0" err="1"/>
+              <a:t>Parallel</a:t>
+            </a:r>
+            <a:r>
+              <a:rPr lang="it-IT" dirty="0"/>
+              <a:t> reading;</a:t>
+            </a:r>
+          </a:p>
+          <a:p>
+            <a:pPr marL="857250" lvl="1" indent="-457200">
+              <a:buAutoNum type="arabicParenR"/>
+            </a:pPr>
+            <a:endParaRPr lang="it-IT" dirty="0"/>
+          </a:p>
+          <a:p>
+            <a:pPr marL="857250" lvl="1" indent="-457200">
+              <a:buAutoNum type="arabicParenR"/>
+            </a:pPr>
+            <a:r>
+              <a:rPr lang="it-IT" dirty="0" err="1"/>
+              <a:t>Extract</a:t>
+            </a:r>
+            <a:r>
+              <a:rPr lang="it-IT" dirty="0"/>
+              <a:t> the IP </a:t>
+            </a:r>
+            <a:r>
+              <a:rPr lang="it-IT" dirty="0" err="1"/>
+              <a:t>which</a:t>
+            </a:r>
+            <a:r>
+              <a:rPr lang="it-IT" dirty="0"/>
+              <a:t> </a:t>
+            </a:r>
+            <a:r>
+              <a:rPr lang="it-IT" dirty="0" err="1"/>
+              <a:t>generates</a:t>
+            </a:r>
+            <a:r>
+              <a:rPr lang="it-IT" dirty="0"/>
+              <a:t> the </a:t>
+            </a:r>
+            <a:r>
+              <a:rPr lang="it-IT" dirty="0" err="1"/>
+              <a:t>highest</a:t>
+            </a:r>
+            <a:r>
+              <a:rPr lang="it-IT" dirty="0"/>
+              <a:t> </a:t>
+            </a:r>
+            <a:r>
+              <a:rPr lang="it-IT" dirty="0" err="1"/>
+              <a:t>amount</a:t>
+            </a:r>
+            <a:r>
+              <a:rPr lang="it-IT" dirty="0"/>
+              <a:t> of </a:t>
+            </a:r>
+            <a:r>
+              <a:rPr lang="it-IT" dirty="0" err="1"/>
+              <a:t>sender</a:t>
+            </a:r>
+            <a:r>
+              <a:rPr lang="it-IT" dirty="0"/>
+              <a:t> </a:t>
+            </a:r>
+            <a:r>
+              <a:rPr lang="it-IT" dirty="0" err="1"/>
+              <a:t>traffic</a:t>
+            </a:r>
+            <a:r>
+              <a:rPr lang="it-IT" dirty="0"/>
+              <a:t>, </a:t>
+            </a:r>
+            <a:r>
+              <a:rPr lang="it-IT" dirty="0" err="1"/>
+              <a:t>evaluate</a:t>
+            </a:r>
+            <a:r>
+              <a:rPr lang="it-IT" dirty="0"/>
+              <a:t> the bit rate (0.1 sec) for the 6 IP </a:t>
+            </a:r>
+            <a:r>
+              <a:rPr lang="it-IT" dirty="0" err="1"/>
+              <a:t>addresses</a:t>
+            </a:r>
+            <a:r>
+              <a:rPr lang="it-IT" dirty="0"/>
+              <a:t> </a:t>
+            </a:r>
+            <a:r>
+              <a:rPr lang="it-IT" dirty="0" err="1"/>
+              <a:t>mostly</a:t>
+            </a:r>
+            <a:r>
+              <a:rPr lang="it-IT" dirty="0"/>
+              <a:t> </a:t>
+            </a:r>
+            <a:r>
+              <a:rPr lang="it-IT" dirty="0" err="1"/>
+              <a:t>used</a:t>
+            </a:r>
+            <a:r>
+              <a:rPr lang="it-IT" dirty="0"/>
+              <a:t> </a:t>
+            </a:r>
+            <a:r>
+              <a:rPr lang="it-IT" dirty="0" err="1"/>
+              <a:t>as</a:t>
+            </a:r>
+            <a:r>
+              <a:rPr lang="it-IT" dirty="0"/>
+              <a:t> endpoint</a:t>
+            </a:r>
+          </a:p>
+          <a:p>
+            <a:pPr marL="857250" lvl="1" indent="-457200">
+              <a:buAutoNum type="arabicParenR"/>
+            </a:pPr>
+            <a:endParaRPr lang="it-IT" dirty="0"/>
+          </a:p>
+          <a:p>
+            <a:pPr marL="857250" lvl="1" indent="-457200">
+              <a:buAutoNum type="arabicParenR"/>
+            </a:pPr>
+            <a:r>
+              <a:rPr lang="it-IT" dirty="0"/>
+              <a:t>Top 5 </a:t>
+            </a:r>
+            <a:r>
+              <a:rPr lang="it-IT" dirty="0" err="1"/>
+              <a:t>Destination</a:t>
+            </a:r>
+            <a:r>
+              <a:rPr lang="it-IT" dirty="0"/>
+              <a:t> IP (</a:t>
+            </a:r>
+            <a:r>
+              <a:rPr lang="it-IT" dirty="0" err="1"/>
+              <a:t>received</a:t>
+            </a:r>
+            <a:r>
+              <a:rPr lang="it-IT" dirty="0"/>
+              <a:t> bytes) and Top 5 Source IP (</a:t>
+            </a:r>
+            <a:r>
+              <a:rPr lang="it-IT" dirty="0" err="1"/>
+              <a:t>sent</a:t>
+            </a:r>
+            <a:r>
+              <a:rPr lang="it-IT" dirty="0"/>
+              <a:t> bytes)</a:t>
+            </a:r>
+          </a:p>
+          <a:p>
+            <a:pPr marL="857250" lvl="1" indent="-457200">
+              <a:buAutoNum type="arabicParenR"/>
+            </a:pPr>
+            <a:endParaRPr lang="it-IT" dirty="0"/>
+          </a:p>
+          <a:p>
+            <a:pPr marL="400050" lvl="1" indent="0">
+              <a:buNone/>
+            </a:pPr>
+            <a:endParaRPr lang="it-IT" dirty="0"/>
+          </a:p>
+          <a:p>
+            <a:pPr marL="857250" lvl="1" indent="-457200">
+              <a:buAutoNum type="arabicParenR"/>
+            </a:pPr>
+            <a:endParaRPr lang="it-IT" dirty="0"/>
+          </a:p>
+          <a:p>
+            <a:pPr marL="857250" lvl="1" indent="-457200">
+              <a:buAutoNum type="arabicParenR"/>
+            </a:pPr>
+            <a:endParaRPr lang="it-IT" dirty="0"/>
+          </a:p>
+          <a:p>
+            <a:pPr marL="857250" lvl="1" indent="-457200">
+              <a:buAutoNum type="arabicParenR"/>
+            </a:pPr>
+            <a:endParaRPr lang="it-IT" dirty="0"/>
+          </a:p>
+          <a:p>
+            <a:pPr marL="0" indent="0">
+              <a:buNone/>
+            </a:pPr>
+            <a:endParaRPr lang="it-IT" dirty="0"/>
           </a:p>
         </p:txBody>
       </p:sp>
     </p:spTree>
     <p:extLst>
       <p:ext uri="{BB962C8B-B14F-4D97-AF65-F5344CB8AC3E}">
-        <p14:creationId xmlns:p14="http://schemas.microsoft.com/office/powerpoint/2010/main" val="2845226192"/>
+        <p14:creationId xmlns:p14="http://schemas.microsoft.com/office/powerpoint/2010/main" val="1671780618"/>
       </p:ext>
     </p:extLst>
   </p:cSld>
@@ -24325,310 +24634,330 @@
           <a:chExt cx="0" cy="0"/>
         </a:xfrm>
       </p:grpSpPr>
-      <p:pic>
-        <p:nvPicPr>
-          <p:cNvPr id="9" name="Immagine 8" descr="Immagine che contiene donna&#10;&#10;Descrizione generata automaticamente">
+      <p:sp>
+        <p:nvSpPr>
+          <p:cNvPr id="2" name="Titolo 1">
             <a:extLst>
               <a:ext uri="{FF2B5EF4-FFF2-40B4-BE49-F238E27FC236}">
-                <a16:creationId xmlns:a16="http://schemas.microsoft.com/office/drawing/2014/main" id="{7271360F-916C-44E7-9FCD-460D9976447C}"/>
+                <a16:creationId xmlns:a16="http://schemas.microsoft.com/office/drawing/2014/main" id="{7855A804-757E-4B54-A4A8-A5221E526889}"/>
               </a:ext>
             </a:extLst>
           </p:cNvPr>
-          <p:cNvPicPr>
-            <a:picLocks noChangeAspect="1"/>
-          </p:cNvPicPr>
-          <p:nvPr/>
-        </p:nvPicPr>
-        <p:blipFill>
-          <a:blip r:embed="rId2"/>
-          <a:stretch>
-            <a:fillRect/>
-          </a:stretch>
-        </p:blipFill>
-        <p:spPr>
-          <a:xfrm>
-            <a:off x="4427984" y="1211767"/>
-            <a:ext cx="4018541" cy="4032447"/>
-          </a:xfrm>
-          <a:prstGeom prst="rect">
-            <a:avLst/>
-          </a:prstGeom>
-          <a:noFill/>
-        </p:spPr>
-      </p:pic>
+          <p:cNvSpPr>
+            <a:spLocks noGrp="1"/>
+          </p:cNvSpPr>
+          <p:nvPr>
+            <p:ph type="title"/>
+          </p:nvPr>
+        </p:nvSpPr>
+        <p:spPr/>
+        <p:txBody>
+          <a:bodyPr/>
+          <a:lstStyle/>
+          <a:p>
+            <a:r>
+              <a:rPr lang="it-IT" dirty="0"/>
+              <a:t>Project Assignment</a:t>
+            </a:r>
+          </a:p>
+        </p:txBody>
+      </p:sp>
       <p:sp>
         <p:nvSpPr>
-          <p:cNvPr id="10" name="Segnaposto testo 2">
+          <p:cNvPr id="4" name="Segnaposto contenuto 3">
             <a:extLst>
               <a:ext uri="{FF2B5EF4-FFF2-40B4-BE49-F238E27FC236}">
-                <a16:creationId xmlns:a16="http://schemas.microsoft.com/office/drawing/2014/main" id="{A67F8E37-437C-4404-A7BA-291C99B26AC2}"/>
+                <a16:creationId xmlns:a16="http://schemas.microsoft.com/office/drawing/2014/main" id="{1B9F181D-C53C-4ADF-B871-B3DD739C905D}"/>
               </a:ext>
             </a:extLst>
           </p:cNvPr>
-          <p:cNvSpPr txBox="1">
-            <a:spLocks/>
+          <p:cNvSpPr>
+            <a:spLocks noGrp="1"/>
           </p:cNvSpPr>
-          <p:nvPr/>
+          <p:nvPr>
+            <p:ph sz="half" idx="2"/>
+          </p:nvPr>
         </p:nvSpPr>
-        <p:spPr bwMode="auto">
+        <p:spPr>
           <a:xfrm>
-            <a:off x="542824" y="1606994"/>
-            <a:ext cx="3381104" cy="3982246"/>
-          </a:xfrm>
-          <a:prstGeom prst="rect">
-            <a:avLst/>
-          </a:prstGeom>
-          <a:noFill/>
-          <a:ln>
-            <a:noFill/>
-          </a:ln>
-          <a:extLst>
-            <a:ext uri="{909E8E84-426E-40DD-AFC4-6F175D3DCCD1}">
-              <a14:hiddenFill xmlns:a14="http://schemas.microsoft.com/office/drawing/2010/main">
-                <a:solidFill>
-                  <a:schemeClr val="accent1"/>
-                </a:solidFill>
-              </a14:hiddenFill>
-            </a:ext>
-            <a:ext uri="{91240B29-F687-4F45-9708-019B960494DF}">
-              <a14:hiddenLine xmlns:a14="http://schemas.microsoft.com/office/drawing/2010/main" w="9525">
-                <a:solidFill>
-                  <a:schemeClr val="tx1"/>
-                </a:solidFill>
-                <a:miter lim="800000"/>
-                <a:headEnd/>
-                <a:tailEnd/>
-              </a14:hiddenLine>
-            </a:ext>
-          </a:extLst>
+            <a:off x="179512" y="1752600"/>
+            <a:ext cx="8856984" cy="4196680"/>
+          </a:xfrm>
         </p:spPr>
         <p:txBody>
-          <a:bodyPr vert="horz" wrap="square" lIns="91440" tIns="45720" rIns="91440" bIns="45720" numCol="1" anchor="t" anchorCtr="0" compatLnSpc="1">
-            <a:prstTxWarp prst="textNoShape">
-              <a:avLst/>
-            </a:prstTxWarp>
-            <a:normAutofit fontScale="70000" lnSpcReduction="20000"/>
-          </a:bodyPr>
-          <a:lstStyle>
-            <a:lvl1pPr marL="342900" indent="-342900" algn="l" rtl="0" eaLnBrk="0" fontAlgn="base" hangingPunct="0">
-              <a:spcBef>
-                <a:spcPct val="20000"/>
-              </a:spcBef>
-              <a:spcAft>
-                <a:spcPct val="0"/>
-              </a:spcAft>
-              <a:buClr>
-                <a:srgbClr val="822433"/>
-              </a:buClr>
-              <a:buChar char="•"/>
-              <a:defRPr sz="2400">
-                <a:solidFill>
-                  <a:srgbClr val="000000"/>
-                </a:solidFill>
-                <a:latin typeface="Calibri"/>
-                <a:ea typeface="MS PGothic" panose="020B0600070205080204" pitchFamily="34" charset="-128"/>
-                <a:cs typeface="ＭＳ Ｐゴシック" charset="0"/>
-              </a:defRPr>
-            </a:lvl1pPr>
-            <a:lvl2pPr marL="742950" indent="-285750" algn="l" rtl="0" eaLnBrk="0" fontAlgn="base" hangingPunct="0">
-              <a:spcBef>
-                <a:spcPct val="20000"/>
-              </a:spcBef>
-              <a:spcAft>
-                <a:spcPct val="0"/>
-              </a:spcAft>
-              <a:buChar char="–"/>
-              <a:defRPr sz="2000">
-                <a:solidFill>
-                  <a:srgbClr val="000000"/>
-                </a:solidFill>
-                <a:latin typeface="Calibri"/>
-                <a:ea typeface="MS PGothic" panose="020B0600070205080204" pitchFamily="34" charset="-128"/>
-              </a:defRPr>
-            </a:lvl2pPr>
-            <a:lvl3pPr marL="1143000" indent="-228600" algn="l" rtl="0" eaLnBrk="0" fontAlgn="base" hangingPunct="0">
-              <a:spcBef>
-                <a:spcPct val="20000"/>
-              </a:spcBef>
-              <a:spcAft>
-                <a:spcPct val="0"/>
-              </a:spcAft>
-              <a:buChar char="•"/>
-              <a:defRPr sz="1600">
-                <a:solidFill>
-                  <a:srgbClr val="000000"/>
-                </a:solidFill>
-                <a:latin typeface="Calibri"/>
-                <a:ea typeface="MS PGothic" panose="020B0600070205080204" pitchFamily="34" charset="-128"/>
-              </a:defRPr>
-            </a:lvl3pPr>
-            <a:lvl4pPr marL="1562100" indent="-228600" algn="l" rtl="0" eaLnBrk="0" fontAlgn="base" hangingPunct="0">
-              <a:spcBef>
-                <a:spcPct val="20000"/>
-              </a:spcBef>
-              <a:spcAft>
-                <a:spcPct val="0"/>
-              </a:spcAft>
-              <a:buChar char="–"/>
-              <a:defRPr sz="1400">
-                <a:solidFill>
-                  <a:srgbClr val="000000"/>
-                </a:solidFill>
-                <a:latin typeface="Calibri"/>
-                <a:ea typeface="MS PGothic" panose="020B0600070205080204" pitchFamily="34" charset="-128"/>
-              </a:defRPr>
-            </a:lvl4pPr>
-            <a:lvl5pPr marL="1981200" indent="-228600" algn="l" rtl="0" eaLnBrk="0" fontAlgn="base" hangingPunct="0">
-              <a:spcBef>
-                <a:spcPct val="20000"/>
-              </a:spcBef>
-              <a:spcAft>
-                <a:spcPct val="0"/>
-              </a:spcAft>
-              <a:buChar char="»"/>
-              <a:defRPr sz="1200">
-                <a:solidFill>
-                  <a:srgbClr val="000000"/>
-                </a:solidFill>
-                <a:latin typeface="Calibri"/>
-                <a:ea typeface="MS PGothic" panose="020B0600070205080204" pitchFamily="34" charset="-128"/>
-              </a:defRPr>
-            </a:lvl5pPr>
-            <a:lvl6pPr marL="2438400" indent="-228600" algn="l" rtl="0" eaLnBrk="1" fontAlgn="base" hangingPunct="1">
-              <a:spcBef>
-                <a:spcPct val="20000"/>
-              </a:spcBef>
-              <a:spcAft>
-                <a:spcPct val="0"/>
-              </a:spcAft>
-              <a:buChar char="»"/>
-              <a:defRPr sz="1200">
-                <a:solidFill>
-                  <a:srgbClr val="000000"/>
-                </a:solidFill>
-                <a:latin typeface="+mn-lt"/>
-                <a:ea typeface="+mn-ea"/>
-              </a:defRPr>
-            </a:lvl6pPr>
-            <a:lvl7pPr marL="2895600" indent="-228600" algn="l" rtl="0" eaLnBrk="1" fontAlgn="base" hangingPunct="1">
-              <a:spcBef>
-                <a:spcPct val="20000"/>
-              </a:spcBef>
-              <a:spcAft>
-                <a:spcPct val="0"/>
-              </a:spcAft>
-              <a:buChar char="»"/>
-              <a:defRPr sz="1200">
-                <a:solidFill>
-                  <a:srgbClr val="000000"/>
-                </a:solidFill>
-                <a:latin typeface="+mn-lt"/>
-                <a:ea typeface="+mn-ea"/>
-              </a:defRPr>
-            </a:lvl7pPr>
-            <a:lvl8pPr marL="3352800" indent="-228600" algn="l" rtl="0" eaLnBrk="1" fontAlgn="base" hangingPunct="1">
-              <a:spcBef>
-                <a:spcPct val="20000"/>
-              </a:spcBef>
-              <a:spcAft>
-                <a:spcPct val="0"/>
-              </a:spcAft>
-              <a:buChar char="»"/>
-              <a:defRPr sz="1200">
-                <a:solidFill>
-                  <a:srgbClr val="000000"/>
-                </a:solidFill>
-                <a:latin typeface="+mn-lt"/>
-                <a:ea typeface="+mn-ea"/>
-              </a:defRPr>
-            </a:lvl8pPr>
-            <a:lvl9pPr marL="3810000" indent="-228600" algn="l" rtl="0" eaLnBrk="1" fontAlgn="base" hangingPunct="1">
-              <a:spcBef>
-                <a:spcPct val="20000"/>
-              </a:spcBef>
-              <a:spcAft>
-                <a:spcPct val="0"/>
-              </a:spcAft>
-              <a:buChar char="»"/>
-              <a:defRPr sz="1200">
-                <a:solidFill>
-                  <a:srgbClr val="000000"/>
-                </a:solidFill>
-                <a:latin typeface="+mn-lt"/>
-                <a:ea typeface="+mn-ea"/>
-              </a:defRPr>
-            </a:lvl9pPr>
-          </a:lstStyle>
-          <a:p>
-            <a:pPr marL="0" indent="0" algn="ctr">
-              <a:buNone/>
-            </a:pPr>
-            <a:r>
-              <a:rPr lang="it-IT" sz="7700" kern="0" dirty="0">
-                <a:latin typeface="Calibri"/>
-                <a:ea typeface="MS PGothic" panose="020B0600070205080204" pitchFamily="34" charset="-128"/>
-                <a:cs typeface="ＭＳ Ｐゴシック" charset="0"/>
-              </a:rPr>
-              <a:t>Thank you for your attention !</a:t>
-            </a:r>
+          <a:bodyPr/>
+          <a:lstStyle/>
+          <a:p>
+            <a:pPr marL="400050" lvl="1" indent="0">
+              <a:buNone/>
+            </a:pPr>
+            <a:r>
+              <a:rPr lang="it-IT" dirty="0"/>
+              <a:t>5) </a:t>
+            </a:r>
+            <a:r>
+              <a:rPr lang="it-IT" dirty="0" err="1"/>
+              <a:t>Evaluate</a:t>
+            </a:r>
+            <a:r>
+              <a:rPr lang="it-IT" dirty="0"/>
+              <a:t> </a:t>
+            </a:r>
+            <a:r>
+              <a:rPr lang="it-IT" dirty="0" err="1"/>
+              <a:t>bitRate</a:t>
+            </a:r>
+            <a:r>
+              <a:rPr lang="it-IT" dirty="0"/>
+              <a:t> </a:t>
+            </a:r>
+            <a:r>
+              <a:rPr lang="it-IT" dirty="0" err="1"/>
+              <a:t>considering</a:t>
+            </a:r>
+            <a:r>
+              <a:rPr lang="it-IT" dirty="0"/>
+              <a:t> </a:t>
+            </a:r>
+            <a:r>
+              <a:rPr lang="it-IT" dirty="0" err="1"/>
+              <a:t>all</a:t>
+            </a:r>
+            <a:r>
+              <a:rPr lang="it-IT" dirty="0"/>
+              <a:t> the trace with 3 </a:t>
+            </a:r>
+            <a:r>
+              <a:rPr lang="it-IT" dirty="0" err="1"/>
+              <a:t>different</a:t>
+            </a:r>
+            <a:r>
+              <a:rPr lang="it-IT" dirty="0"/>
+              <a:t> sampling rate</a:t>
+            </a:r>
+          </a:p>
+          <a:p>
+            <a:pPr marL="400050" lvl="1" indent="0">
+              <a:buNone/>
+            </a:pPr>
+            <a:endParaRPr lang="it-IT" dirty="0"/>
+          </a:p>
+          <a:p>
+            <a:pPr marL="400050" lvl="1" indent="0">
+              <a:buNone/>
+            </a:pPr>
+            <a:r>
+              <a:rPr lang="it-IT" dirty="0"/>
+              <a:t>6) </a:t>
+            </a:r>
+            <a:r>
+              <a:rPr lang="it-IT" dirty="0" err="1"/>
+              <a:t>GeoLocal</a:t>
+            </a:r>
+            <a:r>
+              <a:rPr lang="it-IT" dirty="0"/>
+              <a:t> </a:t>
+            </a:r>
+            <a:r>
+              <a:rPr lang="it-IT" dirty="0" err="1"/>
+              <a:t>Referenciation</a:t>
+            </a:r>
+            <a:r>
+              <a:rPr lang="it-IT" dirty="0"/>
+              <a:t> of the 5 sessions with the </a:t>
+            </a:r>
+            <a:r>
+              <a:rPr lang="it-IT" dirty="0" err="1"/>
+              <a:t>highest</a:t>
+            </a:r>
+            <a:r>
+              <a:rPr lang="it-IT" dirty="0"/>
+              <a:t> </a:t>
+            </a:r>
+            <a:r>
+              <a:rPr lang="it-IT" dirty="0" err="1"/>
+              <a:t>amount</a:t>
+            </a:r>
+            <a:r>
+              <a:rPr lang="it-IT" dirty="0"/>
+              <a:t> of </a:t>
+            </a:r>
+            <a:r>
+              <a:rPr lang="it-IT" dirty="0" err="1"/>
+              <a:t>traffic</a:t>
+            </a:r>
+            <a:r>
+              <a:rPr lang="it-IT" dirty="0"/>
+              <a:t> </a:t>
+            </a:r>
+            <a:r>
+              <a:rPr lang="it-IT" dirty="0" err="1"/>
+              <a:t>generated</a:t>
+            </a:r>
+            <a:r>
+              <a:rPr lang="it-IT" dirty="0"/>
+              <a:t>;</a:t>
+            </a:r>
+          </a:p>
+          <a:p>
+            <a:pPr marL="857250" lvl="1" indent="-457200">
+              <a:buAutoNum type="arabicParenR"/>
+            </a:pPr>
+            <a:endParaRPr lang="it-IT" dirty="0"/>
+          </a:p>
+          <a:p>
+            <a:pPr marL="400050" lvl="1" indent="0">
+              <a:buNone/>
+            </a:pPr>
+            <a:r>
+              <a:rPr lang="it-IT" dirty="0"/>
+              <a:t>7) 10 </a:t>
+            </a:r>
+            <a:r>
+              <a:rPr lang="it-IT" dirty="0" err="1"/>
+              <a:t>Protocol</a:t>
+            </a:r>
+            <a:r>
+              <a:rPr lang="it-IT" dirty="0"/>
+              <a:t> </a:t>
+            </a:r>
+            <a:r>
+              <a:rPr lang="it-IT" dirty="0" err="1"/>
+              <a:t>mostly</a:t>
+            </a:r>
+            <a:r>
+              <a:rPr lang="it-IT" dirty="0"/>
+              <a:t> </a:t>
+            </a:r>
+            <a:r>
+              <a:rPr lang="it-IT" dirty="0" err="1"/>
+              <a:t>used</a:t>
+            </a:r>
+            <a:r>
+              <a:rPr lang="it-IT" dirty="0"/>
+              <a:t>;</a:t>
+            </a:r>
+          </a:p>
+          <a:p>
+            <a:pPr marL="400050" lvl="1" indent="0">
+              <a:buNone/>
+            </a:pPr>
+            <a:endParaRPr lang="it-IT" dirty="0"/>
+          </a:p>
+          <a:p>
+            <a:pPr marL="400050" lvl="1" indent="0">
+              <a:buNone/>
+            </a:pPr>
+            <a:r>
+              <a:rPr lang="it-IT" dirty="0"/>
+              <a:t>8) Port Scanner </a:t>
+            </a:r>
+            <a:r>
+              <a:rPr lang="it-IT" dirty="0" err="1"/>
+              <a:t>evaluation</a:t>
+            </a:r>
+            <a:r>
+              <a:rPr lang="it-IT" dirty="0"/>
+              <a:t> (10 Ports </a:t>
+            </a:r>
+            <a:r>
+              <a:rPr lang="it-IT" dirty="0" err="1"/>
+              <a:t>mostly</a:t>
+            </a:r>
+            <a:r>
+              <a:rPr lang="it-IT" dirty="0"/>
+              <a:t> </a:t>
+            </a:r>
+            <a:r>
+              <a:rPr lang="it-IT" dirty="0" err="1"/>
+              <a:t>used</a:t>
+            </a:r>
+            <a:r>
+              <a:rPr lang="it-IT" dirty="0"/>
+              <a:t>);</a:t>
+            </a:r>
+          </a:p>
+          <a:p>
+            <a:pPr marL="400050" lvl="1" indent="0">
+              <a:buNone/>
+            </a:pPr>
+            <a:endParaRPr lang="it-IT" dirty="0"/>
+          </a:p>
+          <a:p>
+            <a:pPr marL="400050" lvl="1" indent="0">
+              <a:buNone/>
+            </a:pPr>
+            <a:r>
+              <a:rPr lang="it-IT" dirty="0"/>
+              <a:t>9) </a:t>
+            </a:r>
+            <a:r>
+              <a:rPr lang="it-IT" dirty="0" err="1"/>
+              <a:t>InterArrival</a:t>
+            </a:r>
+            <a:r>
+              <a:rPr lang="it-IT" dirty="0"/>
+              <a:t> Time </a:t>
+            </a:r>
+            <a:r>
+              <a:rPr lang="it-IT" dirty="0" err="1"/>
+              <a:t>boxplot</a:t>
+            </a:r>
+            <a:r>
+              <a:rPr lang="it-IT" dirty="0"/>
+              <a:t> </a:t>
+            </a:r>
+            <a:r>
+              <a:rPr lang="it-IT" dirty="0" err="1"/>
+              <a:t>between</a:t>
+            </a:r>
+            <a:r>
+              <a:rPr lang="it-IT" dirty="0"/>
+              <a:t> TCP and UDP Sessions;</a:t>
+            </a:r>
+          </a:p>
+          <a:p>
+            <a:pPr marL="400050" lvl="1" indent="0">
+              <a:buNone/>
+            </a:pPr>
+            <a:endParaRPr lang="it-IT" dirty="0"/>
+          </a:p>
+          <a:p>
+            <a:pPr marL="400050" lvl="1" indent="0">
+              <a:buNone/>
+            </a:pPr>
+            <a:endParaRPr lang="it-IT" dirty="0"/>
+          </a:p>
+          <a:p>
+            <a:pPr marL="857250" lvl="1" indent="-457200">
+              <a:buAutoNum type="arabicParenR"/>
+            </a:pPr>
+            <a:endParaRPr lang="it-IT" dirty="0"/>
+          </a:p>
+          <a:p>
+            <a:pPr marL="857250" lvl="1" indent="-457200">
+              <a:buAutoNum type="arabicParenR"/>
+            </a:pPr>
+            <a:endParaRPr lang="it-IT" dirty="0"/>
+          </a:p>
+          <a:p>
+            <a:pPr marL="857250" lvl="1" indent="-457200">
+              <a:buAutoNum type="arabicParenR"/>
+            </a:pPr>
+            <a:endParaRPr lang="it-IT" dirty="0"/>
           </a:p>
           <a:p>
             <a:pPr marL="0" indent="0">
               <a:buNone/>
             </a:pPr>
-            <a:endParaRPr lang="it-IT" sz="1400" kern="0" dirty="0"/>
-          </a:p>
-          <a:p>
-            <a:pPr marL="0" indent="0">
-              <a:buNone/>
-            </a:pPr>
-            <a:endParaRPr lang="it-IT" sz="1400" kern="0" dirty="0">
-              <a:latin typeface="Calibri"/>
-              <a:ea typeface="MS PGothic" panose="020B0600070205080204" pitchFamily="34" charset="-128"/>
-              <a:cs typeface="ＭＳ Ｐゴシック" charset="0"/>
-            </a:endParaRPr>
-          </a:p>
-          <a:p>
-            <a:pPr marL="0" indent="0">
-              <a:buNone/>
-            </a:pPr>
-            <a:endParaRPr lang="it-IT" sz="1400" kern="0" dirty="0"/>
-          </a:p>
-          <a:p>
-            <a:pPr marL="0" indent="0">
-              <a:buNone/>
-            </a:pPr>
-            <a:endParaRPr lang="it-IT" sz="1400" kern="0" dirty="0">
-              <a:latin typeface="Calibri"/>
-              <a:ea typeface="MS PGothic" panose="020B0600070205080204" pitchFamily="34" charset="-128"/>
-              <a:cs typeface="ＭＳ Ｐゴシック" charset="0"/>
-            </a:endParaRPr>
-          </a:p>
-          <a:p>
-            <a:pPr marL="0" indent="0">
-              <a:buNone/>
-            </a:pPr>
-            <a:endParaRPr lang="it-IT" sz="1400" kern="0" dirty="0"/>
-          </a:p>
-          <a:p>
-            <a:pPr marL="0" indent="0">
-              <a:buNone/>
-            </a:pPr>
-            <a:r>
-              <a:rPr lang="it-IT" sz="2900" kern="0" dirty="0">
-                <a:latin typeface="Calibri"/>
-                <a:ea typeface="MS PGothic" panose="020B0600070205080204" pitchFamily="34" charset="-128"/>
-                <a:cs typeface="ＭＳ Ｐゴシック" charset="0"/>
-              </a:rPr>
-              <a:t>Mail: davide.aureli@uniroma1.it</a:t>
-            </a:r>
+            <a:endParaRPr lang="it-IT" dirty="0"/>
           </a:p>
         </p:txBody>
       </p:sp>
     </p:spTree>
     <p:extLst>
       <p:ext uri="{BB962C8B-B14F-4D97-AF65-F5344CB8AC3E}">
-        <p14:creationId xmlns:p14="http://schemas.microsoft.com/office/powerpoint/2010/main" val="3188264455"/>
+        <p14:creationId xmlns:p14="http://schemas.microsoft.com/office/powerpoint/2010/main" val="480942248"/>
       </p:ext>
     </p:extLst>
   </p:cSld>
@@ -24834,6 +25163,826 @@
     <p:extLst>
       <p:ext uri="{BB962C8B-B14F-4D97-AF65-F5344CB8AC3E}">
         <p14:creationId xmlns:p14="http://schemas.microsoft.com/office/powerpoint/2010/main" val="3099832856"/>
+      </p:ext>
+    </p:extLst>
+  </p:cSld>
+  <p:clrMapOvr>
+    <a:masterClrMapping/>
+  </p:clrMapOvr>
+</p:sld>
+</file>
+
+<file path=ppt/slides/slide80.xml><?xml version="1.0" encoding="utf-8"?>
+<p:sld xmlns:a="http://schemas.openxmlformats.org/drawingml/2006/main" xmlns:r="http://schemas.openxmlformats.org/officeDocument/2006/relationships" xmlns:p="http://schemas.openxmlformats.org/presentationml/2006/main">
+  <p:cSld>
+    <p:spTree>
+      <p:nvGrpSpPr>
+        <p:cNvPr id="1" name=""/>
+        <p:cNvGrpSpPr/>
+        <p:nvPr/>
+      </p:nvGrpSpPr>
+      <p:grpSpPr>
+        <a:xfrm>
+          <a:off x="0" y="0"/>
+          <a:ext cx="0" cy="0"/>
+          <a:chOff x="0" y="0"/>
+          <a:chExt cx="0" cy="0"/>
+        </a:xfrm>
+      </p:grpSpPr>
+      <p:sp>
+        <p:nvSpPr>
+          <p:cNvPr id="2" name="Titolo 1">
+            <a:extLst>
+              <a:ext uri="{FF2B5EF4-FFF2-40B4-BE49-F238E27FC236}">
+                <a16:creationId xmlns:a16="http://schemas.microsoft.com/office/drawing/2014/main" id="{7855A804-757E-4B54-A4A8-A5221E526889}"/>
+              </a:ext>
+            </a:extLst>
+          </p:cNvPr>
+          <p:cNvSpPr>
+            <a:spLocks noGrp="1"/>
+          </p:cNvSpPr>
+          <p:nvPr>
+            <p:ph type="title"/>
+          </p:nvPr>
+        </p:nvSpPr>
+        <p:spPr/>
+        <p:txBody>
+          <a:bodyPr/>
+          <a:lstStyle/>
+          <a:p>
+            <a:r>
+              <a:rPr lang="it-IT" dirty="0"/>
+              <a:t>Project Assignment</a:t>
+            </a:r>
+          </a:p>
+        </p:txBody>
+      </p:sp>
+      <p:sp>
+        <p:nvSpPr>
+          <p:cNvPr id="4" name="Segnaposto contenuto 3">
+            <a:extLst>
+              <a:ext uri="{FF2B5EF4-FFF2-40B4-BE49-F238E27FC236}">
+                <a16:creationId xmlns:a16="http://schemas.microsoft.com/office/drawing/2014/main" id="{1B9F181D-C53C-4ADF-B871-B3DD739C905D}"/>
+              </a:ext>
+            </a:extLst>
+          </p:cNvPr>
+          <p:cNvSpPr>
+            <a:spLocks noGrp="1"/>
+          </p:cNvSpPr>
+          <p:nvPr>
+            <p:ph sz="half" idx="2"/>
+          </p:nvPr>
+        </p:nvSpPr>
+        <p:spPr>
+          <a:xfrm>
+            <a:off x="179512" y="1752600"/>
+            <a:ext cx="8856984" cy="4196680"/>
+          </a:xfrm>
+        </p:spPr>
+        <p:txBody>
+          <a:bodyPr/>
+          <a:lstStyle/>
+          <a:p>
+            <a:pPr marL="400050" lvl="1" indent="0">
+              <a:buNone/>
+            </a:pPr>
+            <a:r>
+              <a:rPr lang="it-IT" dirty="0"/>
+              <a:t>10) </a:t>
+            </a:r>
+            <a:r>
+              <a:rPr lang="it-IT" dirty="0" err="1"/>
+              <a:t>Develope</a:t>
+            </a:r>
+            <a:r>
+              <a:rPr lang="it-IT" dirty="0"/>
+              <a:t> </a:t>
+            </a:r>
+            <a:r>
+              <a:rPr lang="it-IT" dirty="0" err="1"/>
+              <a:t>your</a:t>
+            </a:r>
+            <a:r>
+              <a:rPr lang="it-IT" dirty="0"/>
+              <a:t> </a:t>
+            </a:r>
+            <a:r>
+              <a:rPr lang="it-IT" dirty="0" err="1"/>
+              <a:t>own</a:t>
+            </a:r>
+            <a:r>
+              <a:rPr lang="it-IT" dirty="0"/>
+              <a:t> </a:t>
+            </a:r>
+            <a:r>
+              <a:rPr lang="it-IT" dirty="0" err="1"/>
+              <a:t>analysis</a:t>
+            </a:r>
+            <a:r>
+              <a:rPr lang="it-IT" dirty="0"/>
+              <a:t> (e.g. </a:t>
+            </a:r>
+            <a:r>
+              <a:rPr lang="it-IT" dirty="0" err="1"/>
+              <a:t>Topology</a:t>
+            </a:r>
+            <a:r>
+              <a:rPr lang="it-IT" dirty="0"/>
+              <a:t> of the network </a:t>
+            </a:r>
+            <a:r>
+              <a:rPr lang="it-IT" dirty="0" err="1"/>
+              <a:t>using</a:t>
+            </a:r>
+            <a:r>
+              <a:rPr lang="it-IT" dirty="0"/>
+              <a:t> </a:t>
+            </a:r>
+            <a:r>
+              <a:rPr lang="it-IT" dirty="0" err="1"/>
+              <a:t>networkx</a:t>
+            </a:r>
+            <a:r>
+              <a:rPr lang="it-IT" dirty="0"/>
+              <a:t> or </a:t>
+            </a:r>
+            <a:r>
+              <a:rPr lang="it-IT" dirty="0" err="1"/>
+              <a:t>evaluation</a:t>
+            </a:r>
+            <a:r>
+              <a:rPr lang="it-IT" dirty="0"/>
+              <a:t> </a:t>
+            </a:r>
+            <a:r>
+              <a:rPr lang="it-IT" dirty="0" err="1"/>
+              <a:t>about</a:t>
+            </a:r>
+            <a:r>
+              <a:rPr lang="it-IT" dirty="0"/>
+              <a:t> a </a:t>
+            </a:r>
+            <a:r>
+              <a:rPr lang="it-IT" dirty="0" err="1"/>
+              <a:t>variable</a:t>
+            </a:r>
+            <a:r>
+              <a:rPr lang="it-IT" dirty="0"/>
+              <a:t> </a:t>
+            </a:r>
+            <a:r>
+              <a:rPr lang="it-IT" dirty="0" err="1"/>
+              <a:t>such</a:t>
+            </a:r>
+            <a:r>
+              <a:rPr lang="it-IT" dirty="0"/>
+              <a:t> </a:t>
+            </a:r>
+            <a:r>
+              <a:rPr lang="it-IT" dirty="0" err="1"/>
+              <a:t>as</a:t>
+            </a:r>
+            <a:r>
+              <a:rPr lang="it-IT" dirty="0"/>
+              <a:t> TTL) (</a:t>
+            </a:r>
+            <a:r>
+              <a:rPr lang="it-IT" dirty="0">
+                <a:highlight>
+                  <a:srgbClr val="FFFF00"/>
+                </a:highlight>
+              </a:rPr>
+              <a:t>BONUS</a:t>
+            </a:r>
+            <a:r>
+              <a:rPr lang="it-IT" dirty="0"/>
+              <a:t>)</a:t>
+            </a:r>
+          </a:p>
+          <a:p>
+            <a:pPr marL="857250" lvl="1" indent="-457200">
+              <a:buAutoNum type="arabicParenR"/>
+            </a:pPr>
+            <a:endParaRPr lang="it-IT" dirty="0"/>
+          </a:p>
+          <a:p>
+            <a:pPr marL="857250" lvl="1" indent="-457200">
+              <a:buAutoNum type="arabicParenR"/>
+            </a:pPr>
+            <a:endParaRPr lang="it-IT" dirty="0"/>
+          </a:p>
+          <a:p>
+            <a:pPr marL="857250" lvl="1" indent="-457200">
+              <a:buAutoNum type="arabicParenR"/>
+            </a:pPr>
+            <a:endParaRPr lang="it-IT" dirty="0"/>
+          </a:p>
+          <a:p>
+            <a:pPr marL="857250" lvl="1" indent="-457200">
+              <a:buAutoNum type="arabicParenR"/>
+            </a:pPr>
+            <a:endParaRPr lang="it-IT" dirty="0"/>
+          </a:p>
+          <a:p>
+            <a:pPr marL="0" indent="0">
+              <a:buNone/>
+            </a:pPr>
+            <a:endParaRPr lang="it-IT" dirty="0"/>
+          </a:p>
+        </p:txBody>
+      </p:sp>
+    </p:spTree>
+    <p:extLst>
+      <p:ext uri="{BB962C8B-B14F-4D97-AF65-F5344CB8AC3E}">
+        <p14:creationId xmlns:p14="http://schemas.microsoft.com/office/powerpoint/2010/main" val="894385872"/>
+      </p:ext>
+    </p:extLst>
+  </p:cSld>
+  <p:clrMapOvr>
+    <a:masterClrMapping/>
+  </p:clrMapOvr>
+</p:sld>
+</file>
+
+<file path=ppt/slides/slide81.xml><?xml version="1.0" encoding="utf-8"?>
+<p:sld xmlns:a="http://schemas.openxmlformats.org/drawingml/2006/main" xmlns:r="http://schemas.openxmlformats.org/officeDocument/2006/relationships" xmlns:p="http://schemas.openxmlformats.org/presentationml/2006/main">
+  <p:cSld>
+    <p:spTree>
+      <p:nvGrpSpPr>
+        <p:cNvPr id="1" name=""/>
+        <p:cNvGrpSpPr/>
+        <p:nvPr/>
+      </p:nvGrpSpPr>
+      <p:grpSpPr>
+        <a:xfrm>
+          <a:off x="0" y="0"/>
+          <a:ext cx="0" cy="0"/>
+          <a:chOff x="0" y="0"/>
+          <a:chExt cx="0" cy="0"/>
+        </a:xfrm>
+      </p:grpSpPr>
+      <p:sp>
+        <p:nvSpPr>
+          <p:cNvPr id="2" name="Titolo 1">
+            <a:extLst>
+              <a:ext uri="{FF2B5EF4-FFF2-40B4-BE49-F238E27FC236}">
+                <a16:creationId xmlns:a16="http://schemas.microsoft.com/office/drawing/2014/main" id="{7855A804-757E-4B54-A4A8-A5221E526889}"/>
+              </a:ext>
+            </a:extLst>
+          </p:cNvPr>
+          <p:cNvSpPr>
+            <a:spLocks noGrp="1"/>
+          </p:cNvSpPr>
+          <p:nvPr>
+            <p:ph type="title"/>
+          </p:nvPr>
+        </p:nvSpPr>
+        <p:spPr/>
+        <p:txBody>
+          <a:bodyPr/>
+          <a:lstStyle/>
+          <a:p>
+            <a:r>
+              <a:rPr lang="it-IT" dirty="0"/>
+              <a:t>Project Assignment</a:t>
+            </a:r>
+          </a:p>
+        </p:txBody>
+      </p:sp>
+      <p:sp>
+        <p:nvSpPr>
+          <p:cNvPr id="4" name="Segnaposto contenuto 3">
+            <a:extLst>
+              <a:ext uri="{FF2B5EF4-FFF2-40B4-BE49-F238E27FC236}">
+                <a16:creationId xmlns:a16="http://schemas.microsoft.com/office/drawing/2014/main" id="{1B9F181D-C53C-4ADF-B871-B3DD739C905D}"/>
+              </a:ext>
+            </a:extLst>
+          </p:cNvPr>
+          <p:cNvSpPr>
+            <a:spLocks noGrp="1"/>
+          </p:cNvSpPr>
+          <p:nvPr>
+            <p:ph sz="half" idx="2"/>
+          </p:nvPr>
+        </p:nvSpPr>
+        <p:spPr>
+          <a:xfrm>
+            <a:off x="323528" y="1752600"/>
+            <a:ext cx="8568952" cy="4196680"/>
+          </a:xfrm>
+        </p:spPr>
+        <p:txBody>
+          <a:bodyPr/>
+          <a:lstStyle/>
+          <a:p>
+            <a:pPr marL="0" indent="0">
+              <a:buNone/>
+            </a:pPr>
+            <a:r>
+              <a:rPr lang="it-IT" dirty="0"/>
+              <a:t>B) Using the same dataset, you can cut the time interval as you want trying to replicate or </a:t>
+            </a:r>
+            <a:r>
+              <a:rPr lang="it-IT" dirty="0" err="1"/>
+              <a:t>Supervised</a:t>
+            </a:r>
+            <a:r>
+              <a:rPr lang="it-IT" dirty="0"/>
+              <a:t> or </a:t>
+            </a:r>
+            <a:r>
+              <a:rPr lang="it-IT" dirty="0" err="1"/>
+              <a:t>Unsupervised</a:t>
+            </a:r>
+            <a:r>
+              <a:rPr lang="it-IT" dirty="0"/>
+              <a:t> </a:t>
+            </a:r>
+            <a:r>
+              <a:rPr lang="it-IT" dirty="0" err="1"/>
+              <a:t>classification</a:t>
+            </a:r>
+            <a:r>
+              <a:rPr lang="it-IT" dirty="0"/>
+              <a:t> </a:t>
+            </a:r>
+            <a:r>
+              <a:rPr lang="it-IT" dirty="0" err="1"/>
+              <a:t>problem</a:t>
+            </a:r>
+            <a:r>
+              <a:rPr lang="it-IT" dirty="0"/>
+              <a:t>. </a:t>
+            </a:r>
+          </a:p>
+          <a:p>
+            <a:pPr marL="0" indent="0">
+              <a:buNone/>
+            </a:pPr>
+            <a:endParaRPr lang="it-IT" dirty="0"/>
+          </a:p>
+          <a:p>
+            <a:pPr marL="0" indent="0">
+              <a:buNone/>
+            </a:pPr>
+            <a:r>
+              <a:rPr lang="it-IT" dirty="0" err="1"/>
+              <a:t>Summarizing</a:t>
+            </a:r>
+            <a:r>
+              <a:rPr lang="it-IT" dirty="0"/>
+              <a:t> results according to the accuracy and </a:t>
+            </a:r>
+            <a:r>
+              <a:rPr lang="it-IT" dirty="0" err="1"/>
+              <a:t>other</a:t>
+            </a:r>
+            <a:r>
+              <a:rPr lang="it-IT" dirty="0"/>
+              <a:t> </a:t>
+            </a:r>
+            <a:r>
+              <a:rPr lang="it-IT" dirty="0" err="1"/>
+              <a:t>metrics</a:t>
+            </a:r>
+            <a:r>
+              <a:rPr lang="it-IT" dirty="0"/>
+              <a:t> related to the label(</a:t>
+            </a:r>
+            <a:r>
+              <a:rPr lang="it-IT" sz="2400" dirty="0"/>
+              <a:t>**</a:t>
+            </a:r>
+            <a:r>
+              <a:rPr lang="it-IT" dirty="0"/>
+              <a:t>) </a:t>
+            </a:r>
+            <a:r>
+              <a:rPr lang="it-IT" dirty="0" err="1"/>
+              <a:t>considered</a:t>
+            </a:r>
+            <a:r>
+              <a:rPr lang="it-IT" dirty="0"/>
+              <a:t>, </a:t>
+            </a:r>
+            <a:r>
+              <a:rPr lang="it-IT" dirty="0" err="1"/>
+              <a:t>you</a:t>
+            </a:r>
+            <a:r>
+              <a:rPr lang="it-IT" dirty="0"/>
+              <a:t> can </a:t>
+            </a:r>
+            <a:r>
+              <a:rPr lang="it-IT" dirty="0" err="1"/>
+              <a:t>add</a:t>
+            </a:r>
+            <a:r>
+              <a:rPr lang="it-IT" dirty="0"/>
+              <a:t> the more </a:t>
+            </a:r>
+            <a:r>
+              <a:rPr lang="it-IT" dirty="0" err="1"/>
+              <a:t>variables</a:t>
+            </a:r>
+            <a:r>
+              <a:rPr lang="it-IT" dirty="0"/>
+              <a:t> w.r.t. the paper </a:t>
+            </a:r>
+            <a:r>
+              <a:rPr lang="it-IT" dirty="0" err="1"/>
+              <a:t>analyzed</a:t>
+            </a:r>
+            <a:r>
+              <a:rPr lang="it-IT" dirty="0"/>
+              <a:t> </a:t>
+            </a:r>
+            <a:r>
+              <a:rPr lang="it-IT" dirty="0" err="1"/>
+              <a:t>but</a:t>
+            </a:r>
+            <a:r>
+              <a:rPr lang="it-IT" dirty="0"/>
+              <a:t> </a:t>
+            </a:r>
+            <a:r>
+              <a:rPr lang="it-IT" dirty="0" err="1"/>
+              <a:t>remember</a:t>
+            </a:r>
+            <a:r>
+              <a:rPr lang="it-IT" dirty="0"/>
+              <a:t> </a:t>
+            </a:r>
+            <a:r>
+              <a:rPr lang="it-IT" dirty="0" err="1"/>
+              <a:t>you</a:t>
+            </a:r>
+            <a:r>
+              <a:rPr lang="it-IT" dirty="0"/>
+              <a:t> must work with </a:t>
+            </a:r>
+            <a:r>
+              <a:rPr lang="it-IT" u="sng" dirty="0"/>
+              <a:t>flow </a:t>
+            </a:r>
+            <a:r>
+              <a:rPr lang="it-IT" u="sng" dirty="0" err="1"/>
+              <a:t>based</a:t>
+            </a:r>
+            <a:r>
+              <a:rPr lang="it-IT" u="sng" dirty="0"/>
+              <a:t> features</a:t>
+            </a:r>
+            <a:r>
+              <a:rPr lang="it-IT" dirty="0"/>
+              <a:t>.</a:t>
+            </a:r>
+          </a:p>
+          <a:p>
+            <a:endParaRPr lang="it-IT" dirty="0"/>
+          </a:p>
+          <a:p>
+            <a:r>
+              <a:rPr lang="it-IT" sz="1600" dirty="0"/>
+              <a:t>**You can both replicate DSCP analysis or change the label for example classify TCP and UDP. You have complete freedom about the label and the algorithm for classification</a:t>
+            </a:r>
+          </a:p>
+        </p:txBody>
+      </p:sp>
+    </p:spTree>
+    <p:extLst>
+      <p:ext uri="{BB962C8B-B14F-4D97-AF65-F5344CB8AC3E}">
+        <p14:creationId xmlns:p14="http://schemas.microsoft.com/office/powerpoint/2010/main" val="2041815114"/>
+      </p:ext>
+    </p:extLst>
+  </p:cSld>
+  <p:clrMapOvr>
+    <a:masterClrMapping/>
+  </p:clrMapOvr>
+</p:sld>
+</file>
+
+<file path=ppt/slides/slide82.xml><?xml version="1.0" encoding="utf-8"?>
+<p:sld xmlns:a="http://schemas.openxmlformats.org/drawingml/2006/main" xmlns:r="http://schemas.openxmlformats.org/officeDocument/2006/relationships" xmlns:p="http://schemas.openxmlformats.org/presentationml/2006/main">
+  <p:cSld>
+    <p:spTree>
+      <p:nvGrpSpPr>
+        <p:cNvPr id="1" name=""/>
+        <p:cNvGrpSpPr/>
+        <p:nvPr/>
+      </p:nvGrpSpPr>
+      <p:grpSpPr>
+        <a:xfrm>
+          <a:off x="0" y="0"/>
+          <a:ext cx="0" cy="0"/>
+          <a:chOff x="0" y="0"/>
+          <a:chExt cx="0" cy="0"/>
+        </a:xfrm>
+      </p:grpSpPr>
+      <p:pic>
+        <p:nvPicPr>
+          <p:cNvPr id="9" name="Immagine 8" descr="Immagine che contiene donna&#10;&#10;Descrizione generata automaticamente">
+            <a:extLst>
+              <a:ext uri="{FF2B5EF4-FFF2-40B4-BE49-F238E27FC236}">
+                <a16:creationId xmlns:a16="http://schemas.microsoft.com/office/drawing/2014/main" id="{7271360F-916C-44E7-9FCD-460D9976447C}"/>
+              </a:ext>
+            </a:extLst>
+          </p:cNvPr>
+          <p:cNvPicPr>
+            <a:picLocks noChangeAspect="1"/>
+          </p:cNvPicPr>
+          <p:nvPr/>
+        </p:nvPicPr>
+        <p:blipFill>
+          <a:blip r:embed="rId2"/>
+          <a:stretch>
+            <a:fillRect/>
+          </a:stretch>
+        </p:blipFill>
+        <p:spPr>
+          <a:xfrm>
+            <a:off x="4427984" y="1211767"/>
+            <a:ext cx="4018541" cy="4032447"/>
+          </a:xfrm>
+          <a:prstGeom prst="rect">
+            <a:avLst/>
+          </a:prstGeom>
+          <a:noFill/>
+        </p:spPr>
+      </p:pic>
+      <p:sp>
+        <p:nvSpPr>
+          <p:cNvPr id="10" name="Segnaposto testo 2">
+            <a:extLst>
+              <a:ext uri="{FF2B5EF4-FFF2-40B4-BE49-F238E27FC236}">
+                <a16:creationId xmlns:a16="http://schemas.microsoft.com/office/drawing/2014/main" id="{A67F8E37-437C-4404-A7BA-291C99B26AC2}"/>
+              </a:ext>
+            </a:extLst>
+          </p:cNvPr>
+          <p:cNvSpPr txBox="1">
+            <a:spLocks/>
+          </p:cNvSpPr>
+          <p:nvPr/>
+        </p:nvSpPr>
+        <p:spPr bwMode="auto">
+          <a:xfrm>
+            <a:off x="542824" y="1606994"/>
+            <a:ext cx="3381104" cy="3982246"/>
+          </a:xfrm>
+          <a:prstGeom prst="rect">
+            <a:avLst/>
+          </a:prstGeom>
+          <a:noFill/>
+          <a:ln>
+            <a:noFill/>
+          </a:ln>
+          <a:extLst>
+            <a:ext uri="{909E8E84-426E-40DD-AFC4-6F175D3DCCD1}">
+              <a14:hiddenFill xmlns:a14="http://schemas.microsoft.com/office/drawing/2010/main">
+                <a:solidFill>
+                  <a:schemeClr val="accent1"/>
+                </a:solidFill>
+              </a14:hiddenFill>
+            </a:ext>
+            <a:ext uri="{91240B29-F687-4F45-9708-019B960494DF}">
+              <a14:hiddenLine xmlns:a14="http://schemas.microsoft.com/office/drawing/2010/main" w="9525">
+                <a:solidFill>
+                  <a:schemeClr val="tx1"/>
+                </a:solidFill>
+                <a:miter lim="800000"/>
+                <a:headEnd/>
+                <a:tailEnd/>
+              </a14:hiddenLine>
+            </a:ext>
+          </a:extLst>
+        </p:spPr>
+        <p:txBody>
+          <a:bodyPr vert="horz" wrap="square" lIns="91440" tIns="45720" rIns="91440" bIns="45720" numCol="1" anchor="t" anchorCtr="0" compatLnSpc="1">
+            <a:prstTxWarp prst="textNoShape">
+              <a:avLst/>
+            </a:prstTxWarp>
+            <a:normAutofit fontScale="70000" lnSpcReduction="20000"/>
+          </a:bodyPr>
+          <a:lstStyle>
+            <a:lvl1pPr marL="342900" indent="-342900" algn="l" rtl="0" eaLnBrk="0" fontAlgn="base" hangingPunct="0">
+              <a:spcBef>
+                <a:spcPct val="20000"/>
+              </a:spcBef>
+              <a:spcAft>
+                <a:spcPct val="0"/>
+              </a:spcAft>
+              <a:buClr>
+                <a:srgbClr val="822433"/>
+              </a:buClr>
+              <a:buChar char="•"/>
+              <a:defRPr sz="2400">
+                <a:solidFill>
+                  <a:srgbClr val="000000"/>
+                </a:solidFill>
+                <a:latin typeface="Calibri"/>
+                <a:ea typeface="MS PGothic" panose="020B0600070205080204" pitchFamily="34" charset="-128"/>
+                <a:cs typeface="ＭＳ Ｐゴシック" charset="0"/>
+              </a:defRPr>
+            </a:lvl1pPr>
+            <a:lvl2pPr marL="742950" indent="-285750" algn="l" rtl="0" eaLnBrk="0" fontAlgn="base" hangingPunct="0">
+              <a:spcBef>
+                <a:spcPct val="20000"/>
+              </a:spcBef>
+              <a:spcAft>
+                <a:spcPct val="0"/>
+              </a:spcAft>
+              <a:buChar char="–"/>
+              <a:defRPr sz="2000">
+                <a:solidFill>
+                  <a:srgbClr val="000000"/>
+                </a:solidFill>
+                <a:latin typeface="Calibri"/>
+                <a:ea typeface="MS PGothic" panose="020B0600070205080204" pitchFamily="34" charset="-128"/>
+              </a:defRPr>
+            </a:lvl2pPr>
+            <a:lvl3pPr marL="1143000" indent="-228600" algn="l" rtl="0" eaLnBrk="0" fontAlgn="base" hangingPunct="0">
+              <a:spcBef>
+                <a:spcPct val="20000"/>
+              </a:spcBef>
+              <a:spcAft>
+                <a:spcPct val="0"/>
+              </a:spcAft>
+              <a:buChar char="•"/>
+              <a:defRPr sz="1600">
+                <a:solidFill>
+                  <a:srgbClr val="000000"/>
+                </a:solidFill>
+                <a:latin typeface="Calibri"/>
+                <a:ea typeface="MS PGothic" panose="020B0600070205080204" pitchFamily="34" charset="-128"/>
+              </a:defRPr>
+            </a:lvl3pPr>
+            <a:lvl4pPr marL="1562100" indent="-228600" algn="l" rtl="0" eaLnBrk="0" fontAlgn="base" hangingPunct="0">
+              <a:spcBef>
+                <a:spcPct val="20000"/>
+              </a:spcBef>
+              <a:spcAft>
+                <a:spcPct val="0"/>
+              </a:spcAft>
+              <a:buChar char="–"/>
+              <a:defRPr sz="1400">
+                <a:solidFill>
+                  <a:srgbClr val="000000"/>
+                </a:solidFill>
+                <a:latin typeface="Calibri"/>
+                <a:ea typeface="MS PGothic" panose="020B0600070205080204" pitchFamily="34" charset="-128"/>
+              </a:defRPr>
+            </a:lvl4pPr>
+            <a:lvl5pPr marL="1981200" indent="-228600" algn="l" rtl="0" eaLnBrk="0" fontAlgn="base" hangingPunct="0">
+              <a:spcBef>
+                <a:spcPct val="20000"/>
+              </a:spcBef>
+              <a:spcAft>
+                <a:spcPct val="0"/>
+              </a:spcAft>
+              <a:buChar char="»"/>
+              <a:defRPr sz="1200">
+                <a:solidFill>
+                  <a:srgbClr val="000000"/>
+                </a:solidFill>
+                <a:latin typeface="Calibri"/>
+                <a:ea typeface="MS PGothic" panose="020B0600070205080204" pitchFamily="34" charset="-128"/>
+              </a:defRPr>
+            </a:lvl5pPr>
+            <a:lvl6pPr marL="2438400" indent="-228600" algn="l" rtl="0" eaLnBrk="1" fontAlgn="base" hangingPunct="1">
+              <a:spcBef>
+                <a:spcPct val="20000"/>
+              </a:spcBef>
+              <a:spcAft>
+                <a:spcPct val="0"/>
+              </a:spcAft>
+              <a:buChar char="»"/>
+              <a:defRPr sz="1200">
+                <a:solidFill>
+                  <a:srgbClr val="000000"/>
+                </a:solidFill>
+                <a:latin typeface="+mn-lt"/>
+                <a:ea typeface="+mn-ea"/>
+              </a:defRPr>
+            </a:lvl6pPr>
+            <a:lvl7pPr marL="2895600" indent="-228600" algn="l" rtl="0" eaLnBrk="1" fontAlgn="base" hangingPunct="1">
+              <a:spcBef>
+                <a:spcPct val="20000"/>
+              </a:spcBef>
+              <a:spcAft>
+                <a:spcPct val="0"/>
+              </a:spcAft>
+              <a:buChar char="»"/>
+              <a:defRPr sz="1200">
+                <a:solidFill>
+                  <a:srgbClr val="000000"/>
+                </a:solidFill>
+                <a:latin typeface="+mn-lt"/>
+                <a:ea typeface="+mn-ea"/>
+              </a:defRPr>
+            </a:lvl7pPr>
+            <a:lvl8pPr marL="3352800" indent="-228600" algn="l" rtl="0" eaLnBrk="1" fontAlgn="base" hangingPunct="1">
+              <a:spcBef>
+                <a:spcPct val="20000"/>
+              </a:spcBef>
+              <a:spcAft>
+                <a:spcPct val="0"/>
+              </a:spcAft>
+              <a:buChar char="»"/>
+              <a:defRPr sz="1200">
+                <a:solidFill>
+                  <a:srgbClr val="000000"/>
+                </a:solidFill>
+                <a:latin typeface="+mn-lt"/>
+                <a:ea typeface="+mn-ea"/>
+              </a:defRPr>
+            </a:lvl8pPr>
+            <a:lvl9pPr marL="3810000" indent="-228600" algn="l" rtl="0" eaLnBrk="1" fontAlgn="base" hangingPunct="1">
+              <a:spcBef>
+                <a:spcPct val="20000"/>
+              </a:spcBef>
+              <a:spcAft>
+                <a:spcPct val="0"/>
+              </a:spcAft>
+              <a:buChar char="»"/>
+              <a:defRPr sz="1200">
+                <a:solidFill>
+                  <a:srgbClr val="000000"/>
+                </a:solidFill>
+                <a:latin typeface="+mn-lt"/>
+                <a:ea typeface="+mn-ea"/>
+              </a:defRPr>
+            </a:lvl9pPr>
+          </a:lstStyle>
+          <a:p>
+            <a:pPr marL="0" indent="0" algn="ctr">
+              <a:buNone/>
+            </a:pPr>
+            <a:r>
+              <a:rPr lang="it-IT" sz="7700" kern="0" dirty="0">
+                <a:latin typeface="Calibri"/>
+                <a:ea typeface="MS PGothic" panose="020B0600070205080204" pitchFamily="34" charset="-128"/>
+                <a:cs typeface="ＭＳ Ｐゴシック" charset="0"/>
+              </a:rPr>
+              <a:t>Thank you for your attention !</a:t>
+            </a:r>
+          </a:p>
+          <a:p>
+            <a:pPr marL="0" indent="0">
+              <a:buNone/>
+            </a:pPr>
+            <a:endParaRPr lang="it-IT" sz="1400" kern="0" dirty="0"/>
+          </a:p>
+          <a:p>
+            <a:pPr marL="0" indent="0">
+              <a:buNone/>
+            </a:pPr>
+            <a:endParaRPr lang="it-IT" sz="1400" kern="0" dirty="0">
+              <a:latin typeface="Calibri"/>
+              <a:ea typeface="MS PGothic" panose="020B0600070205080204" pitchFamily="34" charset="-128"/>
+              <a:cs typeface="ＭＳ Ｐゴシック" charset="0"/>
+            </a:endParaRPr>
+          </a:p>
+          <a:p>
+            <a:pPr marL="0" indent="0">
+              <a:buNone/>
+            </a:pPr>
+            <a:endParaRPr lang="it-IT" sz="1400" kern="0" dirty="0"/>
+          </a:p>
+          <a:p>
+            <a:pPr marL="0" indent="0">
+              <a:buNone/>
+            </a:pPr>
+            <a:endParaRPr lang="it-IT" sz="1400" kern="0" dirty="0">
+              <a:latin typeface="Calibri"/>
+              <a:ea typeface="MS PGothic" panose="020B0600070205080204" pitchFamily="34" charset="-128"/>
+              <a:cs typeface="ＭＳ Ｐゴシック" charset="0"/>
+            </a:endParaRPr>
+          </a:p>
+          <a:p>
+            <a:pPr marL="0" indent="0">
+              <a:buNone/>
+            </a:pPr>
+            <a:endParaRPr lang="it-IT" sz="1400" kern="0" dirty="0"/>
+          </a:p>
+          <a:p>
+            <a:pPr marL="0" indent="0">
+              <a:buNone/>
+            </a:pPr>
+            <a:r>
+              <a:rPr lang="it-IT" sz="2900" kern="0" dirty="0">
+                <a:latin typeface="Calibri"/>
+                <a:ea typeface="MS PGothic" panose="020B0600070205080204" pitchFamily="34" charset="-128"/>
+                <a:cs typeface="ＭＳ Ｐゴシック" charset="0"/>
+              </a:rPr>
+              <a:t>Mail: davide.aureli@uniroma1.it</a:t>
+            </a:r>
+          </a:p>
+        </p:txBody>
+      </p:sp>
+    </p:spTree>
+    <p:extLst>
+      <p:ext uri="{BB962C8B-B14F-4D97-AF65-F5344CB8AC3E}">
+        <p14:creationId xmlns:p14="http://schemas.microsoft.com/office/powerpoint/2010/main" val="3188264455"/>
       </p:ext>
     </p:extLst>
   </p:cSld>
